--- a/fuentes/contenidos/grado09/guion05/MapaConceptual_MA_09_05_CO.pptx
+++ b/fuentes/contenidos/grado09/guion05/MapaConceptual_MA_09_05_CO.pptx
@@ -106,7 +106,18 @@
   </p:defaultTextStyle>
   <p:extLst>
     <p:ext uri="{EFAFB233-063F-42B5-8137-9DF3F51BA10A}">
-      <p15:sldGuideLst xmlns="" xmlns:p15="http://schemas.microsoft.com/office/powerpoint/2012/main"/>
+      <p15:sldGuideLst xmlns:p15="http://schemas.microsoft.com/office/powerpoint/2012/main">
+        <p15:guide id="1" orient="horz" pos="2160">
+          <p15:clr>
+            <a:srgbClr val="A4A3A4"/>
+          </p15:clr>
+        </p15:guide>
+        <p15:guide id="2" pos="4015">
+          <p15:clr>
+            <a:srgbClr val="A4A3A4"/>
+          </p15:clr>
+        </p15:guide>
+      </p15:sldGuideLst>
     </p:ext>
   </p:extLst>
 </p:presentation>
@@ -132,7 +143,7 @@
     </p:spTree>
     <p:extLst>
       <p:ext uri="{BB962C8B-B14F-4D97-AF65-F5344CB8AC3E}">
-        <p14:creationId xmlns:p14="http://schemas.microsoft.com/office/powerpoint/2010/main" xmlns="" val="2000257042"/>
+        <p14:creationId xmlns:p14="http://schemas.microsoft.com/office/powerpoint/2010/main" val="2000257042"/>
       </p:ext>
     </p:extLst>
   </p:cSld>
@@ -169,7 +180,7 @@
     </p:spTree>
     <p:extLst>
       <p:ext uri="{BB962C8B-B14F-4D97-AF65-F5344CB8AC3E}">
-        <p14:creationId xmlns:p14="http://schemas.microsoft.com/office/powerpoint/2010/main" xmlns="" val="1333581381"/>
+        <p14:creationId xmlns:p14="http://schemas.microsoft.com/office/powerpoint/2010/main" val="1333581381"/>
       </p:ext>
     </p:extLst>
   </p:cSld>
@@ -206,7 +217,7 @@
     </p:spTree>
     <p:extLst>
       <p:ext uri="{BB962C8B-B14F-4D97-AF65-F5344CB8AC3E}">
-        <p14:creationId xmlns:p14="http://schemas.microsoft.com/office/powerpoint/2010/main" xmlns="" val="1891644360"/>
+        <p14:creationId xmlns:p14="http://schemas.microsoft.com/office/powerpoint/2010/main" val="1891644360"/>
       </p:ext>
     </p:extLst>
   </p:cSld>
@@ -243,7 +254,7 @@
     </p:spTree>
     <p:extLst>
       <p:ext uri="{BB962C8B-B14F-4D97-AF65-F5344CB8AC3E}">
-        <p14:creationId xmlns:p14="http://schemas.microsoft.com/office/powerpoint/2010/main" xmlns="" val="3239374206"/>
+        <p14:creationId xmlns:p14="http://schemas.microsoft.com/office/powerpoint/2010/main" val="3239374206"/>
       </p:ext>
     </p:extLst>
   </p:cSld>
@@ -280,7 +291,7 @@
     </p:spTree>
     <p:extLst>
       <p:ext uri="{BB962C8B-B14F-4D97-AF65-F5344CB8AC3E}">
-        <p14:creationId xmlns:p14="http://schemas.microsoft.com/office/powerpoint/2010/main" xmlns="" val="307310304"/>
+        <p14:creationId xmlns:p14="http://schemas.microsoft.com/office/powerpoint/2010/main" val="307310304"/>
       </p:ext>
     </p:extLst>
   </p:cSld>
@@ -317,7 +328,7 @@
     </p:spTree>
     <p:extLst>
       <p:ext uri="{BB962C8B-B14F-4D97-AF65-F5344CB8AC3E}">
-        <p14:creationId xmlns:p14="http://schemas.microsoft.com/office/powerpoint/2010/main" xmlns="" val="3978690955"/>
+        <p14:creationId xmlns:p14="http://schemas.microsoft.com/office/powerpoint/2010/main" val="3978690955"/>
       </p:ext>
     </p:extLst>
   </p:cSld>
@@ -354,7 +365,7 @@
     </p:spTree>
     <p:extLst>
       <p:ext uri="{BB962C8B-B14F-4D97-AF65-F5344CB8AC3E}">
-        <p14:creationId xmlns:p14="http://schemas.microsoft.com/office/powerpoint/2010/main" xmlns="" val="2351846119"/>
+        <p14:creationId xmlns:p14="http://schemas.microsoft.com/office/powerpoint/2010/main" val="2351846119"/>
       </p:ext>
     </p:extLst>
   </p:cSld>
@@ -391,7 +402,7 @@
     </p:spTree>
     <p:extLst>
       <p:ext uri="{BB962C8B-B14F-4D97-AF65-F5344CB8AC3E}">
-        <p14:creationId xmlns:p14="http://schemas.microsoft.com/office/powerpoint/2010/main" xmlns="" val="3469546082"/>
+        <p14:creationId xmlns:p14="http://schemas.microsoft.com/office/powerpoint/2010/main" val="3469546082"/>
       </p:ext>
     </p:extLst>
   </p:cSld>
@@ -451,7 +462,7 @@
             <a:fld id="{5001C876-01F7-4317-94B9-1AE222133113}" type="datetimeFigureOut">
               <a:rPr lang="es-ES" smtClean="0"/>
               <a:pPr/>
-              <a:t>19/10/2015</a:t>
+              <a:t>11/12/2015</a:t>
             </a:fld>
             <a:endParaRPr lang="es-ES"/>
           </a:p>
@@ -519,7 +530,7 @@
     </p:spTree>
     <p:extLst>
       <p:ext uri="{BB962C8B-B14F-4D97-AF65-F5344CB8AC3E}">
-        <p14:creationId xmlns:p14="http://schemas.microsoft.com/office/powerpoint/2010/main" xmlns="" val="1897143918"/>
+        <p14:creationId xmlns:p14="http://schemas.microsoft.com/office/powerpoint/2010/main" val="1897143918"/>
       </p:ext>
     </p:extLst>
   </p:cSld>
@@ -556,7 +567,7 @@
     </p:spTree>
     <p:extLst>
       <p:ext uri="{BB962C8B-B14F-4D97-AF65-F5344CB8AC3E}">
-        <p14:creationId xmlns:p14="http://schemas.microsoft.com/office/powerpoint/2010/main" xmlns="" val="1289426299"/>
+        <p14:creationId xmlns:p14="http://schemas.microsoft.com/office/powerpoint/2010/main" val="1289426299"/>
       </p:ext>
     </p:extLst>
   </p:cSld>
@@ -593,7 +604,7 @@
     </p:spTree>
     <p:extLst>
       <p:ext uri="{BB962C8B-B14F-4D97-AF65-F5344CB8AC3E}">
-        <p14:creationId xmlns:p14="http://schemas.microsoft.com/office/powerpoint/2010/main" xmlns="" val="382388284"/>
+        <p14:creationId xmlns:p14="http://schemas.microsoft.com/office/powerpoint/2010/main" val="382388284"/>
       </p:ext>
     </p:extLst>
   </p:cSld>
@@ -681,7 +692,7 @@
           <a:blip r:embed="rId13" cstate="print">
             <a:extLst>
               <a:ext uri="{28A0092B-C50C-407E-A947-70E740481C1C}">
-                <a14:useLocalDpi xmlns:a14="http://schemas.microsoft.com/office/drawing/2010/main" xmlns="" val="0"/>
+                <a14:useLocalDpi xmlns:a14="http://schemas.microsoft.com/office/drawing/2010/main" val="0"/>
               </a:ext>
             </a:extLst>
           </a:blip>
@@ -702,7 +713,7 @@
     </p:spTree>
     <p:extLst>
       <p:ext uri="{BB962C8B-B14F-4D97-AF65-F5344CB8AC3E}">
-        <p14:creationId xmlns:p14="http://schemas.microsoft.com/office/powerpoint/2010/main" xmlns="" val="1541031311"/>
+        <p14:creationId xmlns:p14="http://schemas.microsoft.com/office/powerpoint/2010/main" val="1541031311"/>
       </p:ext>
     </p:extLst>
   </p:cSld>
@@ -1069,17 +1080,7 @@
                 <a:latin typeface="Arial" pitchFamily="34" charset="0"/>
                 <a:cs typeface="Arial" pitchFamily="34" charset="0"/>
               </a:rPr>
-              <a:t>S</a:t>
-            </a:r>
-            <a:r>
-              <a:rPr lang="es-CO" sz="1600" b="1" dirty="0" smtClean="0">
-                <a:solidFill>
-                  <a:schemeClr val="tx1"/>
-                </a:solidFill>
-                <a:latin typeface="Arial" pitchFamily="34" charset="0"/>
-                <a:cs typeface="Arial" pitchFamily="34" charset="0"/>
-              </a:rPr>
-              <a:t>istemas de ecuaciones lineales </a:t>
+              <a:t>Sistemas de ecuaciones lineales </a:t>
             </a:r>
             <a:endParaRPr lang="es-CO" sz="1600" b="1" dirty="0">
               <a:solidFill>
@@ -1129,6 +1130,16 @@
           <a:p>
             <a:pPr algn="ctr"/>
             <a:r>
+              <a:rPr lang="es-CO" sz="900" dirty="0">
+                <a:solidFill>
+                  <a:schemeClr val="tx1"/>
+                </a:solidFill>
+                <a:latin typeface="Arial" pitchFamily="34" charset="0"/>
+                <a:cs typeface="Arial" pitchFamily="34" charset="0"/>
+              </a:rPr>
+              <a:t>s</a:t>
+            </a:r>
+            <a:r>
               <a:rPr lang="es-CO" sz="900" dirty="0" smtClean="0">
                 <a:solidFill>
                   <a:schemeClr val="tx1"/>
@@ -1136,7 +1147,7 @@
                 <a:latin typeface="Arial" pitchFamily="34" charset="0"/>
                 <a:cs typeface="Arial" pitchFamily="34" charset="0"/>
               </a:rPr>
-              <a:t>Se define como   </a:t>
+              <a:t>e define como   </a:t>
             </a:r>
             <a:endParaRPr lang="es-CO" sz="900" dirty="0">
               <a:solidFill>
@@ -1188,6 +1199,16 @@
           <a:p>
             <a:pPr algn="ctr"/>
             <a:r>
+              <a:rPr lang="es-CO" sz="1050" dirty="0">
+                <a:solidFill>
+                  <a:schemeClr val="bg1"/>
+                </a:solidFill>
+                <a:latin typeface="Arial" pitchFamily="34" charset="0"/>
+                <a:cs typeface="Arial" pitchFamily="34" charset="0"/>
+              </a:rPr>
+              <a:t>g</a:t>
+            </a:r>
+            <a:r>
               <a:rPr lang="es-CO" sz="1050" dirty="0" smtClean="0">
                 <a:solidFill>
                   <a:schemeClr val="bg1"/>
@@ -1195,7 +1216,7 @@
                 <a:latin typeface="Arial" pitchFamily="34" charset="0"/>
                 <a:cs typeface="Arial" pitchFamily="34" charset="0"/>
               </a:rPr>
-              <a:t>Graficar las ecuaciones  </a:t>
+              <a:t>raficar las ecuaciones  </a:t>
             </a:r>
             <a:endParaRPr lang="es-CO" sz="1050" dirty="0">
               <a:solidFill>
@@ -1252,7 +1273,7 @@
                 <a:latin typeface="Arial" pitchFamily="34" charset="0"/>
                 <a:cs typeface="Arial" pitchFamily="34" charset="0"/>
               </a:rPr>
-              <a:t>Grafico</a:t>
+              <a:t>gráfico</a:t>
             </a:r>
             <a:r>
               <a:rPr lang="es-CO" sz="1200" b="1" dirty="0" smtClean="0">
@@ -1308,6 +1329,16 @@
           <a:p>
             <a:pPr algn="ctr"/>
             <a:r>
+              <a:rPr lang="es-CO" sz="1200" b="1" dirty="0">
+                <a:solidFill>
+                  <a:schemeClr val="tx1"/>
+                </a:solidFill>
+                <a:latin typeface="Arial" pitchFamily="34" charset="0"/>
+                <a:cs typeface="Arial" pitchFamily="34" charset="0"/>
+              </a:rPr>
+              <a:t>s</a:t>
+            </a:r>
+            <a:r>
               <a:rPr lang="es-CO" sz="1200" b="1" dirty="0" smtClean="0">
                 <a:solidFill>
                   <a:schemeClr val="tx1"/>
@@ -1315,7 +1346,7 @@
                 <a:latin typeface="Arial" pitchFamily="34" charset="0"/>
                 <a:cs typeface="Arial" pitchFamily="34" charset="0"/>
               </a:rPr>
-              <a:t>Sustitución</a:t>
+              <a:t>ustitución</a:t>
             </a:r>
             <a:r>
               <a:rPr lang="es-CO" sz="1200" b="1" dirty="0" smtClean="0">
@@ -1379,6 +1410,16 @@
           <a:p>
             <a:pPr algn="ctr"/>
             <a:r>
+              <a:rPr lang="es-CO" sz="1200" b="1" dirty="0">
+                <a:solidFill>
+                  <a:schemeClr val="tx1"/>
+                </a:solidFill>
+                <a:latin typeface="Arial" pitchFamily="34" charset="0"/>
+                <a:cs typeface="Arial" pitchFamily="34" charset="0"/>
+              </a:rPr>
+              <a:t>i</a:t>
+            </a:r>
+            <a:r>
               <a:rPr lang="es-CO" sz="1200" b="1" dirty="0" smtClean="0">
                 <a:solidFill>
                   <a:schemeClr val="tx1"/>
@@ -1386,7 +1427,7 @@
                 <a:latin typeface="Arial" pitchFamily="34" charset="0"/>
                 <a:cs typeface="Arial" pitchFamily="34" charset="0"/>
               </a:rPr>
-              <a:t>Igualación</a:t>
+              <a:t>gualación</a:t>
             </a:r>
             <a:r>
               <a:rPr lang="es-CO" sz="1200" b="1" dirty="0" smtClean="0">
@@ -1457,7 +1498,7 @@
                 <a:latin typeface="Arial" pitchFamily="34" charset="0"/>
                 <a:cs typeface="Arial" pitchFamily="34" charset="0"/>
               </a:rPr>
-              <a:t>Adición y sustracción  </a:t>
+              <a:t>adición y sustracción  </a:t>
             </a:r>
             <a:r>
               <a:rPr lang="es-CO" sz="1200" b="1" dirty="0" smtClean="0">
@@ -1517,6 +1558,16 @@
           <a:p>
             <a:pPr algn="ctr"/>
             <a:r>
+              <a:rPr lang="es-CO" sz="1200" b="1" dirty="0">
+                <a:solidFill>
+                  <a:schemeClr val="tx1"/>
+                </a:solidFill>
+                <a:latin typeface="Arial" pitchFamily="34" charset="0"/>
+                <a:cs typeface="Arial" pitchFamily="34" charset="0"/>
+              </a:rPr>
+              <a:t>d</a:t>
+            </a:r>
+            <a:r>
               <a:rPr lang="es-CO" sz="1200" b="1" dirty="0" smtClean="0">
                 <a:solidFill>
                   <a:schemeClr val="tx1"/>
@@ -1524,7 +1575,7 @@
                 <a:latin typeface="Arial" pitchFamily="34" charset="0"/>
                 <a:cs typeface="Arial" pitchFamily="34" charset="0"/>
               </a:rPr>
-              <a:t>Determinantes </a:t>
+              <a:t>eterminantes </a:t>
             </a:r>
             <a:r>
               <a:rPr lang="es-CO" sz="1200" b="1" dirty="0" smtClean="0">
@@ -1588,6 +1639,16 @@
           <a:p>
             <a:pPr algn="ctr"/>
             <a:r>
+              <a:rPr lang="es-CO" sz="900" dirty="0">
+                <a:solidFill>
+                  <a:schemeClr val="tx1"/>
+                </a:solidFill>
+                <a:latin typeface="Arial" pitchFamily="34" charset="0"/>
+                <a:cs typeface="Arial" pitchFamily="34" charset="0"/>
+              </a:rPr>
+              <a:t>c</a:t>
+            </a:r>
+            <a:r>
               <a:rPr lang="es-CO" sz="900" dirty="0" smtClean="0">
                 <a:solidFill>
                   <a:schemeClr val="tx1"/>
@@ -1595,8 +1656,15 @@
                 <a:latin typeface="Arial" pitchFamily="34" charset="0"/>
                 <a:cs typeface="Arial" pitchFamily="34" charset="0"/>
               </a:rPr>
-              <a:t>Consiste </a:t>
-            </a:r>
+              <a:t>onsiste </a:t>
+            </a:r>
+            <a:endParaRPr lang="es-CO" sz="900" dirty="0" smtClean="0">
+              <a:solidFill>
+                <a:schemeClr val="tx1"/>
+              </a:solidFill>
+              <a:latin typeface="Arial" pitchFamily="34" charset="0"/>
+              <a:cs typeface="Arial" pitchFamily="34" charset="0"/>
+            </a:endParaRPr>
           </a:p>
           <a:p>
             <a:pPr algn="ctr"/>
@@ -1629,7 +1697,7 @@
         <p:spPr>
           <a:xfrm>
             <a:off x="8383348" y="5356927"/>
-            <a:ext cx="720192" cy="566443"/>
+            <a:ext cx="738342" cy="566443"/>
           </a:xfrm>
           <a:prstGeom prst="rect">
             <a:avLst/>
@@ -1658,14 +1726,14 @@
           <a:p>
             <a:pPr algn="ctr"/>
             <a:r>
-              <a:rPr lang="es-CO" sz="900" dirty="0" smtClean="0">
-                <a:solidFill>
-                  <a:schemeClr val="tx1"/>
-                </a:solidFill>
-                <a:latin typeface="Arial" pitchFamily="34" charset="0"/>
-                <a:cs typeface="Arial" pitchFamily="34" charset="0"/>
-              </a:rPr>
-              <a:t>Puede pasar que tenga  </a:t>
+              <a:rPr lang="es-CO" sz="900" dirty="0">
+                <a:solidFill>
+                  <a:schemeClr val="tx1"/>
+                </a:solidFill>
+                <a:latin typeface="Arial" pitchFamily="34" charset="0"/>
+                <a:cs typeface="Arial" pitchFamily="34" charset="0"/>
+              </a:rPr>
+              <a:t>posibles soluciones</a:t>
             </a:r>
             <a:endParaRPr lang="es-CO" sz="900" dirty="0">
               <a:solidFill>
@@ -1715,6 +1783,16 @@
           <a:p>
             <a:pPr algn="ctr"/>
             <a:r>
+              <a:rPr lang="es-CO" sz="900" dirty="0">
+                <a:solidFill>
+                  <a:schemeClr val="tx1"/>
+                </a:solidFill>
+                <a:latin typeface="Arial" pitchFamily="34" charset="0"/>
+                <a:cs typeface="Arial" pitchFamily="34" charset="0"/>
+              </a:rPr>
+              <a:t>c</a:t>
+            </a:r>
+            <a:r>
               <a:rPr lang="es-CO" sz="900" dirty="0" smtClean="0">
                 <a:solidFill>
                   <a:schemeClr val="tx1"/>
@@ -1722,7 +1800,7 @@
                 <a:latin typeface="Arial" pitchFamily="34" charset="0"/>
                 <a:cs typeface="Arial" pitchFamily="34" charset="0"/>
               </a:rPr>
-              <a:t>Consiste</a:t>
+              <a:t>onsiste</a:t>
             </a:r>
           </a:p>
           <a:p>
@@ -1786,6 +1864,16 @@
           <a:lstStyle/>
           <a:p>
             <a:r>
+              <a:rPr lang="es-CO" sz="1050" dirty="0">
+                <a:solidFill>
+                  <a:schemeClr val="bg1"/>
+                </a:solidFill>
+                <a:latin typeface="Arial" pitchFamily="34" charset="0"/>
+                <a:cs typeface="Arial" pitchFamily="34" charset="0"/>
+              </a:rPr>
+              <a:t>d</a:t>
+            </a:r>
+            <a:r>
               <a:rPr lang="es-CO" sz="1050" dirty="0" smtClean="0">
                 <a:solidFill>
                   <a:schemeClr val="bg1"/>
@@ -1793,7 +1881,47 @@
                 <a:latin typeface="Arial" pitchFamily="34" charset="0"/>
                 <a:cs typeface="Arial" pitchFamily="34" charset="0"/>
               </a:rPr>
-              <a:t>Despejar una variable en una ecuación  y remplazar en la otra ecuación   </a:t>
+              <a:t>espejar </a:t>
+            </a:r>
+            <a:r>
+              <a:rPr lang="es-CO" sz="1050" dirty="0" smtClean="0">
+                <a:solidFill>
+                  <a:schemeClr val="bg1"/>
+                </a:solidFill>
+                <a:latin typeface="Arial" pitchFamily="34" charset="0"/>
+                <a:cs typeface="Arial" pitchFamily="34" charset="0"/>
+              </a:rPr>
+              <a:t>una variable en una ecuación  y </a:t>
+            </a:r>
+            <a:r>
+              <a:rPr lang="es-CO" sz="1050" dirty="0" smtClean="0">
+                <a:solidFill>
+                  <a:schemeClr val="bg1"/>
+                </a:solidFill>
+                <a:latin typeface="Arial" pitchFamily="34" charset="0"/>
+                <a:cs typeface="Arial" pitchFamily="34" charset="0"/>
+              </a:rPr>
+              <a:t>reemplazarla </a:t>
+            </a:r>
+            <a:r>
+              <a:rPr lang="es-CO" sz="1050" dirty="0" smtClean="0">
+                <a:solidFill>
+                  <a:schemeClr val="bg1"/>
+                </a:solidFill>
+                <a:latin typeface="Arial" pitchFamily="34" charset="0"/>
+                <a:cs typeface="Arial" pitchFamily="34" charset="0"/>
+              </a:rPr>
+              <a:t>en la otra </a:t>
+            </a:r>
+            <a:r>
+              <a:rPr lang="es-CO" sz="1050" dirty="0" smtClean="0">
+                <a:solidFill>
+                  <a:schemeClr val="bg1"/>
+                </a:solidFill>
+                <a:latin typeface="Arial" pitchFamily="34" charset="0"/>
+                <a:cs typeface="Arial" pitchFamily="34" charset="0"/>
+              </a:rPr>
+              <a:t>ecuación   </a:t>
             </a:r>
             <a:endParaRPr lang="es-CO" sz="1050" dirty="0">
               <a:solidFill>
@@ -1843,6 +1971,16 @@
           <a:p>
             <a:pPr algn="ctr"/>
             <a:r>
+              <a:rPr lang="es-CO" sz="900" dirty="0">
+                <a:solidFill>
+                  <a:schemeClr val="tx1"/>
+                </a:solidFill>
+                <a:latin typeface="Arial" pitchFamily="34" charset="0"/>
+                <a:cs typeface="Arial" pitchFamily="34" charset="0"/>
+              </a:rPr>
+              <a:t>c</a:t>
+            </a:r>
+            <a:r>
               <a:rPr lang="es-CO" sz="900" dirty="0" smtClean="0">
                 <a:solidFill>
                   <a:schemeClr val="tx1"/>
@@ -1850,7 +1988,7 @@
                 <a:latin typeface="Arial" pitchFamily="34" charset="0"/>
                 <a:cs typeface="Arial" pitchFamily="34" charset="0"/>
               </a:rPr>
-              <a:t>Consiste</a:t>
+              <a:t>onsiste</a:t>
             </a:r>
           </a:p>
           <a:p>
@@ -1914,6 +2052,16 @@
           <a:lstStyle/>
           <a:p>
             <a:r>
+              <a:rPr lang="es-CO" sz="1050" dirty="0">
+                <a:solidFill>
+                  <a:schemeClr val="bg1"/>
+                </a:solidFill>
+                <a:latin typeface="Arial" pitchFamily="34" charset="0"/>
+                <a:cs typeface="Arial" pitchFamily="34" charset="0"/>
+              </a:rPr>
+              <a:t>d</a:t>
+            </a:r>
+            <a:r>
               <a:rPr lang="es-CO" sz="1050" dirty="0" smtClean="0">
                 <a:solidFill>
                   <a:schemeClr val="bg1"/>
@@ -1921,7 +2069,17 @@
                 <a:latin typeface="Arial" pitchFamily="34" charset="0"/>
                 <a:cs typeface="Arial" pitchFamily="34" charset="0"/>
               </a:rPr>
-              <a:t>Despejar la misma incógnita  en  las dos ecuaciones  e igualarlas</a:t>
+              <a:t>espejar la misma incógnita  en  las dos ecuaciones  e </a:t>
+            </a:r>
+            <a:r>
+              <a:rPr lang="es-CO" sz="1050" dirty="0" smtClean="0">
+                <a:solidFill>
+                  <a:schemeClr val="bg1"/>
+                </a:solidFill>
+                <a:latin typeface="Arial" pitchFamily="34" charset="0"/>
+                <a:cs typeface="Arial" pitchFamily="34" charset="0"/>
+              </a:rPr>
+              <a:t>igualarlas</a:t>
             </a:r>
             <a:r>
               <a:rPr lang="es-CO" sz="1100" dirty="0" smtClean="0">
@@ -1929,7 +2087,7 @@
                   <a:schemeClr val="bg1"/>
                 </a:solidFill>
               </a:rPr>
-              <a:t>.    </a:t>
+              <a:t>   </a:t>
             </a:r>
             <a:endParaRPr lang="es-CO" sz="1100" dirty="0">
               <a:solidFill>
@@ -2010,6 +2168,16 @@
           <a:p>
             <a:pPr algn="ctr"/>
             <a:r>
+              <a:rPr lang="es-CO" sz="900" dirty="0">
+                <a:solidFill>
+                  <a:schemeClr val="tx1"/>
+                </a:solidFill>
+                <a:latin typeface="Arial" pitchFamily="34" charset="0"/>
+                <a:cs typeface="Arial" pitchFamily="34" charset="0"/>
+              </a:rPr>
+              <a:t>c</a:t>
+            </a:r>
+            <a:r>
               <a:rPr lang="es-CO" sz="900" dirty="0" smtClean="0">
                 <a:solidFill>
                   <a:schemeClr val="tx1"/>
@@ -2017,7 +2185,7 @@
                 <a:latin typeface="Arial" pitchFamily="34" charset="0"/>
                 <a:cs typeface="Arial" pitchFamily="34" charset="0"/>
               </a:rPr>
-              <a:t>Consiste</a:t>
+              <a:t>onsiste</a:t>
             </a:r>
           </a:p>
           <a:p>
@@ -2081,6 +2249,16 @@
           <a:lstStyle/>
           <a:p>
             <a:r>
+              <a:rPr lang="es-CO" sz="1050" dirty="0">
+                <a:solidFill>
+                  <a:schemeClr val="bg1"/>
+                </a:solidFill>
+                <a:latin typeface="Arial" pitchFamily="34" charset="0"/>
+                <a:cs typeface="Arial" pitchFamily="34" charset="0"/>
+              </a:rPr>
+              <a:t>m</a:t>
+            </a:r>
+            <a:r>
               <a:rPr lang="es-CO" sz="1050" dirty="0" smtClean="0">
                 <a:solidFill>
                   <a:schemeClr val="bg1"/>
@@ -2088,7 +2266,17 @@
                 <a:latin typeface="Arial" pitchFamily="34" charset="0"/>
                 <a:cs typeface="Arial" pitchFamily="34" charset="0"/>
               </a:rPr>
-              <a:t>Multiplicar una de las ecuaciones por un numero  </a:t>
+              <a:t>ultiplicar </a:t>
+            </a:r>
+            <a:r>
+              <a:rPr lang="es-CO" sz="1050" dirty="0" smtClean="0">
+                <a:solidFill>
+                  <a:schemeClr val="bg1"/>
+                </a:solidFill>
+                <a:latin typeface="Arial" pitchFamily="34" charset="0"/>
+                <a:cs typeface="Arial" pitchFamily="34" charset="0"/>
+              </a:rPr>
+              <a:t>una de las ecuaciones por un numero  </a:t>
             </a:r>
             <a:r>
               <a:rPr lang="es-CO" sz="1050" i="1" dirty="0" smtClean="0">
@@ -2158,6 +2346,16 @@
           <a:p>
             <a:pPr algn="ctr"/>
             <a:r>
+              <a:rPr lang="es-CO" sz="900" dirty="0">
+                <a:solidFill>
+                  <a:schemeClr val="tx1"/>
+                </a:solidFill>
+                <a:latin typeface="Arial" pitchFamily="34" charset="0"/>
+                <a:cs typeface="Arial" pitchFamily="34" charset="0"/>
+              </a:rPr>
+              <a:t>c</a:t>
+            </a:r>
+            <a:r>
               <a:rPr lang="es-CO" sz="900" dirty="0" smtClean="0">
                 <a:solidFill>
                   <a:schemeClr val="tx1"/>
@@ -2165,7 +2363,7 @@
                 <a:latin typeface="Arial" pitchFamily="34" charset="0"/>
                 <a:cs typeface="Arial" pitchFamily="34" charset="0"/>
               </a:rPr>
-              <a:t>Consiste</a:t>
+              <a:t>onsiste</a:t>
             </a:r>
           </a:p>
           <a:p>
@@ -2198,8 +2396,8 @@
         </p:nvSpPr>
         <p:spPr>
           <a:xfrm>
-            <a:off x="10986946" y="3233271"/>
-            <a:ext cx="1632950" cy="831274"/>
+            <a:off x="10977607" y="3233271"/>
+            <a:ext cx="1642289" cy="681219"/>
           </a:xfrm>
           <a:prstGeom prst="rect">
             <a:avLst/>
@@ -2228,6 +2426,33 @@
           <a:bodyPr rtlCol="0" anchor="ctr"/>
           <a:lstStyle/>
           <a:p>
+            <a:endParaRPr lang="es-CO" sz="1050" dirty="0" smtClean="0">
+              <a:solidFill>
+                <a:schemeClr val="bg1"/>
+              </a:solidFill>
+              <a:latin typeface="Arial" pitchFamily="34" charset="0"/>
+              <a:cs typeface="Arial" pitchFamily="34" charset="0"/>
+            </a:endParaRPr>
+          </a:p>
+          <a:p>
+            <a:endParaRPr lang="es-CO" sz="1050" dirty="0">
+              <a:solidFill>
+                <a:schemeClr val="bg1"/>
+              </a:solidFill>
+              <a:latin typeface="Arial" pitchFamily="34" charset="0"/>
+              <a:cs typeface="Arial" pitchFamily="34" charset="0"/>
+            </a:endParaRPr>
+          </a:p>
+          <a:p>
+            <a:endParaRPr lang="es-CO" sz="1050" dirty="0" smtClean="0">
+              <a:solidFill>
+                <a:schemeClr val="bg1"/>
+              </a:solidFill>
+              <a:latin typeface="Arial" pitchFamily="34" charset="0"/>
+              <a:cs typeface="Arial" pitchFamily="34" charset="0"/>
+            </a:endParaRPr>
+          </a:p>
+          <a:p>
             <a:r>
               <a:rPr lang="es-CO" sz="1050" dirty="0" smtClean="0">
                 <a:solidFill>
@@ -2236,8 +2461,15 @@
                 <a:latin typeface="Arial" pitchFamily="34" charset="0"/>
                 <a:cs typeface="Arial" pitchFamily="34" charset="0"/>
               </a:rPr>
-              <a:t>   encontrar:</a:t>
-            </a:r>
+              <a:t>hallar un número real asociado a una matriz cuadrada</a:t>
+            </a:r>
+            <a:endParaRPr lang="es-CO" sz="1050" dirty="0" smtClean="0">
+              <a:solidFill>
+                <a:schemeClr val="bg1"/>
+              </a:solidFill>
+              <a:latin typeface="Arial" pitchFamily="34" charset="0"/>
+              <a:cs typeface="Arial" pitchFamily="34" charset="0"/>
+            </a:endParaRPr>
           </a:p>
           <a:p>
             <a:pPr algn="ctr"/>
@@ -2273,38 +2505,6 @@
           </a:p>
         </p:txBody>
       </p:sp>
-      <p:pic>
-        <p:nvPicPr>
-          <p:cNvPr id="321" name="Picture 2"/>
-          <p:cNvPicPr>
-            <a:picLocks noChangeAspect="1" noChangeArrowheads="1"/>
-          </p:cNvPicPr>
-          <p:nvPr/>
-        </p:nvPicPr>
-        <p:blipFill>
-          <a:blip r:embed="rId2" cstate="print"/>
-          <a:srcRect/>
-          <a:stretch>
-            <a:fillRect/>
-          </a:stretch>
-        </p:blipFill>
-        <p:spPr bwMode="auto">
-          <a:xfrm>
-            <a:off x="11153300" y="3475148"/>
-            <a:ext cx="1383479" cy="447984"/>
-          </a:xfrm>
-          <a:prstGeom prst="rect">
-            <a:avLst/>
-          </a:prstGeom>
-          <a:noFill/>
-          <a:ln w="9525">
-            <a:noFill/>
-            <a:miter lim="800000"/>
-            <a:headEnd/>
-            <a:tailEnd/>
-          </a:ln>
-        </p:spPr>
-      </p:pic>
       <p:cxnSp>
         <p:nvCxnSpPr>
           <p:cNvPr id="322" name="321 Conector angular"/>
@@ -2381,6 +2581,16 @@
           <a:p>
             <a:pPr algn="ctr"/>
             <a:r>
+              <a:rPr lang="es-CO" sz="900" dirty="0">
+                <a:solidFill>
+                  <a:schemeClr val="tx1"/>
+                </a:solidFill>
+                <a:latin typeface="Arial" pitchFamily="34" charset="0"/>
+                <a:cs typeface="Arial" pitchFamily="34" charset="0"/>
+              </a:rPr>
+              <a:t>m</a:t>
+            </a:r>
+            <a:r>
               <a:rPr lang="es-CO" sz="900" dirty="0" smtClean="0">
                 <a:solidFill>
                   <a:schemeClr val="tx1"/>
@@ -2388,7 +2598,7 @@
                 <a:latin typeface="Arial" pitchFamily="34" charset="0"/>
                 <a:cs typeface="Arial" pitchFamily="34" charset="0"/>
               </a:rPr>
-              <a:t>Métodos de solución    </a:t>
+              <a:t>étodos de solución    </a:t>
             </a:r>
             <a:endParaRPr lang="es-CO" sz="900" dirty="0">
               <a:solidFill>
@@ -2479,6 +2689,16 @@
           <a:p>
             <a:pPr algn="ctr"/>
             <a:r>
+              <a:rPr lang="es-CO" sz="1200" b="1" dirty="0">
+                <a:solidFill>
+                  <a:schemeClr val="tx1"/>
+                </a:solidFill>
+                <a:latin typeface="Arial" pitchFamily="34" charset="0"/>
+                <a:cs typeface="Arial" pitchFamily="34" charset="0"/>
+              </a:rPr>
+              <a:t>c</a:t>
+            </a:r>
+            <a:r>
               <a:rPr lang="es-CO" sz="1200" b="1" dirty="0" smtClean="0">
                 <a:solidFill>
                   <a:schemeClr val="tx1"/>
@@ -2486,7 +2706,7 @@
                 <a:latin typeface="Arial" pitchFamily="34" charset="0"/>
                 <a:cs typeface="Arial" pitchFamily="34" charset="0"/>
               </a:rPr>
-              <a:t>Conjunto de </a:t>
+              <a:t>onjunto de </a:t>
             </a:r>
             <a:r>
               <a:rPr lang="es-CO" sz="1200" b="1" i="1" dirty="0" smtClean="0">
@@ -2632,7 +2852,7 @@
                 <a:latin typeface="Arial" pitchFamily="34" charset="0"/>
                 <a:cs typeface="Arial" pitchFamily="34" charset="0"/>
               </a:rPr>
-              <a:t>Ejemplo sistema 2x2  </a:t>
+              <a:t>modelan</a:t>
             </a:r>
             <a:endParaRPr lang="es-CO" sz="900" dirty="0">
               <a:solidFill>
@@ -2683,98 +2903,19 @@
           </a:fontRef>
         </p:style>
       </p:cxnSp>
-      <p:sp>
-        <p:nvSpPr>
-          <p:cNvPr id="330" name="Rectángulo 33"/>
-          <p:cNvSpPr/>
-          <p:nvPr/>
-        </p:nvSpPr>
-        <p:spPr>
-          <a:xfrm>
-            <a:off x="538551" y="2976418"/>
-            <a:ext cx="1563977" cy="765327"/>
-          </a:xfrm>
-          <a:prstGeom prst="rect">
-            <a:avLst/>
-          </a:prstGeom>
-          <a:solidFill>
-            <a:schemeClr val="bg2">
-              <a:lumMod val="50000"/>
-            </a:schemeClr>
-          </a:solidFill>
-        </p:spPr>
-        <p:style>
-          <a:lnRef idx="2">
-            <a:schemeClr val="dk1"/>
-          </a:lnRef>
-          <a:fillRef idx="1">
-            <a:schemeClr val="lt1"/>
-          </a:fillRef>
-          <a:effectRef idx="0">
-            <a:schemeClr val="dk1"/>
-          </a:effectRef>
-          <a:fontRef idx="minor">
-            <a:schemeClr val="dk1"/>
-          </a:fontRef>
-        </p:style>
-        <p:txBody>
-          <a:bodyPr rtlCol="0" anchor="ctr"/>
-          <a:lstStyle/>
-          <a:p>
-            <a:pPr algn="ctr"/>
-            <a:endParaRPr lang="es-CO" sz="1200" b="1" dirty="0">
-              <a:solidFill>
-                <a:srgbClr val="FF0000"/>
-              </a:solidFill>
-            </a:endParaRPr>
-          </a:p>
-        </p:txBody>
-      </p:sp>
-      <p:pic>
-        <p:nvPicPr>
-          <p:cNvPr id="331" name="Picture 3"/>
-          <p:cNvPicPr>
-            <a:picLocks noChangeAspect="1" noChangeArrowheads="1"/>
-          </p:cNvPicPr>
-          <p:nvPr/>
-        </p:nvPicPr>
-        <p:blipFill>
-          <a:blip r:embed="rId3" cstate="print"/>
-          <a:srcRect/>
-          <a:stretch>
-            <a:fillRect/>
-          </a:stretch>
-        </p:blipFill>
-        <p:spPr bwMode="auto">
-          <a:xfrm>
-            <a:off x="735154" y="3015794"/>
-            <a:ext cx="1165430" cy="665960"/>
-          </a:xfrm>
-          <a:prstGeom prst="rect">
-            <a:avLst/>
-          </a:prstGeom>
-          <a:noFill/>
-          <a:ln w="9525">
-            <a:noFill/>
-            <a:miter lim="800000"/>
-            <a:headEnd/>
-            <a:tailEnd/>
-          </a:ln>
-        </p:spPr>
-      </p:pic>
       <p:cxnSp>
         <p:nvCxnSpPr>
           <p:cNvPr id="332" name="331 Conector recto de flecha"/>
           <p:cNvCxnSpPr>
             <a:stCxn id="328" idx="2"/>
-            <a:endCxn id="330" idx="0"/>
+            <a:endCxn id="333" idx="0"/>
           </p:cNvCxnSpPr>
           <p:nvPr/>
         </p:nvCxnSpPr>
         <p:spPr>
           <a:xfrm>
             <a:off x="1319794" y="2802407"/>
-            <a:ext cx="746" cy="174011"/>
+            <a:ext cx="0" cy="165457"/>
           </a:xfrm>
           <a:prstGeom prst="straightConnector1">
             <a:avLst/>
@@ -2809,7 +2950,7 @@
         </p:nvSpPr>
         <p:spPr>
           <a:xfrm>
-            <a:off x="537904" y="4449832"/>
+            <a:off x="537805" y="2967864"/>
             <a:ext cx="1563977" cy="765327"/>
           </a:xfrm>
           <a:prstGeom prst="rect">
@@ -2841,9 +2982,17 @@
           <a:lstStyle/>
           <a:p>
             <a:pPr algn="ctr"/>
-            <a:endParaRPr lang="es-CO" sz="1200" b="1" dirty="0">
+            <a:r>
+              <a:rPr lang="es-CO" sz="1200" dirty="0">
+                <a:solidFill>
+                  <a:schemeClr val="bg1"/>
+                </a:solidFill>
+              </a:rPr>
+              <a:t>resolver situaciones problema  en diferentes ciencias </a:t>
+            </a:r>
+            <a:endParaRPr lang="es-CO" sz="1200" dirty="0">
               <a:solidFill>
-                <a:srgbClr val="FF0000"/>
+                <a:schemeClr val="bg1"/>
               </a:solidFill>
             </a:endParaRPr>
           </a:p>
@@ -2851,14 +3000,14 @@
       </p:sp>
       <p:sp>
         <p:nvSpPr>
-          <p:cNvPr id="363" name="Rectángulo 35"/>
+          <p:cNvPr id="370" name="Rectángulo 35"/>
           <p:cNvSpPr/>
           <p:nvPr/>
         </p:nvSpPr>
         <p:spPr>
           <a:xfrm>
-            <a:off x="808978" y="3968904"/>
-            <a:ext cx="1020848" cy="263243"/>
+            <a:off x="4322119" y="1143772"/>
+            <a:ext cx="1020848" cy="326631"/>
           </a:xfrm>
           <a:prstGeom prst="rect">
             <a:avLst/>
@@ -2887,6 +3036,16 @@
           <a:p>
             <a:pPr algn="ctr"/>
             <a:r>
+              <a:rPr lang="es-CO" sz="900" dirty="0">
+                <a:solidFill>
+                  <a:schemeClr val="tx1"/>
+                </a:solidFill>
+                <a:latin typeface="Arial" pitchFamily="34" charset="0"/>
+                <a:cs typeface="Arial" pitchFamily="34" charset="0"/>
+              </a:rPr>
+              <a:t>s</a:t>
+            </a:r>
+            <a:r>
               <a:rPr lang="es-CO" sz="900" dirty="0" smtClean="0">
                 <a:solidFill>
                   <a:schemeClr val="tx1"/>
@@ -2894,7 +3053,7 @@
                 <a:latin typeface="Arial" pitchFamily="34" charset="0"/>
                 <a:cs typeface="Arial" pitchFamily="34" charset="0"/>
               </a:rPr>
-              <a:t>Ejemplo sistema 3x2  </a:t>
+              <a:t>e relaciona con   </a:t>
             </a:r>
             <a:endParaRPr lang="es-CO" sz="900" dirty="0">
               <a:solidFill>
@@ -2906,87 +3065,93 @@
           </a:p>
         </p:txBody>
       </p:sp>
-      <p:pic>
-        <p:nvPicPr>
-          <p:cNvPr id="368" name="Picture 4"/>
-          <p:cNvPicPr>
-            <a:picLocks noChangeAspect="1" noChangeArrowheads="1"/>
-          </p:cNvPicPr>
-          <p:nvPr/>
-        </p:nvPicPr>
-        <p:blipFill>
-          <a:blip r:embed="rId4" cstate="print"/>
-          <a:srcRect/>
-          <a:stretch>
-            <a:fillRect/>
-          </a:stretch>
-        </p:blipFill>
-        <p:spPr bwMode="auto">
-          <a:xfrm>
-            <a:off x="791251" y="4499640"/>
-            <a:ext cx="1068552" cy="689979"/>
-          </a:xfrm>
-          <a:prstGeom prst="rect">
-            <a:avLst/>
-          </a:prstGeom>
-          <a:noFill/>
-          <a:ln w="9525">
-            <a:noFill/>
-            <a:miter lim="800000"/>
-            <a:headEnd/>
-            <a:tailEnd/>
-          </a:ln>
-        </p:spPr>
-      </p:pic>
-      <p:cxnSp>
-        <p:nvCxnSpPr>
-          <p:cNvPr id="369" name="368 Conector recto de flecha"/>
-          <p:cNvCxnSpPr>
-            <a:stCxn id="330" idx="2"/>
-            <a:endCxn id="363" idx="0"/>
-          </p:cNvCxnSpPr>
-          <p:nvPr/>
-        </p:nvCxnSpPr>
-        <p:spPr>
-          <a:xfrm flipH="1">
-            <a:off x="1319402" y="3741745"/>
-            <a:ext cx="1138" cy="227159"/>
-          </a:xfrm>
-          <a:prstGeom prst="straightConnector1">
-            <a:avLst/>
-          </a:prstGeom>
-          <a:ln w="12700">
-            <a:solidFill>
-              <a:schemeClr val="tx1"/>
-            </a:solidFill>
-            <a:tailEnd type="none"/>
-          </a:ln>
-        </p:spPr>
-        <p:style>
-          <a:lnRef idx="1">
-            <a:schemeClr val="accent1"/>
-          </a:lnRef>
-          <a:fillRef idx="0">
-            <a:schemeClr val="accent1"/>
-          </a:fillRef>
-          <a:effectRef idx="0">
-            <a:schemeClr val="accent1"/>
-          </a:effectRef>
-          <a:fontRef idx="minor">
-            <a:schemeClr val="tx1"/>
-          </a:fontRef>
-        </p:style>
-      </p:cxnSp>
       <p:sp>
         <p:nvSpPr>
-          <p:cNvPr id="370" name="Rectángulo 35"/>
+          <p:cNvPr id="372" name="Rectángulo 33"/>
           <p:cNvSpPr/>
           <p:nvPr/>
         </p:nvSpPr>
         <p:spPr>
           <a:xfrm>
-            <a:off x="4322119" y="1143772"/>
-            <a:ext cx="1020848" cy="326631"/>
+            <a:off x="3324903" y="1549147"/>
+            <a:ext cx="1247436" cy="555287"/>
+          </a:xfrm>
+          <a:prstGeom prst="rect">
+            <a:avLst/>
+          </a:prstGeom>
+          <a:solidFill>
+            <a:schemeClr val="bg1"/>
+          </a:solidFill>
+        </p:spPr>
+        <p:style>
+          <a:lnRef idx="2">
+            <a:schemeClr val="dk1"/>
+          </a:lnRef>
+          <a:fillRef idx="1">
+            <a:schemeClr val="lt1"/>
+          </a:fillRef>
+          <a:effectRef idx="0">
+            <a:schemeClr val="dk1"/>
+          </a:effectRef>
+          <a:fontRef idx="minor">
+            <a:schemeClr val="dk1"/>
+          </a:fontRef>
+        </p:style>
+        <p:txBody>
+          <a:bodyPr rtlCol="0" anchor="ctr"/>
+          <a:lstStyle/>
+          <a:p>
+            <a:pPr algn="ctr"/>
+            <a:r>
+              <a:rPr lang="es-CO" sz="1200" b="1" dirty="0">
+                <a:solidFill>
+                  <a:schemeClr val="tx1"/>
+                </a:solidFill>
+                <a:latin typeface="Arial" pitchFamily="34" charset="0"/>
+                <a:cs typeface="Arial" pitchFamily="34" charset="0"/>
+              </a:rPr>
+              <a:t>f</a:t>
+            </a:r>
+            <a:r>
+              <a:rPr lang="es-CO" sz="1200" b="1" dirty="0" smtClean="0">
+                <a:solidFill>
+                  <a:schemeClr val="tx1"/>
+                </a:solidFill>
+                <a:latin typeface="Arial" pitchFamily="34" charset="0"/>
+                <a:cs typeface="Arial" pitchFamily="34" charset="0"/>
+              </a:rPr>
+              <a:t>unciones  lineales y afines </a:t>
+            </a:r>
+            <a:r>
+              <a:rPr lang="es-CO" sz="1200" b="1" dirty="0" smtClean="0">
+                <a:solidFill>
+                  <a:srgbClr val="FF0000"/>
+                </a:solidFill>
+                <a:latin typeface="Arial" pitchFamily="34" charset="0"/>
+                <a:cs typeface="Arial" pitchFamily="34" charset="0"/>
+              </a:rPr>
+              <a:t> </a:t>
+            </a:r>
+            <a:endParaRPr lang="es-CO" sz="1200" b="1" dirty="0">
+              <a:solidFill>
+                <a:srgbClr val="FF0000"/>
+              </a:solidFill>
+              <a:latin typeface="Arial" pitchFamily="34" charset="0"/>
+              <a:cs typeface="Arial" pitchFamily="34" charset="0"/>
+            </a:endParaRPr>
+          </a:p>
+        </p:txBody>
+      </p:sp>
+      <p:sp>
+        <p:nvSpPr>
+          <p:cNvPr id="373" name="Rectángulo 35"/>
+          <p:cNvSpPr/>
+          <p:nvPr/>
+        </p:nvSpPr>
+        <p:spPr>
+          <a:xfrm>
+            <a:off x="2501145" y="2387618"/>
+            <a:ext cx="1020848" cy="222447"/>
           </a:xfrm>
           <a:prstGeom prst="rect">
             <a:avLst/>
@@ -3022,7 +3187,17 @@
                 <a:latin typeface="Arial" pitchFamily="34" charset="0"/>
                 <a:cs typeface="Arial" pitchFamily="34" charset="0"/>
               </a:rPr>
-              <a:t>Se relaciona con   </a:t>
+              <a:t>ya </a:t>
+            </a:r>
+            <a:r>
+              <a:rPr lang="es-CO" sz="900" dirty="0" smtClean="0">
+                <a:solidFill>
+                  <a:schemeClr val="tx1"/>
+                </a:solidFill>
+                <a:latin typeface="Arial" pitchFamily="34" charset="0"/>
+                <a:cs typeface="Arial" pitchFamily="34" charset="0"/>
+              </a:rPr>
+              <a:t>que </a:t>
             </a:r>
             <a:endParaRPr lang="es-CO" sz="900" dirty="0">
               <a:solidFill>
@@ -3036,137 +3211,13 @@
       </p:sp>
       <p:sp>
         <p:nvSpPr>
-          <p:cNvPr id="372" name="Rectángulo 33"/>
-          <p:cNvSpPr/>
-          <p:nvPr/>
-        </p:nvSpPr>
-        <p:spPr>
-          <a:xfrm>
-            <a:off x="3324903" y="1549147"/>
-            <a:ext cx="1247436" cy="555287"/>
-          </a:xfrm>
-          <a:prstGeom prst="rect">
-            <a:avLst/>
-          </a:prstGeom>
-          <a:solidFill>
-            <a:schemeClr val="bg1"/>
-          </a:solidFill>
-        </p:spPr>
-        <p:style>
-          <a:lnRef idx="2">
-            <a:schemeClr val="dk1"/>
-          </a:lnRef>
-          <a:fillRef idx="1">
-            <a:schemeClr val="lt1"/>
-          </a:fillRef>
-          <a:effectRef idx="0">
-            <a:schemeClr val="dk1"/>
-          </a:effectRef>
-          <a:fontRef idx="minor">
-            <a:schemeClr val="dk1"/>
-          </a:fontRef>
-        </p:style>
-        <p:txBody>
-          <a:bodyPr rtlCol="0" anchor="ctr"/>
-          <a:lstStyle/>
-          <a:p>
-            <a:pPr algn="ctr"/>
-            <a:r>
-              <a:rPr lang="es-CO" sz="1200" b="1" dirty="0" smtClean="0">
-                <a:solidFill>
-                  <a:schemeClr val="tx1"/>
-                </a:solidFill>
-                <a:latin typeface="Arial" pitchFamily="34" charset="0"/>
-                <a:cs typeface="Arial" pitchFamily="34" charset="0"/>
-              </a:rPr>
-              <a:t>Funciones  lineales y afines </a:t>
-            </a:r>
-            <a:r>
-              <a:rPr lang="es-CO" sz="1200" b="1" dirty="0" smtClean="0">
-                <a:solidFill>
-                  <a:srgbClr val="FF0000"/>
-                </a:solidFill>
-                <a:latin typeface="Arial" pitchFamily="34" charset="0"/>
-                <a:cs typeface="Arial" pitchFamily="34" charset="0"/>
-              </a:rPr>
-              <a:t> </a:t>
-            </a:r>
-            <a:endParaRPr lang="es-CO" sz="1200" b="1" dirty="0">
-              <a:solidFill>
-                <a:srgbClr val="FF0000"/>
-              </a:solidFill>
-              <a:latin typeface="Arial" pitchFamily="34" charset="0"/>
-              <a:cs typeface="Arial" pitchFamily="34" charset="0"/>
-            </a:endParaRPr>
-          </a:p>
-        </p:txBody>
-      </p:sp>
-      <p:sp>
-        <p:nvSpPr>
-          <p:cNvPr id="373" name="Rectángulo 35"/>
-          <p:cNvSpPr/>
-          <p:nvPr/>
-        </p:nvSpPr>
-        <p:spPr>
-          <a:xfrm>
-            <a:off x="2501227" y="2534812"/>
-            <a:ext cx="1020848" cy="222447"/>
-          </a:xfrm>
-          <a:prstGeom prst="rect">
-            <a:avLst/>
-          </a:prstGeom>
-          <a:ln>
-            <a:noFill/>
-          </a:ln>
-        </p:spPr>
-        <p:style>
-          <a:lnRef idx="2">
-            <a:schemeClr val="dk1"/>
-          </a:lnRef>
-          <a:fillRef idx="1">
-            <a:schemeClr val="lt1"/>
-          </a:fillRef>
-          <a:effectRef idx="0">
-            <a:schemeClr val="dk1"/>
-          </a:effectRef>
-          <a:fontRef idx="minor">
-            <a:schemeClr val="dk1"/>
-          </a:fontRef>
-        </p:style>
-        <p:txBody>
-          <a:bodyPr rtlCol="0" anchor="ctr"/>
-          <a:lstStyle/>
-          <a:p>
-            <a:pPr algn="ctr"/>
-            <a:r>
-              <a:rPr lang="es-CO" sz="900" dirty="0" smtClean="0">
-                <a:solidFill>
-                  <a:schemeClr val="tx1"/>
-                </a:solidFill>
-                <a:latin typeface="Arial" pitchFamily="34" charset="0"/>
-                <a:cs typeface="Arial" pitchFamily="34" charset="0"/>
-              </a:rPr>
-              <a:t>Por que </a:t>
-            </a:r>
-            <a:endParaRPr lang="es-CO" sz="900" dirty="0">
-              <a:solidFill>
-                <a:schemeClr val="tx1"/>
-              </a:solidFill>
-              <a:latin typeface="Arial" pitchFamily="34" charset="0"/>
-              <a:cs typeface="Arial" pitchFamily="34" charset="0"/>
-            </a:endParaRPr>
-          </a:p>
-        </p:txBody>
-      </p:sp>
-      <p:sp>
-        <p:nvSpPr>
           <p:cNvPr id="374" name="Rectángulo 33"/>
           <p:cNvSpPr/>
           <p:nvPr/>
         </p:nvSpPr>
         <p:spPr>
           <a:xfrm>
-            <a:off x="2170106" y="2951668"/>
+            <a:off x="2170698" y="2793204"/>
             <a:ext cx="1681654" cy="677953"/>
           </a:xfrm>
           <a:prstGeom prst="rect">
@@ -3198,6 +3249,16 @@
           <a:p>
             <a:pPr algn="ctr"/>
             <a:r>
+              <a:rPr lang="es-CO" sz="1050" dirty="0">
+                <a:solidFill>
+                  <a:schemeClr val="bg1"/>
+                </a:solidFill>
+                <a:latin typeface="Arial" pitchFamily="34" charset="0"/>
+                <a:cs typeface="Arial" pitchFamily="34" charset="0"/>
+              </a:rPr>
+              <a:t>t</a:t>
+            </a:r>
+            <a:r>
               <a:rPr lang="es-CO" sz="1050" dirty="0" smtClean="0">
                 <a:solidFill>
                   <a:schemeClr val="bg1"/>
@@ -3205,7 +3266,7 @@
                 <a:latin typeface="Arial" pitchFamily="34" charset="0"/>
                 <a:cs typeface="Arial" pitchFamily="34" charset="0"/>
               </a:rPr>
-              <a:t>Toda función lineal o afín determina como mínimo una ecuación lineal. </a:t>
+              <a:t>oda función lineal o afín determina como mínimo una ecuación lineal. </a:t>
             </a:r>
             <a:r>
               <a:rPr lang="es-CO" sz="1050" b="1" dirty="0" smtClean="0">
@@ -3238,8 +3299,8 @@
         </p:nvCxnSpPr>
         <p:spPr>
           <a:xfrm flipH="1">
-            <a:off x="3010933" y="2757259"/>
-            <a:ext cx="718" cy="194409"/>
+            <a:off x="3011525" y="2610065"/>
+            <a:ext cx="44" cy="183139"/>
           </a:xfrm>
           <a:prstGeom prst="straightConnector1">
             <a:avLst/>
@@ -3274,8 +3335,8 @@
         </p:nvSpPr>
         <p:spPr>
           <a:xfrm>
-            <a:off x="4383773" y="2291756"/>
-            <a:ext cx="1020848" cy="431277"/>
+            <a:off x="4383773" y="2467042"/>
+            <a:ext cx="1020848" cy="255991"/>
           </a:xfrm>
           <a:prstGeom prst="rect">
             <a:avLst/>
@@ -3311,7 +3372,7 @@
                 <a:latin typeface="Arial" pitchFamily="34" charset="0"/>
                 <a:cs typeface="Arial" pitchFamily="34" charset="0"/>
               </a:rPr>
-              <a:t>Que se expresan de la forma </a:t>
+              <a:t>se expresan</a:t>
             </a:r>
             <a:endParaRPr lang="es-CO" sz="900" dirty="0">
               <a:solidFill>
@@ -3362,6 +3423,16 @@
           <a:lstStyle/>
           <a:p>
             <a:r>
+              <a:rPr lang="es-CO" sz="1050" dirty="0">
+                <a:solidFill>
+                  <a:schemeClr val="bg1"/>
+                </a:solidFill>
+                <a:latin typeface="Arial" pitchFamily="34" charset="0"/>
+                <a:cs typeface="Arial" pitchFamily="34" charset="0"/>
+              </a:rPr>
+              <a:t>f</a:t>
+            </a:r>
+            <a:r>
               <a:rPr lang="es-CO" sz="1050" dirty="0" smtClean="0">
                 <a:solidFill>
                   <a:schemeClr val="bg1"/>
@@ -3369,7 +3440,7 @@
                 <a:latin typeface="Arial" pitchFamily="34" charset="0"/>
                 <a:cs typeface="Arial" pitchFamily="34" charset="0"/>
               </a:rPr>
-              <a:t>Función lineal: </a:t>
+              <a:t>unción lineal: </a:t>
             </a:r>
             <a:r>
               <a:rPr lang="es-CO" sz="1050" i="1" dirty="0" smtClean="0">
@@ -3401,6 +3472,16 @@
           </a:p>
           <a:p>
             <a:r>
+              <a:rPr lang="es-CO" sz="1050" dirty="0">
+                <a:solidFill>
+                  <a:schemeClr val="bg1"/>
+                </a:solidFill>
+                <a:latin typeface="Arial" pitchFamily="34" charset="0"/>
+                <a:cs typeface="Arial" pitchFamily="34" charset="0"/>
+              </a:rPr>
+              <a:t>f</a:t>
+            </a:r>
+            <a:r>
               <a:rPr lang="es-CO" sz="1050" dirty="0" smtClean="0">
                 <a:solidFill>
                   <a:schemeClr val="bg1"/>
@@ -3408,17 +3489,7 @@
                 <a:latin typeface="Arial" pitchFamily="34" charset="0"/>
                 <a:cs typeface="Arial" pitchFamily="34" charset="0"/>
               </a:rPr>
-              <a:t>Función </a:t>
-            </a:r>
-            <a:r>
-              <a:rPr lang="es-CO" sz="1050" dirty="0" smtClean="0">
-                <a:solidFill>
-                  <a:schemeClr val="bg1"/>
-                </a:solidFill>
-                <a:latin typeface="Arial" pitchFamily="34" charset="0"/>
-                <a:cs typeface="Arial" pitchFamily="34" charset="0"/>
-              </a:rPr>
-              <a:t>afín: </a:t>
+              <a:t>unción afín: </a:t>
             </a:r>
             <a:r>
               <a:rPr lang="es-CO" sz="1050" i="1" dirty="0" smtClean="0">
@@ -3507,8 +3578,8 @@
         </p:nvSpPr>
         <p:spPr>
           <a:xfrm>
-            <a:off x="2374493" y="4792195"/>
-            <a:ext cx="1282205" cy="348533"/>
+            <a:off x="1597439" y="4515942"/>
+            <a:ext cx="796159" cy="199063"/>
           </a:xfrm>
           <a:prstGeom prst="rect">
             <a:avLst/>
@@ -3544,7 +3615,7 @@
                 <a:latin typeface="Arial" pitchFamily="34" charset="0"/>
                 <a:cs typeface="Arial" pitchFamily="34" charset="0"/>
               </a:rPr>
-              <a:t>Que gráficamente  son    </a:t>
+              <a:t>representan</a:t>
             </a:r>
             <a:endParaRPr lang="es-CO" sz="900" dirty="0">
               <a:solidFill>
@@ -3564,7 +3635,7 @@
         </p:nvSpPr>
         <p:spPr>
           <a:xfrm>
-            <a:off x="2501145" y="5335819"/>
+            <a:off x="1476735" y="4898369"/>
             <a:ext cx="1036602" cy="500220"/>
           </a:xfrm>
           <a:prstGeom prst="rect">
@@ -3594,6 +3665,16 @@
           <a:p>
             <a:pPr algn="ctr"/>
             <a:r>
+              <a:rPr lang="es-CO" sz="900" dirty="0">
+                <a:solidFill>
+                  <a:schemeClr val="tx1"/>
+                </a:solidFill>
+                <a:latin typeface="Arial" pitchFamily="34" charset="0"/>
+                <a:cs typeface="Arial" pitchFamily="34" charset="0"/>
+              </a:rPr>
+              <a:t>t</a:t>
+            </a:r>
+            <a:r>
               <a:rPr lang="es-CO" sz="900" dirty="0" smtClean="0">
                 <a:solidFill>
                   <a:schemeClr val="tx1"/>
@@ -3601,7 +3682,7 @@
                 <a:latin typeface="Arial" pitchFamily="34" charset="0"/>
                 <a:cs typeface="Arial" pitchFamily="34" charset="0"/>
               </a:rPr>
-              <a:t>Todas las rectas en el plano cartesiano  </a:t>
+              <a:t>odas las rectas en el plano cartesiano  </a:t>
             </a:r>
             <a:r>
               <a:rPr lang="es-CO" sz="900" dirty="0" smtClean="0">
@@ -3623,45 +3704,6 @@
           </a:p>
         </p:txBody>
       </p:sp>
-      <p:cxnSp>
-        <p:nvCxnSpPr>
-          <p:cNvPr id="383" name="382 Conector recto de flecha"/>
-          <p:cNvCxnSpPr>
-            <a:stCxn id="381" idx="2"/>
-            <a:endCxn id="382" idx="0"/>
-          </p:cNvCxnSpPr>
-          <p:nvPr/>
-        </p:nvCxnSpPr>
-        <p:spPr>
-          <a:xfrm>
-            <a:off x="3015596" y="5140728"/>
-            <a:ext cx="3850" cy="195091"/>
-          </a:xfrm>
-          <a:prstGeom prst="straightConnector1">
-            <a:avLst/>
-          </a:prstGeom>
-          <a:ln w="12700">
-            <a:solidFill>
-              <a:schemeClr val="tx1"/>
-            </a:solidFill>
-            <a:tailEnd type="none"/>
-          </a:ln>
-        </p:spPr>
-        <p:style>
-          <a:lnRef idx="1">
-            <a:schemeClr val="accent1"/>
-          </a:lnRef>
-          <a:fillRef idx="0">
-            <a:schemeClr val="accent1"/>
-          </a:fillRef>
-          <a:effectRef idx="0">
-            <a:schemeClr val="accent1"/>
-          </a:effectRef>
-          <a:fontRef idx="minor">
-            <a:schemeClr val="tx1"/>
-          </a:fontRef>
-        </p:style>
-      </p:cxnSp>
       <p:sp>
         <p:nvSpPr>
           <p:cNvPr id="384" name="Rectángulo 33"/>
@@ -3670,7 +3712,7 @@
         </p:nvSpPr>
         <p:spPr>
           <a:xfrm>
-            <a:off x="2583516" y="4151547"/>
+            <a:off x="2579445" y="3965039"/>
             <a:ext cx="864158" cy="426543"/>
           </a:xfrm>
           <a:prstGeom prst="rect">
@@ -3702,16 +3744,6 @@
           <a:p>
             <a:pPr algn="ctr"/>
             <a:r>
-              <a:rPr lang="es-CO" sz="900" i="1" dirty="0">
-                <a:solidFill>
-                  <a:schemeClr val="tx1"/>
-                </a:solidFill>
-                <a:latin typeface="Arial" pitchFamily="34" charset="0"/>
-                <a:cs typeface="Arial" pitchFamily="34" charset="0"/>
-              </a:rPr>
-              <a:t>y</a:t>
-            </a:r>
-            <a:r>
               <a:rPr lang="es-CO" sz="900" i="1" dirty="0" smtClean="0">
                 <a:solidFill>
                   <a:schemeClr val="tx1"/>
@@ -3719,7 +3751,7 @@
                 <a:latin typeface="Arial" pitchFamily="34" charset="0"/>
                 <a:cs typeface="Arial" pitchFamily="34" charset="0"/>
               </a:rPr>
-              <a:t>= mx + b</a:t>
+              <a:t>y </a:t>
             </a:r>
             <a:r>
               <a:rPr lang="es-CO" sz="900" i="1" dirty="0" smtClean="0">
@@ -3729,7 +3761,7 @@
                 <a:latin typeface="Arial" pitchFamily="34" charset="0"/>
                 <a:cs typeface="Arial" pitchFamily="34" charset="0"/>
               </a:rPr>
-              <a:t>, </a:t>
+              <a:t>= </a:t>
             </a:r>
             <a:r>
               <a:rPr lang="es-CO" sz="900" i="1" dirty="0" smtClean="0">
@@ -3739,7 +3771,7 @@
                 <a:latin typeface="Arial" pitchFamily="34" charset="0"/>
                 <a:cs typeface="Arial" pitchFamily="34" charset="0"/>
               </a:rPr>
-              <a:t>m, b</a:t>
+              <a:t>mx + b, m, b</a:t>
             </a:r>
             <a:r>
               <a:rPr lang="es-CO" sz="900" i="1" dirty="0" smtClean="0">
@@ -3750,7 +3782,11 @@
                 <a:ea typeface="Cambria Math"/>
                 <a:cs typeface="Arial" pitchFamily="34" charset="0"/>
               </a:rPr>
-              <a:t>∈ R</a:t>
+              <a:t>∈ </a:t>
+            </a:r>
+            <a:r>
+              <a:rPr lang="es-ES" sz="900" dirty="0"/>
+              <a:t>ℝ</a:t>
             </a:r>
             <a:r>
               <a:rPr lang="es-CO" sz="900" b="1" i="1" dirty="0" smtClean="0">
@@ -3780,7 +3816,7 @@
         </p:nvSpPr>
         <p:spPr>
           <a:xfrm>
-            <a:off x="2561743" y="3778618"/>
+            <a:off x="2561085" y="3692425"/>
             <a:ext cx="900879" cy="223593"/>
           </a:xfrm>
           <a:prstGeom prst="rect">
@@ -3810,6 +3846,16 @@
           <a:p>
             <a:pPr algn="ctr"/>
             <a:r>
+              <a:rPr lang="es-CO" sz="900" dirty="0">
+                <a:solidFill>
+                  <a:schemeClr val="tx1"/>
+                </a:solidFill>
+                <a:latin typeface="Arial" pitchFamily="34" charset="0"/>
+                <a:cs typeface="Arial" pitchFamily="34" charset="0"/>
+              </a:rPr>
+              <a:t>d</a:t>
+            </a:r>
+            <a:r>
               <a:rPr lang="es-CO" sz="900" dirty="0" smtClean="0">
                 <a:solidFill>
                   <a:schemeClr val="tx1"/>
@@ -3817,7 +3863,17 @@
                 <a:latin typeface="Arial" pitchFamily="34" charset="0"/>
                 <a:cs typeface="Arial" pitchFamily="34" charset="0"/>
               </a:rPr>
-              <a:t>De la forma    </a:t>
+              <a:t>e </a:t>
+            </a:r>
+            <a:r>
+              <a:rPr lang="es-CO" sz="900" dirty="0" smtClean="0">
+                <a:solidFill>
+                  <a:schemeClr val="tx1"/>
+                </a:solidFill>
+                <a:latin typeface="Arial" pitchFamily="34" charset="0"/>
+                <a:cs typeface="Arial" pitchFamily="34" charset="0"/>
+              </a:rPr>
+              <a:t>la forma    </a:t>
             </a:r>
             <a:endParaRPr lang="es-CO" sz="900" dirty="0">
               <a:solidFill>
@@ -3840,8 +3896,8 @@
         </p:nvCxnSpPr>
         <p:spPr>
           <a:xfrm>
-            <a:off x="3010933" y="3629621"/>
-            <a:ext cx="1250" cy="148997"/>
+            <a:off x="3011525" y="3471157"/>
+            <a:ext cx="0" cy="221268"/>
           </a:xfrm>
           <a:prstGeom prst="straightConnector1">
             <a:avLst/>
@@ -3868,45 +3924,6 @@
           </a:fontRef>
         </p:style>
       </p:cxnSp>
-      <p:cxnSp>
-        <p:nvCxnSpPr>
-          <p:cNvPr id="387" name="386 Conector recto de flecha"/>
-          <p:cNvCxnSpPr>
-            <a:stCxn id="384" idx="2"/>
-            <a:endCxn id="381" idx="0"/>
-          </p:cNvCxnSpPr>
-          <p:nvPr/>
-        </p:nvCxnSpPr>
-        <p:spPr>
-          <a:xfrm>
-            <a:off x="3015595" y="4578090"/>
-            <a:ext cx="1" cy="214105"/>
-          </a:xfrm>
-          <a:prstGeom prst="straightConnector1">
-            <a:avLst/>
-          </a:prstGeom>
-          <a:ln w="12700">
-            <a:solidFill>
-              <a:schemeClr val="tx1"/>
-            </a:solidFill>
-            <a:tailEnd type="none"/>
-          </a:ln>
-        </p:spPr>
-        <p:style>
-          <a:lnRef idx="1">
-            <a:schemeClr val="accent1"/>
-          </a:lnRef>
-          <a:fillRef idx="0">
-            <a:schemeClr val="accent1"/>
-          </a:fillRef>
-          <a:effectRef idx="0">
-            <a:schemeClr val="accent1"/>
-          </a:effectRef>
-          <a:fontRef idx="minor">
-            <a:schemeClr val="tx1"/>
-          </a:fontRef>
-        </p:style>
-      </p:cxnSp>
       <p:sp>
         <p:nvSpPr>
           <p:cNvPr id="388" name="Rectángulo 161"/>
@@ -3915,8 +3932,8 @@
         </p:nvSpPr>
         <p:spPr>
           <a:xfrm>
-            <a:off x="5333670" y="4536779"/>
-            <a:ext cx="661203" cy="276626"/>
+            <a:off x="3618019" y="4522670"/>
+            <a:ext cx="661203" cy="211199"/>
           </a:xfrm>
           <a:prstGeom prst="rect">
             <a:avLst/>
@@ -3945,6 +3962,16 @@
           <a:p>
             <a:pPr algn="ctr"/>
             <a:r>
+              <a:rPr lang="es-CO" sz="900" dirty="0">
+                <a:solidFill>
+                  <a:schemeClr val="tx1"/>
+                </a:solidFill>
+                <a:latin typeface="Arial" pitchFamily="34" charset="0"/>
+                <a:cs typeface="Arial" pitchFamily="34" charset="0"/>
+              </a:rPr>
+              <a:t>d</a:t>
+            </a:r>
+            <a:r>
               <a:rPr lang="es-CO" sz="900" dirty="0" smtClean="0">
                 <a:solidFill>
                   <a:schemeClr val="tx1"/>
@@ -3952,7 +3979,7 @@
                 <a:latin typeface="Arial" pitchFamily="34" charset="0"/>
                 <a:cs typeface="Arial" pitchFamily="34" charset="0"/>
               </a:rPr>
-              <a:t>Donde </a:t>
+              <a:t>onde </a:t>
             </a:r>
             <a:r>
               <a:rPr lang="es-CO" sz="1100" dirty="0" smtClean="0">
@@ -3970,45 +3997,6 @@
           </a:p>
         </p:txBody>
       </p:sp>
-      <p:cxnSp>
-        <p:nvCxnSpPr>
-          <p:cNvPr id="389" name="24 Conector angular"/>
-          <p:cNvCxnSpPr>
-            <a:stCxn id="384" idx="3"/>
-            <a:endCxn id="388" idx="0"/>
-          </p:cNvCxnSpPr>
-          <p:nvPr/>
-        </p:nvCxnSpPr>
-        <p:spPr>
-          <a:xfrm>
-            <a:off x="3447674" y="4364819"/>
-            <a:ext cx="2216598" cy="171960"/>
-          </a:xfrm>
-          <a:prstGeom prst="bentConnector2">
-            <a:avLst/>
-          </a:prstGeom>
-          <a:ln w="12700">
-            <a:solidFill>
-              <a:schemeClr val="tx1"/>
-            </a:solidFill>
-            <a:tailEnd type="none"/>
-          </a:ln>
-        </p:spPr>
-        <p:style>
-          <a:lnRef idx="1">
-            <a:schemeClr val="accent1"/>
-          </a:lnRef>
-          <a:fillRef idx="0">
-            <a:schemeClr val="accent1"/>
-          </a:fillRef>
-          <a:effectRef idx="0">
-            <a:schemeClr val="accent1"/>
-          </a:effectRef>
-          <a:fontRef idx="minor">
-            <a:schemeClr val="tx1"/>
-          </a:fontRef>
-        </p:style>
-      </p:cxnSp>
       <p:sp>
         <p:nvSpPr>
           <p:cNvPr id="390" name="Rectángulo 33"/>
@@ -4017,7 +4005,7 @@
         </p:nvSpPr>
         <p:spPr>
           <a:xfrm>
-            <a:off x="5150217" y="4977923"/>
+            <a:off x="3434510" y="4925435"/>
             <a:ext cx="1029952" cy="521926"/>
           </a:xfrm>
           <a:prstGeom prst="rect">
@@ -4026,6 +4014,11 @@
           <a:solidFill>
             <a:schemeClr val="bg1"/>
           </a:solidFill>
+          <a:ln>
+            <a:solidFill>
+              <a:schemeClr val="tx1"/>
+            </a:solidFill>
+          </a:ln>
         </p:spPr>
         <p:style>
           <a:lnRef idx="2">
@@ -4074,27 +4067,7 @@
                 <a:latin typeface="Arial" pitchFamily="34" charset="0"/>
                 <a:cs typeface="Arial" pitchFamily="34" charset="0"/>
               </a:rPr>
-              <a:t> </a:t>
-            </a:r>
-            <a:r>
-              <a:rPr lang="es-CO" sz="900" dirty="0" smtClean="0">
-                <a:solidFill>
-                  <a:schemeClr val="tx1"/>
-                </a:solidFill>
-                <a:latin typeface="Arial" pitchFamily="34" charset="0"/>
-                <a:cs typeface="Arial" pitchFamily="34" charset="0"/>
-              </a:rPr>
-              <a:t>es la </a:t>
-            </a:r>
-            <a:r>
-              <a:rPr lang="es-CO" sz="900" dirty="0" smtClean="0">
-                <a:solidFill>
-                  <a:schemeClr val="tx1"/>
-                </a:solidFill>
-                <a:latin typeface="Arial" pitchFamily="34" charset="0"/>
-                <a:cs typeface="Arial" pitchFamily="34" charset="0"/>
-              </a:rPr>
-              <a:t>pendiente y </a:t>
+              <a:t> es la pendiente y </a:t>
             </a:r>
             <a:r>
               <a:rPr lang="es-CO" sz="900" i="1" dirty="0" smtClean="0">
@@ -4126,45 +4099,6 @@
           </a:p>
         </p:txBody>
       </p:sp>
-      <p:cxnSp>
-        <p:nvCxnSpPr>
-          <p:cNvPr id="391" name="390 Conector recto de flecha"/>
-          <p:cNvCxnSpPr>
-            <a:stCxn id="388" idx="2"/>
-            <a:endCxn id="390" idx="0"/>
-          </p:cNvCxnSpPr>
-          <p:nvPr/>
-        </p:nvCxnSpPr>
-        <p:spPr>
-          <a:xfrm>
-            <a:off x="5664272" y="4813405"/>
-            <a:ext cx="921" cy="164518"/>
-          </a:xfrm>
-          <a:prstGeom prst="straightConnector1">
-            <a:avLst/>
-          </a:prstGeom>
-          <a:ln w="12700">
-            <a:solidFill>
-              <a:schemeClr val="tx1"/>
-            </a:solidFill>
-            <a:tailEnd type="none"/>
-          </a:ln>
-        </p:spPr>
-        <p:style>
-          <a:lnRef idx="1">
-            <a:schemeClr val="accent1"/>
-          </a:lnRef>
-          <a:fillRef idx="0">
-            <a:schemeClr val="accent1"/>
-          </a:fillRef>
-          <a:effectRef idx="0">
-            <a:schemeClr val="accent1"/>
-          </a:effectRef>
-          <a:fontRef idx="minor">
-            <a:schemeClr val="tx1"/>
-          </a:fontRef>
-        </p:style>
-      </p:cxnSp>
       <p:sp>
         <p:nvSpPr>
           <p:cNvPr id="392" name="Rectángulo 161"/>
@@ -4173,8 +4107,8 @@
         </p:nvSpPr>
         <p:spPr>
           <a:xfrm>
-            <a:off x="3928033" y="5329178"/>
-            <a:ext cx="880169" cy="518517"/>
+            <a:off x="1473935" y="5582678"/>
+            <a:ext cx="1043026" cy="98443"/>
           </a:xfrm>
           <a:prstGeom prst="rect">
             <a:avLst/>
@@ -4210,50 +4144,21 @@
                 <a:latin typeface="Arial" pitchFamily="34" charset="0"/>
                 <a:cs typeface="Arial" pitchFamily="34" charset="0"/>
               </a:rPr>
-              <a:t>Donde dos rectas pueden ser </a:t>
+              <a:t>que pueden </a:t>
+            </a:r>
+            <a:r>
+              <a:rPr lang="es-CO" sz="900" dirty="0" smtClean="0">
+                <a:solidFill>
+                  <a:schemeClr val="tx1"/>
+                </a:solidFill>
+                <a:latin typeface="Arial" pitchFamily="34" charset="0"/>
+                <a:cs typeface="Arial" pitchFamily="34" charset="0"/>
+              </a:rPr>
+              <a:t>ser </a:t>
             </a:r>
           </a:p>
         </p:txBody>
       </p:sp>
-      <p:cxnSp>
-        <p:nvCxnSpPr>
-          <p:cNvPr id="393" name="392 Conector recto de flecha"/>
-          <p:cNvCxnSpPr>
-            <a:stCxn id="382" idx="3"/>
-            <a:endCxn id="392" idx="1"/>
-          </p:cNvCxnSpPr>
-          <p:nvPr/>
-        </p:nvCxnSpPr>
-        <p:spPr>
-          <a:xfrm>
-            <a:off x="3537747" y="5585929"/>
-            <a:ext cx="390286" cy="2508"/>
-          </a:xfrm>
-          <a:prstGeom prst="straightConnector1">
-            <a:avLst/>
-          </a:prstGeom>
-          <a:ln w="12700">
-            <a:solidFill>
-              <a:schemeClr val="tx1"/>
-            </a:solidFill>
-            <a:tailEnd type="none"/>
-          </a:ln>
-        </p:spPr>
-        <p:style>
-          <a:lnRef idx="1">
-            <a:schemeClr val="accent1"/>
-          </a:lnRef>
-          <a:fillRef idx="0">
-            <a:schemeClr val="accent1"/>
-          </a:fillRef>
-          <a:effectRef idx="0">
-            <a:schemeClr val="accent1"/>
-          </a:effectRef>
-          <a:fontRef idx="minor">
-            <a:schemeClr val="tx1"/>
-          </a:fontRef>
-        </p:style>
-      </p:cxnSp>
       <p:sp>
         <p:nvSpPr>
           <p:cNvPr id="394" name="Rectángulo 33"/>
@@ -4262,7 +4167,7 @@
         </p:nvSpPr>
         <p:spPr>
           <a:xfrm>
-            <a:off x="3765176" y="6007681"/>
+            <a:off x="1393236" y="5858403"/>
             <a:ext cx="1204425" cy="648618"/>
           </a:xfrm>
           <a:prstGeom prst="rect">
@@ -4309,37 +4214,7 @@
                 <a:latin typeface="Arial" pitchFamily="34" charset="0"/>
                 <a:cs typeface="Arial" pitchFamily="34" charset="0"/>
               </a:rPr>
-              <a:t>coincidentes, </a:t>
-            </a:r>
-            <a:r>
-              <a:rPr lang="es-CO" sz="900" dirty="0" smtClean="0">
-                <a:solidFill>
-                  <a:schemeClr val="tx1"/>
-                </a:solidFill>
-                <a:latin typeface="Arial" pitchFamily="34" charset="0"/>
-                <a:cs typeface="Arial" pitchFamily="34" charset="0"/>
-              </a:rPr>
-              <a:t>secantes,   </a:t>
-            </a:r>
-            <a:r>
-              <a:rPr lang="es-CO" sz="900" dirty="0" smtClean="0">
-                <a:solidFill>
-                  <a:schemeClr val="tx1"/>
-                </a:solidFill>
-                <a:latin typeface="Arial" pitchFamily="34" charset="0"/>
-                <a:cs typeface="Arial" pitchFamily="34" charset="0"/>
-              </a:rPr>
-              <a:t>perpendiculares o  </a:t>
-            </a:r>
-            <a:r>
-              <a:rPr lang="es-CO" sz="900" dirty="0" smtClean="0">
-                <a:solidFill>
-                  <a:schemeClr val="tx1"/>
-                </a:solidFill>
-                <a:latin typeface="Arial" pitchFamily="34" charset="0"/>
-                <a:cs typeface="Arial" pitchFamily="34" charset="0"/>
-              </a:rPr>
-              <a:t>paralelas </a:t>
+              <a:t>coincidentes, secantes,   perpendiculares o  paralelas </a:t>
             </a:r>
             <a:endParaRPr lang="es-CO" sz="900" dirty="0">
               <a:solidFill>
@@ -4353,19 +4228,19 @@
       </p:sp>
       <p:cxnSp>
         <p:nvCxnSpPr>
-          <p:cNvPr id="395" name="394 Conector recto de flecha"/>
+          <p:cNvPr id="400" name="248 Conector angular"/>
           <p:cNvCxnSpPr>
-            <a:stCxn id="392" idx="2"/>
-            <a:endCxn id="394" idx="0"/>
+            <a:stCxn id="370" idx="1"/>
+            <a:endCxn id="372" idx="0"/>
           </p:cNvCxnSpPr>
           <p:nvPr/>
         </p:nvCxnSpPr>
         <p:spPr>
-          <a:xfrm flipH="1">
-            <a:off x="4367389" y="5847695"/>
-            <a:ext cx="729" cy="159986"/>
-          </a:xfrm>
-          <a:prstGeom prst="straightConnector1">
+          <a:xfrm rot="10800000" flipV="1">
+            <a:off x="3948621" y="1307087"/>
+            <a:ext cx="373498" cy="242059"/>
+          </a:xfrm>
+          <a:prstGeom prst="bentConnector2">
             <a:avLst/>
           </a:prstGeom>
           <a:ln w="12700">
@@ -4392,21 +4267,21 @@
       </p:cxnSp>
       <p:sp>
         <p:nvSpPr>
-          <p:cNvPr id="396" name="Rectángulo 35"/>
+          <p:cNvPr id="401" name="Rectángulo 33"/>
           <p:cNvSpPr/>
           <p:nvPr/>
         </p:nvSpPr>
         <p:spPr>
           <a:xfrm>
-            <a:off x="812462" y="5442117"/>
-            <a:ext cx="1020848" cy="263243"/>
+            <a:off x="4960718" y="1544855"/>
+            <a:ext cx="1269282" cy="580799"/>
           </a:xfrm>
           <a:prstGeom prst="rect">
             <a:avLst/>
           </a:prstGeom>
-          <a:ln>
-            <a:noFill/>
-          </a:ln>
+          <a:solidFill>
+            <a:schemeClr val="bg1"/>
+          </a:solidFill>
         </p:spPr>
         <p:style>
           <a:lnRef idx="2">
@@ -4428,234 +4303,15 @@
           <a:p>
             <a:pPr algn="ctr"/>
             <a:r>
-              <a:rPr lang="es-CO" sz="900" dirty="0" smtClean="0">
-                <a:solidFill>
-                  <a:schemeClr val="tx1"/>
-                </a:solidFill>
-                <a:latin typeface="Arial" pitchFamily="34" charset="0"/>
-                <a:cs typeface="Arial" pitchFamily="34" charset="0"/>
-              </a:rPr>
-              <a:t>Se utilizan para </a:t>
-            </a:r>
-            <a:endParaRPr lang="es-CO" sz="900" dirty="0">
-              <a:solidFill>
-                <a:schemeClr val="tx1"/>
-              </a:solidFill>
-              <a:latin typeface="Arial" pitchFamily="34" charset="0"/>
-              <a:cs typeface="Arial" pitchFamily="34" charset="0"/>
-            </a:endParaRPr>
-          </a:p>
-        </p:txBody>
-      </p:sp>
-      <p:sp>
-        <p:nvSpPr>
-          <p:cNvPr id="397" name="Rectángulo 33"/>
-          <p:cNvSpPr/>
-          <p:nvPr/>
-        </p:nvSpPr>
-        <p:spPr>
-          <a:xfrm>
-            <a:off x="718253" y="5929971"/>
-            <a:ext cx="1208157" cy="723693"/>
-          </a:xfrm>
-          <a:prstGeom prst="rect">
-            <a:avLst/>
-          </a:prstGeom>
-          <a:solidFill>
-            <a:schemeClr val="bg2">
-              <a:lumMod val="90000"/>
-            </a:schemeClr>
-          </a:solidFill>
-        </p:spPr>
-        <p:style>
-          <a:lnRef idx="2">
-            <a:schemeClr val="dk1"/>
-          </a:lnRef>
-          <a:fillRef idx="1">
-            <a:schemeClr val="lt1"/>
-          </a:fillRef>
-          <a:effectRef idx="0">
-            <a:schemeClr val="dk1"/>
-          </a:effectRef>
-          <a:fontRef idx="minor">
-            <a:schemeClr val="dk1"/>
-          </a:fontRef>
-        </p:style>
-        <p:txBody>
-          <a:bodyPr rtlCol="0" anchor="ctr"/>
-          <a:lstStyle/>
-          <a:p>
-            <a:pPr algn="ctr"/>
-            <a:r>
-              <a:rPr lang="es-CO" sz="1200" dirty="0" smtClean="0">
-                <a:solidFill>
-                  <a:schemeClr val="tx1"/>
-                </a:solidFill>
-              </a:rPr>
-              <a:t>Resolver problemas  en diferentes ciencias </a:t>
-            </a:r>
-            <a:endParaRPr lang="es-CO" sz="1200" dirty="0">
-              <a:solidFill>
-                <a:srgbClr val="FF0000"/>
-              </a:solidFill>
-            </a:endParaRPr>
-          </a:p>
-        </p:txBody>
-      </p:sp>
-      <p:cxnSp>
-        <p:nvCxnSpPr>
-          <p:cNvPr id="398" name="397 Conector recto de flecha"/>
-          <p:cNvCxnSpPr>
-            <a:stCxn id="333" idx="2"/>
-            <a:endCxn id="396" idx="0"/>
-          </p:cNvCxnSpPr>
-          <p:nvPr/>
-        </p:nvCxnSpPr>
-        <p:spPr>
-          <a:xfrm>
-            <a:off x="1319893" y="5215159"/>
-            <a:ext cx="2993" cy="226958"/>
-          </a:xfrm>
-          <a:prstGeom prst="straightConnector1">
-            <a:avLst/>
-          </a:prstGeom>
-          <a:ln w="12700">
-            <a:solidFill>
-              <a:schemeClr val="tx1"/>
-            </a:solidFill>
-            <a:tailEnd type="none"/>
-          </a:ln>
-        </p:spPr>
-        <p:style>
-          <a:lnRef idx="1">
-            <a:schemeClr val="accent1"/>
-          </a:lnRef>
-          <a:fillRef idx="0">
-            <a:schemeClr val="accent1"/>
-          </a:fillRef>
-          <a:effectRef idx="0">
-            <a:schemeClr val="accent1"/>
-          </a:effectRef>
-          <a:fontRef idx="minor">
-            <a:schemeClr val="tx1"/>
-          </a:fontRef>
-        </p:style>
-      </p:cxnSp>
-      <p:cxnSp>
-        <p:nvCxnSpPr>
-          <p:cNvPr id="399" name="398 Conector recto de flecha"/>
-          <p:cNvCxnSpPr>
-            <a:stCxn id="396" idx="2"/>
-            <a:endCxn id="397" idx="0"/>
-          </p:cNvCxnSpPr>
-          <p:nvPr/>
-        </p:nvCxnSpPr>
-        <p:spPr>
-          <a:xfrm flipH="1">
-            <a:off x="1322332" y="5705360"/>
-            <a:ext cx="554" cy="224611"/>
-          </a:xfrm>
-          <a:prstGeom prst="straightConnector1">
-            <a:avLst/>
-          </a:prstGeom>
-          <a:ln w="12700">
-            <a:solidFill>
-              <a:schemeClr val="tx1"/>
-            </a:solidFill>
-            <a:tailEnd type="none"/>
-          </a:ln>
-        </p:spPr>
-        <p:style>
-          <a:lnRef idx="1">
-            <a:schemeClr val="accent1"/>
-          </a:lnRef>
-          <a:fillRef idx="0">
-            <a:schemeClr val="accent1"/>
-          </a:fillRef>
-          <a:effectRef idx="0">
-            <a:schemeClr val="accent1"/>
-          </a:effectRef>
-          <a:fontRef idx="minor">
-            <a:schemeClr val="tx1"/>
-          </a:fontRef>
-        </p:style>
-      </p:cxnSp>
-      <p:cxnSp>
-        <p:nvCxnSpPr>
-          <p:cNvPr id="400" name="248 Conector angular"/>
-          <p:cNvCxnSpPr>
-            <a:stCxn id="370" idx="1"/>
-            <a:endCxn id="372" idx="0"/>
-          </p:cNvCxnSpPr>
-          <p:nvPr/>
-        </p:nvCxnSpPr>
-        <p:spPr>
-          <a:xfrm rot="10800000" flipV="1">
-            <a:off x="3948621" y="1307087"/>
-            <a:ext cx="373498" cy="242059"/>
-          </a:xfrm>
-          <a:prstGeom prst="bentConnector2">
-            <a:avLst/>
-          </a:prstGeom>
-          <a:ln w="12700">
-            <a:solidFill>
-              <a:schemeClr val="tx1"/>
-            </a:solidFill>
-            <a:tailEnd type="none"/>
-          </a:ln>
-        </p:spPr>
-        <p:style>
-          <a:lnRef idx="1">
-            <a:schemeClr val="accent1"/>
-          </a:lnRef>
-          <a:fillRef idx="0">
-            <a:schemeClr val="accent1"/>
-          </a:fillRef>
-          <a:effectRef idx="0">
-            <a:schemeClr val="accent1"/>
-          </a:effectRef>
-          <a:fontRef idx="minor">
-            <a:schemeClr val="tx1"/>
-          </a:fontRef>
-        </p:style>
-      </p:cxnSp>
-      <p:sp>
-        <p:nvSpPr>
-          <p:cNvPr id="401" name="Rectángulo 33"/>
-          <p:cNvSpPr/>
-          <p:nvPr/>
-        </p:nvSpPr>
-        <p:spPr>
-          <a:xfrm>
-            <a:off x="4960718" y="1544855"/>
-            <a:ext cx="1269282" cy="580799"/>
-          </a:xfrm>
-          <a:prstGeom prst="rect">
-            <a:avLst/>
-          </a:prstGeom>
-          <a:solidFill>
-            <a:schemeClr val="bg1"/>
-          </a:solidFill>
-        </p:spPr>
-        <p:style>
-          <a:lnRef idx="2">
-            <a:schemeClr val="dk1"/>
-          </a:lnRef>
-          <a:fillRef idx="1">
-            <a:schemeClr val="lt1"/>
-          </a:fillRef>
-          <a:effectRef idx="0">
-            <a:schemeClr val="dk1"/>
-          </a:effectRef>
-          <a:fontRef idx="minor">
-            <a:schemeClr val="dk1"/>
-          </a:fontRef>
-        </p:style>
-        <p:txBody>
-          <a:bodyPr rtlCol="0" anchor="ctr"/>
-          <a:lstStyle/>
-          <a:p>
-            <a:pPr algn="ctr"/>
+              <a:rPr lang="es-CO" sz="1200" b="1" dirty="0">
+                <a:solidFill>
+                  <a:schemeClr val="tx1"/>
+                </a:solidFill>
+                <a:latin typeface="Arial" pitchFamily="34" charset="0"/>
+                <a:cs typeface="Arial" pitchFamily="34" charset="0"/>
+              </a:rPr>
+              <a:t>s</a:t>
+            </a:r>
             <a:r>
               <a:rPr lang="es-CO" sz="1200" b="1" dirty="0" smtClean="0">
                 <a:solidFill>
@@ -4664,7 +4320,7 @@
                 <a:latin typeface="Arial" pitchFamily="34" charset="0"/>
                 <a:cs typeface="Arial" pitchFamily="34" charset="0"/>
               </a:rPr>
-              <a:t>Sistemas de desigualdades lineales   </a:t>
+              <a:t>istemas de desigualdades lineales   </a:t>
             </a:r>
             <a:r>
               <a:rPr lang="es-CO" sz="1200" b="1" dirty="0" smtClean="0">
@@ -4735,9 +4391,9 @@
           <p:nvPr/>
         </p:nvCxnSpPr>
         <p:spPr>
-          <a:xfrm flipH="1">
-            <a:off x="8739447" y="5923370"/>
-            <a:ext cx="3997" cy="270998"/>
+          <a:xfrm>
+            <a:off x="8752519" y="5923370"/>
+            <a:ext cx="11312" cy="270998"/>
           </a:xfrm>
           <a:prstGeom prst="straightConnector1">
             <a:avLst/>
@@ -4772,8 +4428,8 @@
         </p:nvSpPr>
         <p:spPr>
           <a:xfrm>
-            <a:off x="6407418" y="5111910"/>
-            <a:ext cx="624560" cy="548142"/>
+            <a:off x="6358668" y="4839884"/>
+            <a:ext cx="726294" cy="295172"/>
           </a:xfrm>
           <a:prstGeom prst="rect">
             <a:avLst/>
@@ -4809,7 +4465,17 @@
                 <a:latin typeface="Arial" pitchFamily="34" charset="0"/>
                 <a:cs typeface="Arial" pitchFamily="34" charset="0"/>
               </a:rPr>
-              <a:t>Puede pasar que tenga  </a:t>
+              <a:t>Posibles </a:t>
+            </a:r>
+            <a:r>
+              <a:rPr lang="es-CO" sz="900" dirty="0" smtClean="0">
+                <a:solidFill>
+                  <a:schemeClr val="tx1"/>
+                </a:solidFill>
+                <a:latin typeface="Arial" pitchFamily="34" charset="0"/>
+                <a:cs typeface="Arial" pitchFamily="34" charset="0"/>
+              </a:rPr>
+              <a:t>soluciones</a:t>
             </a:r>
             <a:endParaRPr lang="es-CO" sz="900" dirty="0">
               <a:solidFill>
@@ -4833,7 +4499,7 @@
         <p:spPr>
           <a:xfrm>
             <a:off x="6717571" y="3782407"/>
-            <a:ext cx="2127" cy="1329503"/>
+            <a:ext cx="4244" cy="1057477"/>
           </a:xfrm>
           <a:prstGeom prst="straightConnector1">
             <a:avLst/>
@@ -4870,9 +4536,9 @@
           <p:nvPr/>
         </p:nvCxnSpPr>
         <p:spPr>
-          <a:xfrm>
-            <a:off x="6719698" y="5660052"/>
-            <a:ext cx="4833" cy="380568"/>
+          <a:xfrm flipH="1">
+            <a:off x="6717528" y="5135056"/>
+            <a:ext cx="4287" cy="872130"/>
           </a:xfrm>
           <a:prstGeom prst="straightConnector1">
             <a:avLst/>
@@ -4937,17 +4603,21 @@
           <a:p>
             <a:pPr algn="ctr"/>
             <a:r>
-              <a:rPr lang="es-CO" sz="1100" dirty="0" smtClean="0">
-                <a:solidFill>
-                  <a:schemeClr val="tx1"/>
-                </a:solidFill>
-              </a:rPr>
-              <a:t>Puede pasar que tenga  </a:t>
-            </a:r>
-            <a:endParaRPr lang="es-CO" sz="1100" dirty="0">
+              <a:rPr lang="es-CO" sz="900" dirty="0">
+                <a:solidFill>
+                  <a:schemeClr val="tx1"/>
+                </a:solidFill>
+                <a:latin typeface="Arial" pitchFamily="34" charset="0"/>
+                <a:cs typeface="Arial" pitchFamily="34" charset="0"/>
+              </a:rPr>
+              <a:t>posibles soluciones</a:t>
+            </a:r>
+            <a:endParaRPr lang="es-CO" sz="900" dirty="0">
               <a:solidFill>
                 <a:schemeClr val="tx1"/>
               </a:solidFill>
+              <a:latin typeface="Arial" pitchFamily="34" charset="0"/>
+              <a:cs typeface="Arial" pitchFamily="34" charset="0"/>
             </a:endParaRPr>
           </a:p>
         </p:txBody>
@@ -4955,15 +4625,12 @@
       <p:cxnSp>
         <p:nvCxnSpPr>
           <p:cNvPr id="411" name="410 Conector recto de flecha"/>
-          <p:cNvCxnSpPr>
-            <a:stCxn id="410" idx="2"/>
-            <a:endCxn id="570" idx="0"/>
-          </p:cNvCxnSpPr>
+          <p:cNvCxnSpPr/>
           <p:nvPr/>
         </p:nvCxnSpPr>
         <p:spPr>
           <a:xfrm>
-            <a:off x="10273200" y="5530765"/>
+            <a:off x="10273200" y="5587922"/>
             <a:ext cx="11826" cy="299462"/>
           </a:xfrm>
           <a:prstGeom prst="straightConnector1">
@@ -5038,8 +4705,8 @@
         </p:nvSpPr>
         <p:spPr>
           <a:xfrm>
-            <a:off x="7091417" y="5329869"/>
-            <a:ext cx="1243380" cy="512582"/>
+            <a:off x="7048130" y="5329869"/>
+            <a:ext cx="1329157" cy="512582"/>
           </a:xfrm>
           <a:prstGeom prst="rect">
             <a:avLst/>
@@ -5080,7 +4747,27 @@
                 <a:latin typeface="Arial" pitchFamily="34" charset="0"/>
                 <a:cs typeface="Arial" pitchFamily="34" charset="0"/>
               </a:rPr>
-              <a:t>Una  solución.</a:t>
+              <a:t> u</a:t>
+            </a:r>
+            <a:r>
+              <a:rPr lang="es-CO" sz="900" dirty="0" smtClean="0">
+                <a:solidFill>
+                  <a:schemeClr val="tx1"/>
+                </a:solidFill>
+                <a:latin typeface="Arial" pitchFamily="34" charset="0"/>
+                <a:cs typeface="Arial" pitchFamily="34" charset="0"/>
+              </a:rPr>
+              <a:t>na  </a:t>
+            </a:r>
+            <a:r>
+              <a:rPr lang="es-CO" sz="900" dirty="0" smtClean="0">
+                <a:solidFill>
+                  <a:schemeClr val="tx1"/>
+                </a:solidFill>
+                <a:latin typeface="Arial" pitchFamily="34" charset="0"/>
+                <a:cs typeface="Arial" pitchFamily="34" charset="0"/>
+              </a:rPr>
+              <a:t>solución.</a:t>
             </a:r>
           </a:p>
           <a:p>
@@ -5096,7 +4783,27 @@
                 <a:latin typeface="Arial" pitchFamily="34" charset="0"/>
                 <a:cs typeface="Arial" pitchFamily="34" charset="0"/>
               </a:rPr>
-              <a:t>Ninguna  solución.</a:t>
+              <a:t> n</a:t>
+            </a:r>
+            <a:r>
+              <a:rPr lang="es-CO" sz="900" dirty="0" smtClean="0">
+                <a:solidFill>
+                  <a:schemeClr val="tx1"/>
+                </a:solidFill>
+                <a:latin typeface="Arial" pitchFamily="34" charset="0"/>
+                <a:cs typeface="Arial" pitchFamily="34" charset="0"/>
+              </a:rPr>
+              <a:t>inguna  </a:t>
+            </a:r>
+            <a:r>
+              <a:rPr lang="es-CO" sz="900" dirty="0" smtClean="0">
+                <a:solidFill>
+                  <a:schemeClr val="tx1"/>
+                </a:solidFill>
+                <a:latin typeface="Arial" pitchFamily="34" charset="0"/>
+                <a:cs typeface="Arial" pitchFamily="34" charset="0"/>
+              </a:rPr>
+              <a:t>solución.</a:t>
             </a:r>
           </a:p>
           <a:p>
@@ -5112,7 +4819,27 @@
                 <a:latin typeface="Arial" pitchFamily="34" charset="0"/>
                 <a:cs typeface="Arial" pitchFamily="34" charset="0"/>
               </a:rPr>
-              <a:t>Infinitas soluciones. </a:t>
+              <a:t> i</a:t>
+            </a:r>
+            <a:r>
+              <a:rPr lang="es-CO" sz="900" dirty="0" smtClean="0">
+                <a:solidFill>
+                  <a:schemeClr val="tx1"/>
+                </a:solidFill>
+                <a:latin typeface="Arial" pitchFamily="34" charset="0"/>
+                <a:cs typeface="Arial" pitchFamily="34" charset="0"/>
+              </a:rPr>
+              <a:t>nfinitas </a:t>
+            </a:r>
+            <a:r>
+              <a:rPr lang="es-CO" sz="900" dirty="0" smtClean="0">
+                <a:solidFill>
+                  <a:schemeClr val="tx1"/>
+                </a:solidFill>
+                <a:latin typeface="Arial" pitchFamily="34" charset="0"/>
+                <a:cs typeface="Arial" pitchFamily="34" charset="0"/>
+              </a:rPr>
+              <a:t>soluciones. </a:t>
             </a:r>
           </a:p>
         </p:txBody>
@@ -5155,6 +4882,16 @@
           <a:p>
             <a:pPr algn="ctr"/>
             <a:r>
+              <a:rPr lang="es-CO" sz="900" dirty="0">
+                <a:solidFill>
+                  <a:schemeClr val="tx1"/>
+                </a:solidFill>
+                <a:latin typeface="Arial" pitchFamily="34" charset="0"/>
+                <a:cs typeface="Arial" pitchFamily="34" charset="0"/>
+              </a:rPr>
+              <a:t>p</a:t>
+            </a:r>
+            <a:r>
               <a:rPr lang="es-CO" sz="900" dirty="0" smtClean="0">
                 <a:solidFill>
                   <a:schemeClr val="tx1"/>
@@ -5162,7 +4899,7 @@
                 <a:latin typeface="Arial" pitchFamily="34" charset="0"/>
                 <a:cs typeface="Arial" pitchFamily="34" charset="0"/>
               </a:rPr>
-              <a:t>Puede pasar que tenga  </a:t>
+              <a:t>osibles soluciones</a:t>
             </a:r>
             <a:endParaRPr lang="es-CO" sz="900" dirty="0">
               <a:solidFill>
@@ -5186,7 +4923,7 @@
         <p:spPr>
           <a:xfrm>
             <a:off x="7706652" y="5136600"/>
-            <a:ext cx="6455" cy="193269"/>
+            <a:ext cx="6057" cy="193269"/>
           </a:xfrm>
           <a:prstGeom prst="straightConnector1">
             <a:avLst/>
@@ -5297,7 +5034,7 @@
                 <a:latin typeface="Arial" pitchFamily="34" charset="0"/>
                 <a:cs typeface="Arial" pitchFamily="34" charset="0"/>
               </a:rPr>
-              <a:t>Puede pasar que tenga  </a:t>
+              <a:t>posibles soluciones </a:t>
             </a:r>
             <a:endParaRPr lang="es-CO" sz="900" dirty="0">
               <a:solidFill>
@@ -5359,8 +5096,8 @@
         </p:nvCxnSpPr>
         <p:spPr>
           <a:xfrm>
-            <a:off x="11803421" y="4064545"/>
-            <a:ext cx="4335" cy="564387"/>
+            <a:off x="11798752" y="3914490"/>
+            <a:ext cx="9004" cy="714442"/>
           </a:xfrm>
           <a:prstGeom prst="straightConnector1">
             <a:avLst/>
@@ -5370,44 +5107,6 @@
               <a:schemeClr val="tx1"/>
             </a:solidFill>
             <a:tailEnd type="none"/>
-          </a:ln>
-        </p:spPr>
-        <p:style>
-          <a:lnRef idx="1">
-            <a:schemeClr val="accent1"/>
-          </a:lnRef>
-          <a:fillRef idx="0">
-            <a:schemeClr val="accent1"/>
-          </a:fillRef>
-          <a:effectRef idx="0">
-            <a:schemeClr val="accent1"/>
-          </a:effectRef>
-          <a:fontRef idx="minor">
-            <a:schemeClr val="tx1"/>
-          </a:fontRef>
-        </p:style>
-      </p:cxnSp>
-      <p:cxnSp>
-        <p:nvCxnSpPr>
-          <p:cNvPr id="424" name="423 Conector recto"/>
-          <p:cNvCxnSpPr>
-            <a:stCxn id="363" idx="2"/>
-            <a:endCxn id="333" idx="0"/>
-          </p:cNvCxnSpPr>
-          <p:nvPr/>
-        </p:nvCxnSpPr>
-        <p:spPr>
-          <a:xfrm>
-            <a:off x="1319402" y="4232147"/>
-            <a:ext cx="491" cy="217685"/>
-          </a:xfrm>
-          <a:prstGeom prst="line">
-            <a:avLst/>
-          </a:prstGeom>
-          <a:ln w="12700">
-            <a:solidFill>
-              <a:schemeClr val="tx1"/>
-            </a:solidFill>
           </a:ln>
         </p:spPr>
         <p:style>
@@ -5476,9 +5175,9 @@
           <p:nvPr/>
         </p:nvCxnSpPr>
         <p:spPr>
-          <a:xfrm>
-            <a:off x="3012183" y="4002211"/>
-            <a:ext cx="3412" cy="149336"/>
+          <a:xfrm flipH="1">
+            <a:off x="3011524" y="3916018"/>
+            <a:ext cx="1" cy="49021"/>
           </a:xfrm>
           <a:prstGeom prst="line">
             <a:avLst/>
@@ -5516,7 +5215,7 @@
         <p:spPr>
           <a:xfrm>
             <a:off x="4572339" y="1826791"/>
-            <a:ext cx="321858" cy="464965"/>
+            <a:ext cx="321858" cy="640251"/>
           </a:xfrm>
           <a:prstGeom prst="bentConnector2">
             <a:avLst/>
@@ -5554,8 +5253,8 @@
         </p:nvCxnSpPr>
         <p:spPr>
           <a:xfrm rot="10800000" flipV="1">
-            <a:off x="3011651" y="1826790"/>
-            <a:ext cx="313252" cy="708021"/>
+            <a:off x="3011569" y="1826790"/>
+            <a:ext cx="313334" cy="560827"/>
           </a:xfrm>
           <a:prstGeom prst="bentConnector2">
             <a:avLst/>
@@ -5984,7 +5683,7 @@
         <p:spPr>
           <a:xfrm>
             <a:off x="8741817" y="3965039"/>
-            <a:ext cx="1627" cy="1391888"/>
+            <a:ext cx="10702" cy="1391888"/>
           </a:xfrm>
           <a:prstGeom prst="line">
             <a:avLst/>
@@ -6098,7 +5797,7 @@
         <p:spPr>
           <a:xfrm>
             <a:off x="11795158" y="2983339"/>
-            <a:ext cx="8263" cy="249932"/>
+            <a:ext cx="3594" cy="249932"/>
           </a:xfrm>
           <a:prstGeom prst="line">
             <a:avLst/>
@@ -6208,8 +5907,8 @@
         </p:nvSpPr>
         <p:spPr>
           <a:xfrm>
-            <a:off x="6102841" y="6040620"/>
-            <a:ext cx="1243380" cy="512582"/>
+            <a:off x="5964932" y="6007186"/>
+            <a:ext cx="1505191" cy="512582"/>
           </a:xfrm>
           <a:prstGeom prst="rect">
             <a:avLst/>
@@ -6250,7 +5949,17 @@
                 <a:latin typeface="Arial" pitchFamily="34" charset="0"/>
                 <a:cs typeface="Arial" pitchFamily="34" charset="0"/>
               </a:rPr>
-              <a:t>Una  solución.</a:t>
+              <a:t> una  </a:t>
+            </a:r>
+            <a:r>
+              <a:rPr lang="es-CO" sz="900" dirty="0" smtClean="0">
+                <a:solidFill>
+                  <a:schemeClr val="tx1"/>
+                </a:solidFill>
+                <a:latin typeface="Arial" pitchFamily="34" charset="0"/>
+                <a:cs typeface="Arial" pitchFamily="34" charset="0"/>
+              </a:rPr>
+              <a:t>solución.</a:t>
             </a:r>
           </a:p>
           <a:p>
@@ -6266,7 +5975,17 @@
                 <a:latin typeface="Arial" pitchFamily="34" charset="0"/>
                 <a:cs typeface="Arial" pitchFamily="34" charset="0"/>
               </a:rPr>
-              <a:t>Ninguna  solución.</a:t>
+              <a:t> ninguna  </a:t>
+            </a:r>
+            <a:r>
+              <a:rPr lang="es-CO" sz="900" dirty="0" smtClean="0">
+                <a:solidFill>
+                  <a:schemeClr val="tx1"/>
+                </a:solidFill>
+                <a:latin typeface="Arial" pitchFamily="34" charset="0"/>
+                <a:cs typeface="Arial" pitchFamily="34" charset="0"/>
+              </a:rPr>
+              <a:t>solución.</a:t>
             </a:r>
           </a:p>
           <a:p>
@@ -6282,7 +6001,17 @@
                 <a:latin typeface="Arial" pitchFamily="34" charset="0"/>
                 <a:cs typeface="Arial" pitchFamily="34" charset="0"/>
               </a:rPr>
-              <a:t>Infinitas soluciones. </a:t>
+              <a:t> infinitas </a:t>
+            </a:r>
+            <a:r>
+              <a:rPr lang="es-CO" sz="900" dirty="0" smtClean="0">
+                <a:solidFill>
+                  <a:schemeClr val="tx1"/>
+                </a:solidFill>
+                <a:latin typeface="Arial" pitchFamily="34" charset="0"/>
+                <a:cs typeface="Arial" pitchFamily="34" charset="0"/>
+              </a:rPr>
+              <a:t>soluciones. </a:t>
             </a:r>
           </a:p>
         </p:txBody>
@@ -6295,7 +6024,7 @@
         </p:nvSpPr>
         <p:spPr>
           <a:xfrm>
-            <a:off x="8117757" y="6194368"/>
+            <a:off x="8142141" y="6194368"/>
             <a:ext cx="1243380" cy="512582"/>
           </a:xfrm>
           <a:prstGeom prst="rect">
@@ -6330,6 +6059,16 @@
               <a:buChar char="•"/>
             </a:pPr>
             <a:r>
+              <a:rPr lang="es-CO" sz="900" dirty="0">
+                <a:solidFill>
+                  <a:schemeClr val="tx1"/>
+                </a:solidFill>
+                <a:latin typeface="Arial" pitchFamily="34" charset="0"/>
+                <a:cs typeface="Arial" pitchFamily="34" charset="0"/>
+              </a:rPr>
+              <a:t>u</a:t>
+            </a:r>
+            <a:r>
               <a:rPr lang="es-CO" sz="900" dirty="0" smtClean="0">
                 <a:solidFill>
                   <a:schemeClr val="tx1"/>
@@ -6337,7 +6076,17 @@
                 <a:latin typeface="Arial" pitchFamily="34" charset="0"/>
                 <a:cs typeface="Arial" pitchFamily="34" charset="0"/>
               </a:rPr>
-              <a:t>Una  solución.</a:t>
+              <a:t>na  </a:t>
+            </a:r>
+            <a:r>
+              <a:rPr lang="es-CO" sz="900" dirty="0" smtClean="0">
+                <a:solidFill>
+                  <a:schemeClr val="tx1"/>
+                </a:solidFill>
+                <a:latin typeface="Arial" pitchFamily="34" charset="0"/>
+                <a:cs typeface="Arial" pitchFamily="34" charset="0"/>
+              </a:rPr>
+              <a:t>solución.</a:t>
             </a:r>
           </a:p>
           <a:p>
@@ -6346,6 +6095,16 @@
               <a:buChar char="•"/>
             </a:pPr>
             <a:r>
+              <a:rPr lang="es-CO" sz="900" dirty="0">
+                <a:solidFill>
+                  <a:schemeClr val="tx1"/>
+                </a:solidFill>
+                <a:latin typeface="Arial" pitchFamily="34" charset="0"/>
+                <a:cs typeface="Arial" pitchFamily="34" charset="0"/>
+              </a:rPr>
+              <a:t>n</a:t>
+            </a:r>
+            <a:r>
               <a:rPr lang="es-CO" sz="900" dirty="0" smtClean="0">
                 <a:solidFill>
                   <a:schemeClr val="tx1"/>
@@ -6353,7 +6112,17 @@
                 <a:latin typeface="Arial" pitchFamily="34" charset="0"/>
                 <a:cs typeface="Arial" pitchFamily="34" charset="0"/>
               </a:rPr>
-              <a:t>Ninguna  solución.</a:t>
+              <a:t>inguna  </a:t>
+            </a:r>
+            <a:r>
+              <a:rPr lang="es-CO" sz="900" dirty="0" smtClean="0">
+                <a:solidFill>
+                  <a:schemeClr val="tx1"/>
+                </a:solidFill>
+                <a:latin typeface="Arial" pitchFamily="34" charset="0"/>
+                <a:cs typeface="Arial" pitchFamily="34" charset="0"/>
+              </a:rPr>
+              <a:t>solución.</a:t>
             </a:r>
           </a:p>
           <a:p>
@@ -6362,6 +6131,16 @@
               <a:buChar char="•"/>
             </a:pPr>
             <a:r>
+              <a:rPr lang="es-CO" sz="900" dirty="0">
+                <a:solidFill>
+                  <a:schemeClr val="tx1"/>
+                </a:solidFill>
+                <a:latin typeface="Arial" pitchFamily="34" charset="0"/>
+                <a:cs typeface="Arial" pitchFamily="34" charset="0"/>
+              </a:rPr>
+              <a:t>i</a:t>
+            </a:r>
+            <a:r>
               <a:rPr lang="es-CO" sz="900" dirty="0" smtClean="0">
                 <a:solidFill>
                   <a:schemeClr val="tx1"/>
@@ -6369,7 +6148,17 @@
                 <a:latin typeface="Arial" pitchFamily="34" charset="0"/>
                 <a:cs typeface="Arial" pitchFamily="34" charset="0"/>
               </a:rPr>
-              <a:t>Infinitas soluciones. </a:t>
+              <a:t>nfinitas </a:t>
+            </a:r>
+            <a:r>
+              <a:rPr lang="es-CO" sz="900" dirty="0" smtClean="0">
+                <a:solidFill>
+                  <a:schemeClr val="tx1"/>
+                </a:solidFill>
+                <a:latin typeface="Arial" pitchFamily="34" charset="0"/>
+                <a:cs typeface="Arial" pitchFamily="34" charset="0"/>
+              </a:rPr>
+              <a:t>soluciones. </a:t>
             </a:r>
           </a:p>
         </p:txBody>
@@ -6417,6 +6206,16 @@
               <a:buChar char="•"/>
             </a:pPr>
             <a:r>
+              <a:rPr lang="es-CO" sz="900" dirty="0">
+                <a:solidFill>
+                  <a:schemeClr val="tx1"/>
+                </a:solidFill>
+                <a:latin typeface="Arial" pitchFamily="34" charset="0"/>
+                <a:cs typeface="Arial" pitchFamily="34" charset="0"/>
+              </a:rPr>
+              <a:t>u</a:t>
+            </a:r>
+            <a:r>
               <a:rPr lang="es-CO" sz="900" dirty="0" smtClean="0">
                 <a:solidFill>
                   <a:schemeClr val="tx1"/>
@@ -6424,7 +6223,17 @@
                 <a:latin typeface="Arial" pitchFamily="34" charset="0"/>
                 <a:cs typeface="Arial" pitchFamily="34" charset="0"/>
               </a:rPr>
-              <a:t>Una  solución.</a:t>
+              <a:t>na  </a:t>
+            </a:r>
+            <a:r>
+              <a:rPr lang="es-CO" sz="900" dirty="0" smtClean="0">
+                <a:solidFill>
+                  <a:schemeClr val="tx1"/>
+                </a:solidFill>
+                <a:latin typeface="Arial" pitchFamily="34" charset="0"/>
+                <a:cs typeface="Arial" pitchFamily="34" charset="0"/>
+              </a:rPr>
+              <a:t>solución.</a:t>
             </a:r>
           </a:p>
           <a:p>
@@ -6440,7 +6249,17 @@
                 <a:latin typeface="Arial" pitchFamily="34" charset="0"/>
                 <a:cs typeface="Arial" pitchFamily="34" charset="0"/>
               </a:rPr>
-              <a:t>Ninguna  solución.</a:t>
+              <a:t>ninguna  </a:t>
+            </a:r>
+            <a:r>
+              <a:rPr lang="es-CO" sz="900" dirty="0" smtClean="0">
+                <a:solidFill>
+                  <a:schemeClr val="tx1"/>
+                </a:solidFill>
+                <a:latin typeface="Arial" pitchFamily="34" charset="0"/>
+                <a:cs typeface="Arial" pitchFamily="34" charset="0"/>
+              </a:rPr>
+              <a:t>solución.</a:t>
             </a:r>
           </a:p>
           <a:p>
@@ -6456,7 +6275,17 @@
                 <a:latin typeface="Arial" pitchFamily="34" charset="0"/>
                 <a:cs typeface="Arial" pitchFamily="34" charset="0"/>
               </a:rPr>
-              <a:t>Infinitas soluciones. </a:t>
+              <a:t>infinitas </a:t>
+            </a:r>
+            <a:r>
+              <a:rPr lang="es-CO" sz="900" dirty="0" smtClean="0">
+                <a:solidFill>
+                  <a:schemeClr val="tx1"/>
+                </a:solidFill>
+                <a:latin typeface="Arial" pitchFamily="34" charset="0"/>
+                <a:cs typeface="Arial" pitchFamily="34" charset="0"/>
+              </a:rPr>
+              <a:t>soluciones. </a:t>
             </a:r>
           </a:p>
         </p:txBody>
@@ -6504,6 +6333,16 @@
               <a:buChar char="•"/>
             </a:pPr>
             <a:r>
+              <a:rPr lang="es-CO" sz="900" dirty="0">
+                <a:solidFill>
+                  <a:schemeClr val="tx1"/>
+                </a:solidFill>
+                <a:latin typeface="Arial" pitchFamily="34" charset="0"/>
+                <a:cs typeface="Arial" pitchFamily="34" charset="0"/>
+              </a:rPr>
+              <a:t>u</a:t>
+            </a:r>
+            <a:r>
               <a:rPr lang="es-CO" sz="900" dirty="0" smtClean="0">
                 <a:solidFill>
                   <a:schemeClr val="tx1"/>
@@ -6511,7 +6350,17 @@
                 <a:latin typeface="Arial" pitchFamily="34" charset="0"/>
                 <a:cs typeface="Arial" pitchFamily="34" charset="0"/>
               </a:rPr>
-              <a:t>Una  solución.</a:t>
+              <a:t>na  </a:t>
+            </a:r>
+            <a:r>
+              <a:rPr lang="es-CO" sz="900" dirty="0" smtClean="0">
+                <a:solidFill>
+                  <a:schemeClr val="tx1"/>
+                </a:solidFill>
+                <a:latin typeface="Arial" pitchFamily="34" charset="0"/>
+                <a:cs typeface="Arial" pitchFamily="34" charset="0"/>
+              </a:rPr>
+              <a:t>solución.</a:t>
             </a:r>
           </a:p>
           <a:p>
@@ -6527,7 +6376,17 @@
                 <a:latin typeface="Arial" pitchFamily="34" charset="0"/>
                 <a:cs typeface="Arial" pitchFamily="34" charset="0"/>
               </a:rPr>
-              <a:t>Ninguna  solución.</a:t>
+              <a:t>ninguna  </a:t>
+            </a:r>
+            <a:r>
+              <a:rPr lang="es-CO" sz="900" dirty="0" smtClean="0">
+                <a:solidFill>
+                  <a:schemeClr val="tx1"/>
+                </a:solidFill>
+                <a:latin typeface="Arial" pitchFamily="34" charset="0"/>
+                <a:cs typeface="Arial" pitchFamily="34" charset="0"/>
+              </a:rPr>
+              <a:t>solución.</a:t>
             </a:r>
           </a:p>
           <a:p>
@@ -6536,6 +6395,16 @@
               <a:buChar char="•"/>
             </a:pPr>
             <a:r>
+              <a:rPr lang="es-CO" sz="900" dirty="0">
+                <a:solidFill>
+                  <a:schemeClr val="tx1"/>
+                </a:solidFill>
+                <a:latin typeface="Arial" pitchFamily="34" charset="0"/>
+                <a:cs typeface="Arial" pitchFamily="34" charset="0"/>
+              </a:rPr>
+              <a:t>i</a:t>
+            </a:r>
+            <a:r>
               <a:rPr lang="es-CO" sz="900" dirty="0" smtClean="0">
                 <a:solidFill>
                   <a:schemeClr val="tx1"/>
@@ -6543,15 +6412,243 @@
                 <a:latin typeface="Arial" pitchFamily="34" charset="0"/>
                 <a:cs typeface="Arial" pitchFamily="34" charset="0"/>
               </a:rPr>
-              <a:t>Infinitas soluciones. </a:t>
+              <a:t>nfinitas </a:t>
+            </a:r>
+            <a:r>
+              <a:rPr lang="es-CO" sz="900" dirty="0" smtClean="0">
+                <a:solidFill>
+                  <a:schemeClr val="tx1"/>
+                </a:solidFill>
+                <a:latin typeface="Arial" pitchFamily="34" charset="0"/>
+                <a:cs typeface="Arial" pitchFamily="34" charset="0"/>
+              </a:rPr>
+              <a:t>soluciones. </a:t>
             </a:r>
           </a:p>
         </p:txBody>
       </p:sp>
+      <p:cxnSp>
+        <p:nvCxnSpPr>
+          <p:cNvPr id="1053" name="Conector angular 1052"/>
+          <p:cNvCxnSpPr>
+            <a:stCxn id="384" idx="2"/>
+            <a:endCxn id="388" idx="0"/>
+          </p:cNvCxnSpPr>
+          <p:nvPr/>
+        </p:nvCxnSpPr>
+        <p:spPr>
+          <a:xfrm rot="16200000" flipH="1">
+            <a:off x="3414528" y="3988577"/>
+            <a:ext cx="131088" cy="937097"/>
+          </a:xfrm>
+          <a:prstGeom prst="bentConnector3">
+            <a:avLst/>
+          </a:prstGeom>
+          <a:ln>
+            <a:solidFill>
+              <a:schemeClr val="tx1"/>
+            </a:solidFill>
+          </a:ln>
+        </p:spPr>
+        <p:style>
+          <a:lnRef idx="1">
+            <a:schemeClr val="accent1"/>
+          </a:lnRef>
+          <a:fillRef idx="0">
+            <a:schemeClr val="accent1"/>
+          </a:fillRef>
+          <a:effectRef idx="0">
+            <a:schemeClr val="accent1"/>
+          </a:effectRef>
+          <a:fontRef idx="minor">
+            <a:schemeClr val="tx1"/>
+          </a:fontRef>
+        </p:style>
+      </p:cxnSp>
+      <p:cxnSp>
+        <p:nvCxnSpPr>
+          <p:cNvPr id="1055" name="Conector angular 1054"/>
+          <p:cNvCxnSpPr>
+            <a:stCxn id="384" idx="2"/>
+            <a:endCxn id="381" idx="0"/>
+          </p:cNvCxnSpPr>
+          <p:nvPr/>
+        </p:nvCxnSpPr>
+        <p:spPr>
+          <a:xfrm rot="5400000">
+            <a:off x="2441342" y="3945760"/>
+            <a:ext cx="124360" cy="1016005"/>
+          </a:xfrm>
+          <a:prstGeom prst="bentConnector3">
+            <a:avLst/>
+          </a:prstGeom>
+          <a:ln>
+            <a:solidFill>
+              <a:schemeClr val="tx1"/>
+            </a:solidFill>
+          </a:ln>
+        </p:spPr>
+        <p:style>
+          <a:lnRef idx="1">
+            <a:schemeClr val="accent1"/>
+          </a:lnRef>
+          <a:fillRef idx="0">
+            <a:schemeClr val="accent1"/>
+          </a:fillRef>
+          <a:effectRef idx="0">
+            <a:schemeClr val="accent1"/>
+          </a:effectRef>
+          <a:fontRef idx="minor">
+            <a:schemeClr val="tx1"/>
+          </a:fontRef>
+        </p:style>
+      </p:cxnSp>
+      <p:cxnSp>
+        <p:nvCxnSpPr>
+          <p:cNvPr id="226" name="Conector recto 225"/>
+          <p:cNvCxnSpPr>
+            <a:stCxn id="381" idx="2"/>
+            <a:endCxn id="382" idx="0"/>
+          </p:cNvCxnSpPr>
+          <p:nvPr/>
+        </p:nvCxnSpPr>
+        <p:spPr>
+          <a:xfrm flipH="1">
+            <a:off x="1995036" y="4715005"/>
+            <a:ext cx="483" cy="183364"/>
+          </a:xfrm>
+          <a:prstGeom prst="line">
+            <a:avLst/>
+          </a:prstGeom>
+          <a:ln>
+            <a:solidFill>
+              <a:schemeClr val="tx1"/>
+            </a:solidFill>
+          </a:ln>
+        </p:spPr>
+        <p:style>
+          <a:lnRef idx="1">
+            <a:schemeClr val="accent1"/>
+          </a:lnRef>
+          <a:fillRef idx="0">
+            <a:schemeClr val="accent1"/>
+          </a:fillRef>
+          <a:effectRef idx="0">
+            <a:schemeClr val="accent1"/>
+          </a:effectRef>
+          <a:fontRef idx="minor">
+            <a:schemeClr val="tx1"/>
+          </a:fontRef>
+        </p:style>
+      </p:cxnSp>
+      <p:cxnSp>
+        <p:nvCxnSpPr>
+          <p:cNvPr id="228" name="Conector recto 227"/>
+          <p:cNvCxnSpPr>
+            <a:stCxn id="388" idx="2"/>
+            <a:endCxn id="390" idx="0"/>
+          </p:cNvCxnSpPr>
+          <p:nvPr/>
+        </p:nvCxnSpPr>
+        <p:spPr>
+          <a:xfrm>
+            <a:off x="3948621" y="4733869"/>
+            <a:ext cx="865" cy="191566"/>
+          </a:xfrm>
+          <a:prstGeom prst="line">
+            <a:avLst/>
+          </a:prstGeom>
+        </p:spPr>
+        <p:style>
+          <a:lnRef idx="1">
+            <a:schemeClr val="accent1"/>
+          </a:lnRef>
+          <a:fillRef idx="0">
+            <a:schemeClr val="accent1"/>
+          </a:fillRef>
+          <a:effectRef idx="0">
+            <a:schemeClr val="accent1"/>
+          </a:effectRef>
+          <a:fontRef idx="minor">
+            <a:schemeClr val="tx1"/>
+          </a:fontRef>
+        </p:style>
+      </p:cxnSp>
+      <p:cxnSp>
+        <p:nvCxnSpPr>
+          <p:cNvPr id="230" name="Conector recto 229"/>
+          <p:cNvCxnSpPr>
+            <a:stCxn id="382" idx="2"/>
+            <a:endCxn id="392" idx="0"/>
+          </p:cNvCxnSpPr>
+          <p:nvPr/>
+        </p:nvCxnSpPr>
+        <p:spPr>
+          <a:xfrm>
+            <a:off x="1995036" y="5398589"/>
+            <a:ext cx="412" cy="184089"/>
+          </a:xfrm>
+          <a:prstGeom prst="line">
+            <a:avLst/>
+          </a:prstGeom>
+          <a:ln>
+            <a:solidFill>
+              <a:schemeClr val="tx1"/>
+            </a:solidFill>
+          </a:ln>
+        </p:spPr>
+        <p:style>
+          <a:lnRef idx="1">
+            <a:schemeClr val="accent1"/>
+          </a:lnRef>
+          <a:fillRef idx="0">
+            <a:schemeClr val="accent1"/>
+          </a:fillRef>
+          <a:effectRef idx="0">
+            <a:schemeClr val="accent1"/>
+          </a:effectRef>
+          <a:fontRef idx="minor">
+            <a:schemeClr val="tx1"/>
+          </a:fontRef>
+        </p:style>
+      </p:cxnSp>
+      <p:cxnSp>
+        <p:nvCxnSpPr>
+          <p:cNvPr id="232" name="Conector recto 231"/>
+          <p:cNvCxnSpPr>
+            <a:stCxn id="392" idx="2"/>
+            <a:endCxn id="394" idx="0"/>
+          </p:cNvCxnSpPr>
+          <p:nvPr/>
+        </p:nvCxnSpPr>
+        <p:spPr>
+          <a:xfrm>
+            <a:off x="1995448" y="5681121"/>
+            <a:ext cx="1" cy="177282"/>
+          </a:xfrm>
+          <a:prstGeom prst="line">
+            <a:avLst/>
+          </a:prstGeom>
+        </p:spPr>
+        <p:style>
+          <a:lnRef idx="1">
+            <a:schemeClr val="accent1"/>
+          </a:lnRef>
+          <a:fillRef idx="0">
+            <a:schemeClr val="accent1"/>
+          </a:fillRef>
+          <a:effectRef idx="0">
+            <a:schemeClr val="accent1"/>
+          </a:effectRef>
+          <a:fontRef idx="minor">
+            <a:schemeClr val="tx1"/>
+          </a:fontRef>
+        </p:style>
+      </p:cxnSp>
     </p:spTree>
     <p:extLst>
       <p:ext uri="{BB962C8B-B14F-4D97-AF65-F5344CB8AC3E}">
-        <p14:creationId xmlns:p14="http://schemas.microsoft.com/office/powerpoint/2010/main" xmlns="" val="1910700679"/>
+        <p14:creationId xmlns:p14="http://schemas.microsoft.com/office/powerpoint/2010/main" val="1910700679"/>
       </p:ext>
     </p:extLst>
   </p:cSld>
@@ -6823,7 +6920,7 @@
   <a:extraClrSchemeLst/>
   <a:extLst>
     <a:ext uri="{05A4C25C-085E-4340-85A3-A5531E510DB2}">
-      <thm15:themeFamily xmlns="" xmlns:thm15="http://schemas.microsoft.com/office/thememl/2012/main" name="Office Theme" id="{62F939B6-93AF-4DB8-9C6B-D6C7DFDC589F}" vid="{4A3C46E8-61CC-4603-A589-7422A47A8E4A}"/>
+      <thm15:themeFamily xmlns:thm15="http://schemas.microsoft.com/office/thememl/2012/main" name="Office Theme" id="{62F939B6-93AF-4DB8-9C6B-D6C7DFDC589F}" vid="{4A3C46E8-61CC-4603-A589-7422A47A8E4A}"/>
     </a:ext>
   </a:extLst>
 </a:theme>

--- a/fuentes/contenidos/grado09/guion05/MapaConceptual_MA_09_05_CO.pptx
+++ b/fuentes/contenidos/grado09/guion05/MapaConceptual_MA_09_05_CO.pptx
@@ -106,18 +106,7 @@
   </p:defaultTextStyle>
   <p:extLst>
     <p:ext uri="{EFAFB233-063F-42B5-8137-9DF3F51BA10A}">
-      <p15:sldGuideLst xmlns:p15="http://schemas.microsoft.com/office/powerpoint/2012/main">
-        <p15:guide id="1" orient="horz" pos="2160">
-          <p15:clr>
-            <a:srgbClr val="A4A3A4"/>
-          </p15:clr>
-        </p15:guide>
-        <p15:guide id="2" pos="4015">
-          <p15:clr>
-            <a:srgbClr val="A4A3A4"/>
-          </p15:clr>
-        </p15:guide>
-      </p15:sldGuideLst>
+      <p15:sldGuideLst xmlns="" xmlns:p15="http://schemas.microsoft.com/office/powerpoint/2012/main"/>
     </p:ext>
   </p:extLst>
 </p:presentation>
@@ -143,7 +132,7 @@
     </p:spTree>
     <p:extLst>
       <p:ext uri="{BB962C8B-B14F-4D97-AF65-F5344CB8AC3E}">
-        <p14:creationId xmlns:p14="http://schemas.microsoft.com/office/powerpoint/2010/main" val="2000257042"/>
+        <p14:creationId xmlns:p14="http://schemas.microsoft.com/office/powerpoint/2010/main" xmlns="" val="2000257042"/>
       </p:ext>
     </p:extLst>
   </p:cSld>
@@ -180,7 +169,7 @@
     </p:spTree>
     <p:extLst>
       <p:ext uri="{BB962C8B-B14F-4D97-AF65-F5344CB8AC3E}">
-        <p14:creationId xmlns:p14="http://schemas.microsoft.com/office/powerpoint/2010/main" val="1333581381"/>
+        <p14:creationId xmlns:p14="http://schemas.microsoft.com/office/powerpoint/2010/main" xmlns="" val="1333581381"/>
       </p:ext>
     </p:extLst>
   </p:cSld>
@@ -217,7 +206,7 @@
     </p:spTree>
     <p:extLst>
       <p:ext uri="{BB962C8B-B14F-4D97-AF65-F5344CB8AC3E}">
-        <p14:creationId xmlns:p14="http://schemas.microsoft.com/office/powerpoint/2010/main" val="1891644360"/>
+        <p14:creationId xmlns:p14="http://schemas.microsoft.com/office/powerpoint/2010/main" xmlns="" val="1891644360"/>
       </p:ext>
     </p:extLst>
   </p:cSld>
@@ -254,7 +243,7 @@
     </p:spTree>
     <p:extLst>
       <p:ext uri="{BB962C8B-B14F-4D97-AF65-F5344CB8AC3E}">
-        <p14:creationId xmlns:p14="http://schemas.microsoft.com/office/powerpoint/2010/main" val="3239374206"/>
+        <p14:creationId xmlns:p14="http://schemas.microsoft.com/office/powerpoint/2010/main" xmlns="" val="3239374206"/>
       </p:ext>
     </p:extLst>
   </p:cSld>
@@ -291,7 +280,7 @@
     </p:spTree>
     <p:extLst>
       <p:ext uri="{BB962C8B-B14F-4D97-AF65-F5344CB8AC3E}">
-        <p14:creationId xmlns:p14="http://schemas.microsoft.com/office/powerpoint/2010/main" val="307310304"/>
+        <p14:creationId xmlns:p14="http://schemas.microsoft.com/office/powerpoint/2010/main" xmlns="" val="307310304"/>
       </p:ext>
     </p:extLst>
   </p:cSld>
@@ -328,7 +317,7 @@
     </p:spTree>
     <p:extLst>
       <p:ext uri="{BB962C8B-B14F-4D97-AF65-F5344CB8AC3E}">
-        <p14:creationId xmlns:p14="http://schemas.microsoft.com/office/powerpoint/2010/main" val="3978690955"/>
+        <p14:creationId xmlns:p14="http://schemas.microsoft.com/office/powerpoint/2010/main" xmlns="" val="3978690955"/>
       </p:ext>
     </p:extLst>
   </p:cSld>
@@ -365,7 +354,7 @@
     </p:spTree>
     <p:extLst>
       <p:ext uri="{BB962C8B-B14F-4D97-AF65-F5344CB8AC3E}">
-        <p14:creationId xmlns:p14="http://schemas.microsoft.com/office/powerpoint/2010/main" val="2351846119"/>
+        <p14:creationId xmlns:p14="http://schemas.microsoft.com/office/powerpoint/2010/main" xmlns="" val="2351846119"/>
       </p:ext>
     </p:extLst>
   </p:cSld>
@@ -402,7 +391,7 @@
     </p:spTree>
     <p:extLst>
       <p:ext uri="{BB962C8B-B14F-4D97-AF65-F5344CB8AC3E}">
-        <p14:creationId xmlns:p14="http://schemas.microsoft.com/office/powerpoint/2010/main" val="3469546082"/>
+        <p14:creationId xmlns:p14="http://schemas.microsoft.com/office/powerpoint/2010/main" xmlns="" val="3469546082"/>
       </p:ext>
     </p:extLst>
   </p:cSld>
@@ -462,7 +451,7 @@
             <a:fld id="{5001C876-01F7-4317-94B9-1AE222133113}" type="datetimeFigureOut">
               <a:rPr lang="es-ES" smtClean="0"/>
               <a:pPr/>
-              <a:t>11/12/2015</a:t>
+              <a:t>19/10/2015</a:t>
             </a:fld>
             <a:endParaRPr lang="es-ES"/>
           </a:p>
@@ -530,7 +519,7 @@
     </p:spTree>
     <p:extLst>
       <p:ext uri="{BB962C8B-B14F-4D97-AF65-F5344CB8AC3E}">
-        <p14:creationId xmlns:p14="http://schemas.microsoft.com/office/powerpoint/2010/main" val="1897143918"/>
+        <p14:creationId xmlns:p14="http://schemas.microsoft.com/office/powerpoint/2010/main" xmlns="" val="1897143918"/>
       </p:ext>
     </p:extLst>
   </p:cSld>
@@ -567,7 +556,7 @@
     </p:spTree>
     <p:extLst>
       <p:ext uri="{BB962C8B-B14F-4D97-AF65-F5344CB8AC3E}">
-        <p14:creationId xmlns:p14="http://schemas.microsoft.com/office/powerpoint/2010/main" val="1289426299"/>
+        <p14:creationId xmlns:p14="http://schemas.microsoft.com/office/powerpoint/2010/main" xmlns="" val="1289426299"/>
       </p:ext>
     </p:extLst>
   </p:cSld>
@@ -604,7 +593,7 @@
     </p:spTree>
     <p:extLst>
       <p:ext uri="{BB962C8B-B14F-4D97-AF65-F5344CB8AC3E}">
-        <p14:creationId xmlns:p14="http://schemas.microsoft.com/office/powerpoint/2010/main" val="382388284"/>
+        <p14:creationId xmlns:p14="http://schemas.microsoft.com/office/powerpoint/2010/main" xmlns="" val="382388284"/>
       </p:ext>
     </p:extLst>
   </p:cSld>
@@ -692,7 +681,7 @@
           <a:blip r:embed="rId13" cstate="print">
             <a:extLst>
               <a:ext uri="{28A0092B-C50C-407E-A947-70E740481C1C}">
-                <a14:useLocalDpi xmlns:a14="http://schemas.microsoft.com/office/drawing/2010/main" val="0"/>
+                <a14:useLocalDpi xmlns:a14="http://schemas.microsoft.com/office/drawing/2010/main" xmlns="" val="0"/>
               </a:ext>
             </a:extLst>
           </a:blip>
@@ -713,7 +702,7 @@
     </p:spTree>
     <p:extLst>
       <p:ext uri="{BB962C8B-B14F-4D97-AF65-F5344CB8AC3E}">
-        <p14:creationId xmlns:p14="http://schemas.microsoft.com/office/powerpoint/2010/main" val="1541031311"/>
+        <p14:creationId xmlns:p14="http://schemas.microsoft.com/office/powerpoint/2010/main" xmlns="" val="1541031311"/>
       </p:ext>
     </p:extLst>
   </p:cSld>
@@ -1080,7 +1069,17 @@
                 <a:latin typeface="Arial" pitchFamily="34" charset="0"/>
                 <a:cs typeface="Arial" pitchFamily="34" charset="0"/>
               </a:rPr>
-              <a:t>Sistemas de ecuaciones lineales </a:t>
+              <a:t>S</a:t>
+            </a:r>
+            <a:r>
+              <a:rPr lang="es-CO" sz="1600" b="1" dirty="0" smtClean="0">
+                <a:solidFill>
+                  <a:schemeClr val="tx1"/>
+                </a:solidFill>
+                <a:latin typeface="Arial" pitchFamily="34" charset="0"/>
+                <a:cs typeface="Arial" pitchFamily="34" charset="0"/>
+              </a:rPr>
+              <a:t>istemas de ecuaciones lineales </a:t>
             </a:r>
             <a:endParaRPr lang="es-CO" sz="1600" b="1" dirty="0">
               <a:solidFill>
@@ -1130,16 +1129,6 @@
           <a:p>
             <a:pPr algn="ctr"/>
             <a:r>
-              <a:rPr lang="es-CO" sz="900" dirty="0">
-                <a:solidFill>
-                  <a:schemeClr val="tx1"/>
-                </a:solidFill>
-                <a:latin typeface="Arial" pitchFamily="34" charset="0"/>
-                <a:cs typeface="Arial" pitchFamily="34" charset="0"/>
-              </a:rPr>
-              <a:t>s</a:t>
-            </a:r>
-            <a:r>
               <a:rPr lang="es-CO" sz="900" dirty="0" smtClean="0">
                 <a:solidFill>
                   <a:schemeClr val="tx1"/>
@@ -1147,7 +1136,7 @@
                 <a:latin typeface="Arial" pitchFamily="34" charset="0"/>
                 <a:cs typeface="Arial" pitchFamily="34" charset="0"/>
               </a:rPr>
-              <a:t>e define como   </a:t>
+              <a:t>Se define como   </a:t>
             </a:r>
             <a:endParaRPr lang="es-CO" sz="900" dirty="0">
               <a:solidFill>
@@ -1199,24 +1188,14 @@
           <a:p>
             <a:pPr algn="ctr"/>
             <a:r>
-              <a:rPr lang="es-CO" sz="1050" dirty="0">
+              <a:rPr lang="es-CO" sz="1050" dirty="0" smtClean="0">
                 <a:solidFill>
                   <a:schemeClr val="bg1"/>
                 </a:solidFill>
                 <a:latin typeface="Arial" pitchFamily="34" charset="0"/>
                 <a:cs typeface="Arial" pitchFamily="34" charset="0"/>
               </a:rPr>
-              <a:t>g</a:t>
-            </a:r>
-            <a:r>
-              <a:rPr lang="es-CO" sz="1050" dirty="0" smtClean="0">
-                <a:solidFill>
-                  <a:schemeClr val="bg1"/>
-                </a:solidFill>
-                <a:latin typeface="Arial" pitchFamily="34" charset="0"/>
-                <a:cs typeface="Arial" pitchFamily="34" charset="0"/>
-              </a:rPr>
-              <a:t>raficar las ecuaciones  </a:t>
+              <a:t>Graficar las ecuaciones  </a:t>
             </a:r>
             <a:endParaRPr lang="es-CO" sz="1050" dirty="0">
               <a:solidFill>
@@ -1273,7 +1252,7 @@
                 <a:latin typeface="Arial" pitchFamily="34" charset="0"/>
                 <a:cs typeface="Arial" pitchFamily="34" charset="0"/>
               </a:rPr>
-              <a:t>gráfico</a:t>
+              <a:t>Grafico</a:t>
             </a:r>
             <a:r>
               <a:rPr lang="es-CO" sz="1200" b="1" dirty="0" smtClean="0">
@@ -1329,16 +1308,6 @@
           <a:p>
             <a:pPr algn="ctr"/>
             <a:r>
-              <a:rPr lang="es-CO" sz="1200" b="1" dirty="0">
-                <a:solidFill>
-                  <a:schemeClr val="tx1"/>
-                </a:solidFill>
-                <a:latin typeface="Arial" pitchFamily="34" charset="0"/>
-                <a:cs typeface="Arial" pitchFamily="34" charset="0"/>
-              </a:rPr>
-              <a:t>s</a:t>
-            </a:r>
-            <a:r>
               <a:rPr lang="es-CO" sz="1200" b="1" dirty="0" smtClean="0">
                 <a:solidFill>
                   <a:schemeClr val="tx1"/>
@@ -1346,7 +1315,7 @@
                 <a:latin typeface="Arial" pitchFamily="34" charset="0"/>
                 <a:cs typeface="Arial" pitchFamily="34" charset="0"/>
               </a:rPr>
-              <a:t>ustitución</a:t>
+              <a:t>Sustitución</a:t>
             </a:r>
             <a:r>
               <a:rPr lang="es-CO" sz="1200" b="1" dirty="0" smtClean="0">
@@ -1410,16 +1379,6 @@
           <a:p>
             <a:pPr algn="ctr"/>
             <a:r>
-              <a:rPr lang="es-CO" sz="1200" b="1" dirty="0">
-                <a:solidFill>
-                  <a:schemeClr val="tx1"/>
-                </a:solidFill>
-                <a:latin typeface="Arial" pitchFamily="34" charset="0"/>
-                <a:cs typeface="Arial" pitchFamily="34" charset="0"/>
-              </a:rPr>
-              <a:t>i</a:t>
-            </a:r>
-            <a:r>
               <a:rPr lang="es-CO" sz="1200" b="1" dirty="0" smtClean="0">
                 <a:solidFill>
                   <a:schemeClr val="tx1"/>
@@ -1427,7 +1386,7 @@
                 <a:latin typeface="Arial" pitchFamily="34" charset="0"/>
                 <a:cs typeface="Arial" pitchFamily="34" charset="0"/>
               </a:rPr>
-              <a:t>gualación</a:t>
+              <a:t>Igualación</a:t>
             </a:r>
             <a:r>
               <a:rPr lang="es-CO" sz="1200" b="1" dirty="0" smtClean="0">
@@ -1498,7 +1457,7 @@
                 <a:latin typeface="Arial" pitchFamily="34" charset="0"/>
                 <a:cs typeface="Arial" pitchFamily="34" charset="0"/>
               </a:rPr>
-              <a:t>adición y sustracción  </a:t>
+              <a:t>Adición y sustracción  </a:t>
             </a:r>
             <a:r>
               <a:rPr lang="es-CO" sz="1200" b="1" dirty="0" smtClean="0">
@@ -1558,16 +1517,6 @@
           <a:p>
             <a:pPr algn="ctr"/>
             <a:r>
-              <a:rPr lang="es-CO" sz="1200" b="1" dirty="0">
-                <a:solidFill>
-                  <a:schemeClr val="tx1"/>
-                </a:solidFill>
-                <a:latin typeface="Arial" pitchFamily="34" charset="0"/>
-                <a:cs typeface="Arial" pitchFamily="34" charset="0"/>
-              </a:rPr>
-              <a:t>d</a:t>
-            </a:r>
-            <a:r>
               <a:rPr lang="es-CO" sz="1200" b="1" dirty="0" smtClean="0">
                 <a:solidFill>
                   <a:schemeClr val="tx1"/>
@@ -1575,7 +1524,7 @@
                 <a:latin typeface="Arial" pitchFamily="34" charset="0"/>
                 <a:cs typeface="Arial" pitchFamily="34" charset="0"/>
               </a:rPr>
-              <a:t>eterminantes </a:t>
+              <a:t>Determinantes </a:t>
             </a:r>
             <a:r>
               <a:rPr lang="es-CO" sz="1200" b="1" dirty="0" smtClean="0">
@@ -1639,16 +1588,6 @@
           <a:p>
             <a:pPr algn="ctr"/>
             <a:r>
-              <a:rPr lang="es-CO" sz="900" dirty="0">
-                <a:solidFill>
-                  <a:schemeClr val="tx1"/>
-                </a:solidFill>
-                <a:latin typeface="Arial" pitchFamily="34" charset="0"/>
-                <a:cs typeface="Arial" pitchFamily="34" charset="0"/>
-              </a:rPr>
-              <a:t>c</a:t>
-            </a:r>
-            <a:r>
               <a:rPr lang="es-CO" sz="900" dirty="0" smtClean="0">
                 <a:solidFill>
                   <a:schemeClr val="tx1"/>
@@ -1656,15 +1595,8 @@
                 <a:latin typeface="Arial" pitchFamily="34" charset="0"/>
                 <a:cs typeface="Arial" pitchFamily="34" charset="0"/>
               </a:rPr>
-              <a:t>onsiste </a:t>
-            </a:r>
-            <a:endParaRPr lang="es-CO" sz="900" dirty="0" smtClean="0">
-              <a:solidFill>
-                <a:schemeClr val="tx1"/>
-              </a:solidFill>
-              <a:latin typeface="Arial" pitchFamily="34" charset="0"/>
-              <a:cs typeface="Arial" pitchFamily="34" charset="0"/>
-            </a:endParaRPr>
+              <a:t>Consiste </a:t>
+            </a:r>
           </a:p>
           <a:p>
             <a:pPr algn="ctr"/>
@@ -1697,7 +1629,7 @@
         <p:spPr>
           <a:xfrm>
             <a:off x="8383348" y="5356927"/>
-            <a:ext cx="738342" cy="566443"/>
+            <a:ext cx="720192" cy="566443"/>
           </a:xfrm>
           <a:prstGeom prst="rect">
             <a:avLst/>
@@ -1726,14 +1658,14 @@
           <a:p>
             <a:pPr algn="ctr"/>
             <a:r>
-              <a:rPr lang="es-CO" sz="900" dirty="0">
-                <a:solidFill>
-                  <a:schemeClr val="tx1"/>
-                </a:solidFill>
-                <a:latin typeface="Arial" pitchFamily="34" charset="0"/>
-                <a:cs typeface="Arial" pitchFamily="34" charset="0"/>
-              </a:rPr>
-              <a:t>posibles soluciones</a:t>
+              <a:rPr lang="es-CO" sz="900" dirty="0" smtClean="0">
+                <a:solidFill>
+                  <a:schemeClr val="tx1"/>
+                </a:solidFill>
+                <a:latin typeface="Arial" pitchFamily="34" charset="0"/>
+                <a:cs typeface="Arial" pitchFamily="34" charset="0"/>
+              </a:rPr>
+              <a:t>Puede pasar que tenga  </a:t>
             </a:r>
             <a:endParaRPr lang="es-CO" sz="900" dirty="0">
               <a:solidFill>
@@ -1783,16 +1715,6 @@
           <a:p>
             <a:pPr algn="ctr"/>
             <a:r>
-              <a:rPr lang="es-CO" sz="900" dirty="0">
-                <a:solidFill>
-                  <a:schemeClr val="tx1"/>
-                </a:solidFill>
-                <a:latin typeface="Arial" pitchFamily="34" charset="0"/>
-                <a:cs typeface="Arial" pitchFamily="34" charset="0"/>
-              </a:rPr>
-              <a:t>c</a:t>
-            </a:r>
-            <a:r>
               <a:rPr lang="es-CO" sz="900" dirty="0" smtClean="0">
                 <a:solidFill>
                   <a:schemeClr val="tx1"/>
@@ -1800,7 +1722,7 @@
                 <a:latin typeface="Arial" pitchFamily="34" charset="0"/>
                 <a:cs typeface="Arial" pitchFamily="34" charset="0"/>
               </a:rPr>
-              <a:t>onsiste</a:t>
+              <a:t>Consiste</a:t>
             </a:r>
           </a:p>
           <a:p>
@@ -1864,64 +1786,14 @@
           <a:lstStyle/>
           <a:p>
             <a:r>
-              <a:rPr lang="es-CO" sz="1050" dirty="0">
+              <a:rPr lang="es-CO" sz="1050" dirty="0" smtClean="0">
                 <a:solidFill>
                   <a:schemeClr val="bg1"/>
                 </a:solidFill>
                 <a:latin typeface="Arial" pitchFamily="34" charset="0"/>
                 <a:cs typeface="Arial" pitchFamily="34" charset="0"/>
               </a:rPr>
-              <a:t>d</a:t>
-            </a:r>
-            <a:r>
-              <a:rPr lang="es-CO" sz="1050" dirty="0" smtClean="0">
-                <a:solidFill>
-                  <a:schemeClr val="bg1"/>
-                </a:solidFill>
-                <a:latin typeface="Arial" pitchFamily="34" charset="0"/>
-                <a:cs typeface="Arial" pitchFamily="34" charset="0"/>
-              </a:rPr>
-              <a:t>espejar </a:t>
-            </a:r>
-            <a:r>
-              <a:rPr lang="es-CO" sz="1050" dirty="0" smtClean="0">
-                <a:solidFill>
-                  <a:schemeClr val="bg1"/>
-                </a:solidFill>
-                <a:latin typeface="Arial" pitchFamily="34" charset="0"/>
-                <a:cs typeface="Arial" pitchFamily="34" charset="0"/>
-              </a:rPr>
-              <a:t>una variable en una ecuación  y </a:t>
-            </a:r>
-            <a:r>
-              <a:rPr lang="es-CO" sz="1050" dirty="0" smtClean="0">
-                <a:solidFill>
-                  <a:schemeClr val="bg1"/>
-                </a:solidFill>
-                <a:latin typeface="Arial" pitchFamily="34" charset="0"/>
-                <a:cs typeface="Arial" pitchFamily="34" charset="0"/>
-              </a:rPr>
-              <a:t>reemplazarla </a:t>
-            </a:r>
-            <a:r>
-              <a:rPr lang="es-CO" sz="1050" dirty="0" smtClean="0">
-                <a:solidFill>
-                  <a:schemeClr val="bg1"/>
-                </a:solidFill>
-                <a:latin typeface="Arial" pitchFamily="34" charset="0"/>
-                <a:cs typeface="Arial" pitchFamily="34" charset="0"/>
-              </a:rPr>
-              <a:t>en la otra </a:t>
-            </a:r>
-            <a:r>
-              <a:rPr lang="es-CO" sz="1050" dirty="0" smtClean="0">
-                <a:solidFill>
-                  <a:schemeClr val="bg1"/>
-                </a:solidFill>
-                <a:latin typeface="Arial" pitchFamily="34" charset="0"/>
-                <a:cs typeface="Arial" pitchFamily="34" charset="0"/>
-              </a:rPr>
-              <a:t>ecuación   </a:t>
+              <a:t>Despejar una variable en una ecuación  y remplazar en la otra ecuación   </a:t>
             </a:r>
             <a:endParaRPr lang="es-CO" sz="1050" dirty="0">
               <a:solidFill>
@@ -1971,16 +1843,6 @@
           <a:p>
             <a:pPr algn="ctr"/>
             <a:r>
-              <a:rPr lang="es-CO" sz="900" dirty="0">
-                <a:solidFill>
-                  <a:schemeClr val="tx1"/>
-                </a:solidFill>
-                <a:latin typeface="Arial" pitchFamily="34" charset="0"/>
-                <a:cs typeface="Arial" pitchFamily="34" charset="0"/>
-              </a:rPr>
-              <a:t>c</a:t>
-            </a:r>
-            <a:r>
               <a:rPr lang="es-CO" sz="900" dirty="0" smtClean="0">
                 <a:solidFill>
                   <a:schemeClr val="tx1"/>
@@ -1988,7 +1850,7 @@
                 <a:latin typeface="Arial" pitchFamily="34" charset="0"/>
                 <a:cs typeface="Arial" pitchFamily="34" charset="0"/>
               </a:rPr>
-              <a:t>onsiste</a:t>
+              <a:t>Consiste</a:t>
             </a:r>
           </a:p>
           <a:p>
@@ -2052,42 +1914,22 @@
           <a:lstStyle/>
           <a:p>
             <a:r>
-              <a:rPr lang="es-CO" sz="1050" dirty="0">
+              <a:rPr lang="es-CO" sz="1050" dirty="0" smtClean="0">
                 <a:solidFill>
                   <a:schemeClr val="bg1"/>
                 </a:solidFill>
                 <a:latin typeface="Arial" pitchFamily="34" charset="0"/>
                 <a:cs typeface="Arial" pitchFamily="34" charset="0"/>
               </a:rPr>
-              <a:t>d</a:t>
-            </a:r>
-            <a:r>
-              <a:rPr lang="es-CO" sz="1050" dirty="0" smtClean="0">
+              <a:t>Despejar la misma incógnita  en  las dos ecuaciones  e igualarlas</a:t>
+            </a:r>
+            <a:r>
+              <a:rPr lang="es-CO" sz="1100" dirty="0" smtClean="0">
                 <a:solidFill>
                   <a:schemeClr val="bg1"/>
                 </a:solidFill>
-                <a:latin typeface="Arial" pitchFamily="34" charset="0"/>
-                <a:cs typeface="Arial" pitchFamily="34" charset="0"/>
-              </a:rPr>
-              <a:t>espejar la misma incógnita  en  las dos ecuaciones  e </a:t>
-            </a:r>
-            <a:r>
-              <a:rPr lang="es-CO" sz="1050" dirty="0" smtClean="0">
-                <a:solidFill>
-                  <a:schemeClr val="bg1"/>
-                </a:solidFill>
-                <a:latin typeface="Arial" pitchFamily="34" charset="0"/>
-                <a:cs typeface="Arial" pitchFamily="34" charset="0"/>
-              </a:rPr>
-              <a:t>igualarlas</a:t>
-            </a:r>
-            <a:r>
-              <a:rPr lang="es-CO" sz="1100" dirty="0" smtClean="0">
-                <a:solidFill>
-                  <a:schemeClr val="bg1"/>
-                </a:solidFill>
-              </a:rPr>
-              <a:t>   </a:t>
+              </a:rPr>
+              <a:t>.    </a:t>
             </a:r>
             <a:endParaRPr lang="es-CO" sz="1100" dirty="0">
               <a:solidFill>
@@ -2168,16 +2010,6 @@
           <a:p>
             <a:pPr algn="ctr"/>
             <a:r>
-              <a:rPr lang="es-CO" sz="900" dirty="0">
-                <a:solidFill>
-                  <a:schemeClr val="tx1"/>
-                </a:solidFill>
-                <a:latin typeface="Arial" pitchFamily="34" charset="0"/>
-                <a:cs typeface="Arial" pitchFamily="34" charset="0"/>
-              </a:rPr>
-              <a:t>c</a:t>
-            </a:r>
-            <a:r>
               <a:rPr lang="es-CO" sz="900" dirty="0" smtClean="0">
                 <a:solidFill>
                   <a:schemeClr val="tx1"/>
@@ -2185,7 +2017,7 @@
                 <a:latin typeface="Arial" pitchFamily="34" charset="0"/>
                 <a:cs typeface="Arial" pitchFamily="34" charset="0"/>
               </a:rPr>
-              <a:t>onsiste</a:t>
+              <a:t>Consiste</a:t>
             </a:r>
           </a:p>
           <a:p>
@@ -2249,34 +2081,14 @@
           <a:lstStyle/>
           <a:p>
             <a:r>
-              <a:rPr lang="es-CO" sz="1050" dirty="0">
+              <a:rPr lang="es-CO" sz="1050" dirty="0" smtClean="0">
                 <a:solidFill>
                   <a:schemeClr val="bg1"/>
                 </a:solidFill>
                 <a:latin typeface="Arial" pitchFamily="34" charset="0"/>
                 <a:cs typeface="Arial" pitchFamily="34" charset="0"/>
               </a:rPr>
-              <a:t>m</a:t>
-            </a:r>
-            <a:r>
-              <a:rPr lang="es-CO" sz="1050" dirty="0" smtClean="0">
-                <a:solidFill>
-                  <a:schemeClr val="bg1"/>
-                </a:solidFill>
-                <a:latin typeface="Arial" pitchFamily="34" charset="0"/>
-                <a:cs typeface="Arial" pitchFamily="34" charset="0"/>
-              </a:rPr>
-              <a:t>ultiplicar </a:t>
-            </a:r>
-            <a:r>
-              <a:rPr lang="es-CO" sz="1050" dirty="0" smtClean="0">
-                <a:solidFill>
-                  <a:schemeClr val="bg1"/>
-                </a:solidFill>
-                <a:latin typeface="Arial" pitchFamily="34" charset="0"/>
-                <a:cs typeface="Arial" pitchFamily="34" charset="0"/>
-              </a:rPr>
-              <a:t>una de las ecuaciones por un numero  </a:t>
+              <a:t>Multiplicar una de las ecuaciones por un numero  </a:t>
             </a:r>
             <a:r>
               <a:rPr lang="es-CO" sz="1050" i="1" dirty="0" smtClean="0">
@@ -2346,16 +2158,6 @@
           <a:p>
             <a:pPr algn="ctr"/>
             <a:r>
-              <a:rPr lang="es-CO" sz="900" dirty="0">
-                <a:solidFill>
-                  <a:schemeClr val="tx1"/>
-                </a:solidFill>
-                <a:latin typeface="Arial" pitchFamily="34" charset="0"/>
-                <a:cs typeface="Arial" pitchFamily="34" charset="0"/>
-              </a:rPr>
-              <a:t>c</a:t>
-            </a:r>
-            <a:r>
               <a:rPr lang="es-CO" sz="900" dirty="0" smtClean="0">
                 <a:solidFill>
                   <a:schemeClr val="tx1"/>
@@ -2363,7 +2165,7 @@
                 <a:latin typeface="Arial" pitchFamily="34" charset="0"/>
                 <a:cs typeface="Arial" pitchFamily="34" charset="0"/>
               </a:rPr>
-              <a:t>onsiste</a:t>
+              <a:t>Consiste</a:t>
             </a:r>
           </a:p>
           <a:p>
@@ -2396,8 +2198,8 @@
         </p:nvSpPr>
         <p:spPr>
           <a:xfrm>
-            <a:off x="10977607" y="3233271"/>
-            <a:ext cx="1642289" cy="681219"/>
+            <a:off x="10986946" y="3233271"/>
+            <a:ext cx="1632950" cy="831274"/>
           </a:xfrm>
           <a:prstGeom prst="rect">
             <a:avLst/>
@@ -2426,33 +2228,6 @@
           <a:bodyPr rtlCol="0" anchor="ctr"/>
           <a:lstStyle/>
           <a:p>
-            <a:endParaRPr lang="es-CO" sz="1050" dirty="0" smtClean="0">
-              <a:solidFill>
-                <a:schemeClr val="bg1"/>
-              </a:solidFill>
-              <a:latin typeface="Arial" pitchFamily="34" charset="0"/>
-              <a:cs typeface="Arial" pitchFamily="34" charset="0"/>
-            </a:endParaRPr>
-          </a:p>
-          <a:p>
-            <a:endParaRPr lang="es-CO" sz="1050" dirty="0">
-              <a:solidFill>
-                <a:schemeClr val="bg1"/>
-              </a:solidFill>
-              <a:latin typeface="Arial" pitchFamily="34" charset="0"/>
-              <a:cs typeface="Arial" pitchFamily="34" charset="0"/>
-            </a:endParaRPr>
-          </a:p>
-          <a:p>
-            <a:endParaRPr lang="es-CO" sz="1050" dirty="0" smtClean="0">
-              <a:solidFill>
-                <a:schemeClr val="bg1"/>
-              </a:solidFill>
-              <a:latin typeface="Arial" pitchFamily="34" charset="0"/>
-              <a:cs typeface="Arial" pitchFamily="34" charset="0"/>
-            </a:endParaRPr>
-          </a:p>
-          <a:p>
             <a:r>
               <a:rPr lang="es-CO" sz="1050" dirty="0" smtClean="0">
                 <a:solidFill>
@@ -2461,15 +2236,8 @@
                 <a:latin typeface="Arial" pitchFamily="34" charset="0"/>
                 <a:cs typeface="Arial" pitchFamily="34" charset="0"/>
               </a:rPr>
-              <a:t>hallar un número real asociado a una matriz cuadrada</a:t>
-            </a:r>
-            <a:endParaRPr lang="es-CO" sz="1050" dirty="0" smtClean="0">
-              <a:solidFill>
-                <a:schemeClr val="bg1"/>
-              </a:solidFill>
-              <a:latin typeface="Arial" pitchFamily="34" charset="0"/>
-              <a:cs typeface="Arial" pitchFamily="34" charset="0"/>
-            </a:endParaRPr>
+              <a:t>   encontrar:</a:t>
+            </a:r>
           </a:p>
           <a:p>
             <a:pPr algn="ctr"/>
@@ -2505,6 +2273,38 @@
           </a:p>
         </p:txBody>
       </p:sp>
+      <p:pic>
+        <p:nvPicPr>
+          <p:cNvPr id="321" name="Picture 2"/>
+          <p:cNvPicPr>
+            <a:picLocks noChangeAspect="1" noChangeArrowheads="1"/>
+          </p:cNvPicPr>
+          <p:nvPr/>
+        </p:nvPicPr>
+        <p:blipFill>
+          <a:blip r:embed="rId2" cstate="print"/>
+          <a:srcRect/>
+          <a:stretch>
+            <a:fillRect/>
+          </a:stretch>
+        </p:blipFill>
+        <p:spPr bwMode="auto">
+          <a:xfrm>
+            <a:off x="11153300" y="3475148"/>
+            <a:ext cx="1383479" cy="447984"/>
+          </a:xfrm>
+          <a:prstGeom prst="rect">
+            <a:avLst/>
+          </a:prstGeom>
+          <a:noFill/>
+          <a:ln w="9525">
+            <a:noFill/>
+            <a:miter lim="800000"/>
+            <a:headEnd/>
+            <a:tailEnd/>
+          </a:ln>
+        </p:spPr>
+      </p:pic>
       <p:cxnSp>
         <p:nvCxnSpPr>
           <p:cNvPr id="322" name="321 Conector angular"/>
@@ -2581,16 +2381,6 @@
           <a:p>
             <a:pPr algn="ctr"/>
             <a:r>
-              <a:rPr lang="es-CO" sz="900" dirty="0">
-                <a:solidFill>
-                  <a:schemeClr val="tx1"/>
-                </a:solidFill>
-                <a:latin typeface="Arial" pitchFamily="34" charset="0"/>
-                <a:cs typeface="Arial" pitchFamily="34" charset="0"/>
-              </a:rPr>
-              <a:t>m</a:t>
-            </a:r>
-            <a:r>
               <a:rPr lang="es-CO" sz="900" dirty="0" smtClean="0">
                 <a:solidFill>
                   <a:schemeClr val="tx1"/>
@@ -2598,7 +2388,7 @@
                 <a:latin typeface="Arial" pitchFamily="34" charset="0"/>
                 <a:cs typeface="Arial" pitchFamily="34" charset="0"/>
               </a:rPr>
-              <a:t>étodos de solución    </a:t>
+              <a:t>Métodos de solución    </a:t>
             </a:r>
             <a:endParaRPr lang="es-CO" sz="900" dirty="0">
               <a:solidFill>
@@ -2689,16 +2479,6 @@
           <a:p>
             <a:pPr algn="ctr"/>
             <a:r>
-              <a:rPr lang="es-CO" sz="1200" b="1" dirty="0">
-                <a:solidFill>
-                  <a:schemeClr val="tx1"/>
-                </a:solidFill>
-                <a:latin typeface="Arial" pitchFamily="34" charset="0"/>
-                <a:cs typeface="Arial" pitchFamily="34" charset="0"/>
-              </a:rPr>
-              <a:t>c</a:t>
-            </a:r>
-            <a:r>
               <a:rPr lang="es-CO" sz="1200" b="1" dirty="0" smtClean="0">
                 <a:solidFill>
                   <a:schemeClr val="tx1"/>
@@ -2706,7 +2486,7 @@
                 <a:latin typeface="Arial" pitchFamily="34" charset="0"/>
                 <a:cs typeface="Arial" pitchFamily="34" charset="0"/>
               </a:rPr>
-              <a:t>onjunto de </a:t>
+              <a:t>Conjunto de </a:t>
             </a:r>
             <a:r>
               <a:rPr lang="es-CO" sz="1200" b="1" i="1" dirty="0" smtClean="0">
@@ -2852,7 +2632,7 @@
                 <a:latin typeface="Arial" pitchFamily="34" charset="0"/>
                 <a:cs typeface="Arial" pitchFamily="34" charset="0"/>
               </a:rPr>
-              <a:t>modelan</a:t>
+              <a:t>Ejemplo sistema 2x2  </a:t>
             </a:r>
             <a:endParaRPr lang="es-CO" sz="900" dirty="0">
               <a:solidFill>
@@ -2903,19 +2683,98 @@
           </a:fontRef>
         </p:style>
       </p:cxnSp>
+      <p:sp>
+        <p:nvSpPr>
+          <p:cNvPr id="330" name="Rectángulo 33"/>
+          <p:cNvSpPr/>
+          <p:nvPr/>
+        </p:nvSpPr>
+        <p:spPr>
+          <a:xfrm>
+            <a:off x="538551" y="2976418"/>
+            <a:ext cx="1563977" cy="765327"/>
+          </a:xfrm>
+          <a:prstGeom prst="rect">
+            <a:avLst/>
+          </a:prstGeom>
+          <a:solidFill>
+            <a:schemeClr val="bg2">
+              <a:lumMod val="50000"/>
+            </a:schemeClr>
+          </a:solidFill>
+        </p:spPr>
+        <p:style>
+          <a:lnRef idx="2">
+            <a:schemeClr val="dk1"/>
+          </a:lnRef>
+          <a:fillRef idx="1">
+            <a:schemeClr val="lt1"/>
+          </a:fillRef>
+          <a:effectRef idx="0">
+            <a:schemeClr val="dk1"/>
+          </a:effectRef>
+          <a:fontRef idx="minor">
+            <a:schemeClr val="dk1"/>
+          </a:fontRef>
+        </p:style>
+        <p:txBody>
+          <a:bodyPr rtlCol="0" anchor="ctr"/>
+          <a:lstStyle/>
+          <a:p>
+            <a:pPr algn="ctr"/>
+            <a:endParaRPr lang="es-CO" sz="1200" b="1" dirty="0">
+              <a:solidFill>
+                <a:srgbClr val="FF0000"/>
+              </a:solidFill>
+            </a:endParaRPr>
+          </a:p>
+        </p:txBody>
+      </p:sp>
+      <p:pic>
+        <p:nvPicPr>
+          <p:cNvPr id="331" name="Picture 3"/>
+          <p:cNvPicPr>
+            <a:picLocks noChangeAspect="1" noChangeArrowheads="1"/>
+          </p:cNvPicPr>
+          <p:nvPr/>
+        </p:nvPicPr>
+        <p:blipFill>
+          <a:blip r:embed="rId3" cstate="print"/>
+          <a:srcRect/>
+          <a:stretch>
+            <a:fillRect/>
+          </a:stretch>
+        </p:blipFill>
+        <p:spPr bwMode="auto">
+          <a:xfrm>
+            <a:off x="735154" y="3015794"/>
+            <a:ext cx="1165430" cy="665960"/>
+          </a:xfrm>
+          <a:prstGeom prst="rect">
+            <a:avLst/>
+          </a:prstGeom>
+          <a:noFill/>
+          <a:ln w="9525">
+            <a:noFill/>
+            <a:miter lim="800000"/>
+            <a:headEnd/>
+            <a:tailEnd/>
+          </a:ln>
+        </p:spPr>
+      </p:pic>
       <p:cxnSp>
         <p:nvCxnSpPr>
           <p:cNvPr id="332" name="331 Conector recto de flecha"/>
           <p:cNvCxnSpPr>
             <a:stCxn id="328" idx="2"/>
-            <a:endCxn id="333" idx="0"/>
+            <a:endCxn id="330" idx="0"/>
           </p:cNvCxnSpPr>
           <p:nvPr/>
         </p:nvCxnSpPr>
         <p:spPr>
           <a:xfrm>
             <a:off x="1319794" y="2802407"/>
-            <a:ext cx="0" cy="165457"/>
+            <a:ext cx="746" cy="174011"/>
           </a:xfrm>
           <a:prstGeom prst="straightConnector1">
             <a:avLst/>
@@ -2950,7 +2809,7 @@
         </p:nvSpPr>
         <p:spPr>
           <a:xfrm>
-            <a:off x="537805" y="2967864"/>
+            <a:off x="537904" y="4449832"/>
             <a:ext cx="1563977" cy="765327"/>
           </a:xfrm>
           <a:prstGeom prst="rect">
@@ -2982,17 +2841,9 @@
           <a:lstStyle/>
           <a:p>
             <a:pPr algn="ctr"/>
-            <a:r>
-              <a:rPr lang="es-CO" sz="1200" dirty="0">
-                <a:solidFill>
-                  <a:schemeClr val="bg1"/>
-                </a:solidFill>
-              </a:rPr>
-              <a:t>resolver situaciones problema  en diferentes ciencias </a:t>
-            </a:r>
-            <a:endParaRPr lang="es-CO" sz="1200" dirty="0">
+            <a:endParaRPr lang="es-CO" sz="1200" b="1" dirty="0">
               <a:solidFill>
-                <a:schemeClr val="bg1"/>
+                <a:srgbClr val="FF0000"/>
               </a:solidFill>
             </a:endParaRPr>
           </a:p>
@@ -3000,14 +2851,14 @@
       </p:sp>
       <p:sp>
         <p:nvSpPr>
-          <p:cNvPr id="370" name="Rectángulo 35"/>
+          <p:cNvPr id="363" name="Rectángulo 35"/>
           <p:cNvSpPr/>
           <p:nvPr/>
         </p:nvSpPr>
         <p:spPr>
           <a:xfrm>
-            <a:off x="4322119" y="1143772"/>
-            <a:ext cx="1020848" cy="326631"/>
+            <a:off x="808978" y="3968904"/>
+            <a:ext cx="1020848" cy="263243"/>
           </a:xfrm>
           <a:prstGeom prst="rect">
             <a:avLst/>
@@ -3036,16 +2887,6 @@
           <a:p>
             <a:pPr algn="ctr"/>
             <a:r>
-              <a:rPr lang="es-CO" sz="900" dirty="0">
-                <a:solidFill>
-                  <a:schemeClr val="tx1"/>
-                </a:solidFill>
-                <a:latin typeface="Arial" pitchFamily="34" charset="0"/>
-                <a:cs typeface="Arial" pitchFamily="34" charset="0"/>
-              </a:rPr>
-              <a:t>s</a:t>
-            </a:r>
-            <a:r>
               <a:rPr lang="es-CO" sz="900" dirty="0" smtClean="0">
                 <a:solidFill>
                   <a:schemeClr val="tx1"/>
@@ -3053,7 +2894,7 @@
                 <a:latin typeface="Arial" pitchFamily="34" charset="0"/>
                 <a:cs typeface="Arial" pitchFamily="34" charset="0"/>
               </a:rPr>
-              <a:t>e relaciona con   </a:t>
+              <a:t>Ejemplo sistema 3x2  </a:t>
             </a:r>
             <a:endParaRPr lang="es-CO" sz="900" dirty="0">
               <a:solidFill>
@@ -3065,6 +2906,134 @@
           </a:p>
         </p:txBody>
       </p:sp>
+      <p:pic>
+        <p:nvPicPr>
+          <p:cNvPr id="368" name="Picture 4"/>
+          <p:cNvPicPr>
+            <a:picLocks noChangeAspect="1" noChangeArrowheads="1"/>
+          </p:cNvPicPr>
+          <p:nvPr/>
+        </p:nvPicPr>
+        <p:blipFill>
+          <a:blip r:embed="rId4" cstate="print"/>
+          <a:srcRect/>
+          <a:stretch>
+            <a:fillRect/>
+          </a:stretch>
+        </p:blipFill>
+        <p:spPr bwMode="auto">
+          <a:xfrm>
+            <a:off x="791251" y="4499640"/>
+            <a:ext cx="1068552" cy="689979"/>
+          </a:xfrm>
+          <a:prstGeom prst="rect">
+            <a:avLst/>
+          </a:prstGeom>
+          <a:noFill/>
+          <a:ln w="9525">
+            <a:noFill/>
+            <a:miter lim="800000"/>
+            <a:headEnd/>
+            <a:tailEnd/>
+          </a:ln>
+        </p:spPr>
+      </p:pic>
+      <p:cxnSp>
+        <p:nvCxnSpPr>
+          <p:cNvPr id="369" name="368 Conector recto de flecha"/>
+          <p:cNvCxnSpPr>
+            <a:stCxn id="330" idx="2"/>
+            <a:endCxn id="363" idx="0"/>
+          </p:cNvCxnSpPr>
+          <p:nvPr/>
+        </p:nvCxnSpPr>
+        <p:spPr>
+          <a:xfrm flipH="1">
+            <a:off x="1319402" y="3741745"/>
+            <a:ext cx="1138" cy="227159"/>
+          </a:xfrm>
+          <a:prstGeom prst="straightConnector1">
+            <a:avLst/>
+          </a:prstGeom>
+          <a:ln w="12700">
+            <a:solidFill>
+              <a:schemeClr val="tx1"/>
+            </a:solidFill>
+            <a:tailEnd type="none"/>
+          </a:ln>
+        </p:spPr>
+        <p:style>
+          <a:lnRef idx="1">
+            <a:schemeClr val="accent1"/>
+          </a:lnRef>
+          <a:fillRef idx="0">
+            <a:schemeClr val="accent1"/>
+          </a:fillRef>
+          <a:effectRef idx="0">
+            <a:schemeClr val="accent1"/>
+          </a:effectRef>
+          <a:fontRef idx="minor">
+            <a:schemeClr val="tx1"/>
+          </a:fontRef>
+        </p:style>
+      </p:cxnSp>
+      <p:sp>
+        <p:nvSpPr>
+          <p:cNvPr id="370" name="Rectángulo 35"/>
+          <p:cNvSpPr/>
+          <p:nvPr/>
+        </p:nvSpPr>
+        <p:spPr>
+          <a:xfrm>
+            <a:off x="4322119" y="1143772"/>
+            <a:ext cx="1020848" cy="326631"/>
+          </a:xfrm>
+          <a:prstGeom prst="rect">
+            <a:avLst/>
+          </a:prstGeom>
+          <a:ln>
+            <a:noFill/>
+          </a:ln>
+        </p:spPr>
+        <p:style>
+          <a:lnRef idx="2">
+            <a:schemeClr val="dk1"/>
+          </a:lnRef>
+          <a:fillRef idx="1">
+            <a:schemeClr val="lt1"/>
+          </a:fillRef>
+          <a:effectRef idx="0">
+            <a:schemeClr val="dk1"/>
+          </a:effectRef>
+          <a:fontRef idx="minor">
+            <a:schemeClr val="dk1"/>
+          </a:fontRef>
+        </p:style>
+        <p:txBody>
+          <a:bodyPr rtlCol="0" anchor="ctr"/>
+          <a:lstStyle/>
+          <a:p>
+            <a:pPr algn="ctr"/>
+            <a:r>
+              <a:rPr lang="es-CO" sz="900" dirty="0" smtClean="0">
+                <a:solidFill>
+                  <a:schemeClr val="tx1"/>
+                </a:solidFill>
+                <a:latin typeface="Arial" pitchFamily="34" charset="0"/>
+                <a:cs typeface="Arial" pitchFamily="34" charset="0"/>
+              </a:rPr>
+              <a:t>Se relaciona con   </a:t>
+            </a:r>
+            <a:endParaRPr lang="es-CO" sz="900" dirty="0">
+              <a:solidFill>
+                <a:schemeClr val="tx1"/>
+              </a:solidFill>
+              <a:latin typeface="Arial" pitchFamily="34" charset="0"/>
+              <a:cs typeface="Arial" pitchFamily="34" charset="0"/>
+            </a:endParaRPr>
+          </a:p>
+        </p:txBody>
+      </p:sp>
       <p:sp>
         <p:nvSpPr>
           <p:cNvPr id="372" name="Rectángulo 33"/>
@@ -3103,16 +3072,6 @@
           <a:p>
             <a:pPr algn="ctr"/>
             <a:r>
-              <a:rPr lang="es-CO" sz="1200" b="1" dirty="0">
-                <a:solidFill>
-                  <a:schemeClr val="tx1"/>
-                </a:solidFill>
-                <a:latin typeface="Arial" pitchFamily="34" charset="0"/>
-                <a:cs typeface="Arial" pitchFamily="34" charset="0"/>
-              </a:rPr>
-              <a:t>f</a:t>
-            </a:r>
-            <a:r>
               <a:rPr lang="es-CO" sz="1200" b="1" dirty="0" smtClean="0">
                 <a:solidFill>
                   <a:schemeClr val="tx1"/>
@@ -3120,7 +3079,7 @@
                 <a:latin typeface="Arial" pitchFamily="34" charset="0"/>
                 <a:cs typeface="Arial" pitchFamily="34" charset="0"/>
               </a:rPr>
-              <a:t>unciones  lineales y afines </a:t>
+              <a:t>Funciones  lineales y afines </a:t>
             </a:r>
             <a:r>
               <a:rPr lang="es-CO" sz="1200" b="1" dirty="0" smtClean="0">
@@ -3150,7 +3109,7 @@
         </p:nvSpPr>
         <p:spPr>
           <a:xfrm>
-            <a:off x="2501145" y="2387618"/>
+            <a:off x="2501227" y="2534812"/>
             <a:ext cx="1020848" cy="222447"/>
           </a:xfrm>
           <a:prstGeom prst="rect">
@@ -3187,17 +3146,7 @@
                 <a:latin typeface="Arial" pitchFamily="34" charset="0"/>
                 <a:cs typeface="Arial" pitchFamily="34" charset="0"/>
               </a:rPr>
-              <a:t>ya </a:t>
-            </a:r>
-            <a:r>
-              <a:rPr lang="es-CO" sz="900" dirty="0" smtClean="0">
-                <a:solidFill>
-                  <a:schemeClr val="tx1"/>
-                </a:solidFill>
-                <a:latin typeface="Arial" pitchFamily="34" charset="0"/>
-                <a:cs typeface="Arial" pitchFamily="34" charset="0"/>
-              </a:rPr>
-              <a:t>que </a:t>
+              <a:t>Por que </a:t>
             </a:r>
             <a:endParaRPr lang="es-CO" sz="900" dirty="0">
               <a:solidFill>
@@ -3217,7 +3166,7 @@
         </p:nvSpPr>
         <p:spPr>
           <a:xfrm>
-            <a:off x="2170698" y="2793204"/>
+            <a:off x="2170106" y="2951668"/>
             <a:ext cx="1681654" cy="677953"/>
           </a:xfrm>
           <a:prstGeom prst="rect">
@@ -3249,24 +3198,14 @@
           <a:p>
             <a:pPr algn="ctr"/>
             <a:r>
-              <a:rPr lang="es-CO" sz="1050" dirty="0">
+              <a:rPr lang="es-CO" sz="1050" dirty="0" smtClean="0">
                 <a:solidFill>
                   <a:schemeClr val="bg1"/>
                 </a:solidFill>
                 <a:latin typeface="Arial" pitchFamily="34" charset="0"/>
                 <a:cs typeface="Arial" pitchFamily="34" charset="0"/>
               </a:rPr>
-              <a:t>t</a:t>
-            </a:r>
-            <a:r>
-              <a:rPr lang="es-CO" sz="1050" dirty="0" smtClean="0">
-                <a:solidFill>
-                  <a:schemeClr val="bg1"/>
-                </a:solidFill>
-                <a:latin typeface="Arial" pitchFamily="34" charset="0"/>
-                <a:cs typeface="Arial" pitchFamily="34" charset="0"/>
-              </a:rPr>
-              <a:t>oda función lineal o afín determina como mínimo una ecuación lineal. </a:t>
+              <a:t>Toda función lineal o afín determina como mínimo una ecuación lineal. </a:t>
             </a:r>
             <a:r>
               <a:rPr lang="es-CO" sz="1050" b="1" dirty="0" smtClean="0">
@@ -3299,8 +3238,8 @@
         </p:nvCxnSpPr>
         <p:spPr>
           <a:xfrm flipH="1">
-            <a:off x="3011525" y="2610065"/>
-            <a:ext cx="44" cy="183139"/>
+            <a:off x="3010933" y="2757259"/>
+            <a:ext cx="718" cy="194409"/>
           </a:xfrm>
           <a:prstGeom prst="straightConnector1">
             <a:avLst/>
@@ -3335,8 +3274,8 @@
         </p:nvSpPr>
         <p:spPr>
           <a:xfrm>
-            <a:off x="4383773" y="2467042"/>
-            <a:ext cx="1020848" cy="255991"/>
+            <a:off x="4383773" y="2291756"/>
+            <a:ext cx="1020848" cy="431277"/>
           </a:xfrm>
           <a:prstGeom prst="rect">
             <a:avLst/>
@@ -3372,7 +3311,7 @@
                 <a:latin typeface="Arial" pitchFamily="34" charset="0"/>
                 <a:cs typeface="Arial" pitchFamily="34" charset="0"/>
               </a:rPr>
-              <a:t>se expresan</a:t>
+              <a:t>Que se expresan de la forma </a:t>
             </a:r>
             <a:endParaRPr lang="es-CO" sz="900" dirty="0">
               <a:solidFill>
@@ -3423,24 +3362,14 @@
           <a:lstStyle/>
           <a:p>
             <a:r>
-              <a:rPr lang="es-CO" sz="1050" dirty="0">
+              <a:rPr lang="es-CO" sz="1050" dirty="0" smtClean="0">
                 <a:solidFill>
                   <a:schemeClr val="bg1"/>
                 </a:solidFill>
                 <a:latin typeface="Arial" pitchFamily="34" charset="0"/>
                 <a:cs typeface="Arial" pitchFamily="34" charset="0"/>
               </a:rPr>
-              <a:t>f</a:t>
-            </a:r>
-            <a:r>
-              <a:rPr lang="es-CO" sz="1050" dirty="0" smtClean="0">
-                <a:solidFill>
-                  <a:schemeClr val="bg1"/>
-                </a:solidFill>
-                <a:latin typeface="Arial" pitchFamily="34" charset="0"/>
-                <a:cs typeface="Arial" pitchFamily="34" charset="0"/>
-              </a:rPr>
-              <a:t>unción lineal: </a:t>
+              <a:t>Función lineal: </a:t>
             </a:r>
             <a:r>
               <a:rPr lang="es-CO" sz="1050" i="1" dirty="0" smtClean="0">
@@ -3472,14 +3401,14 @@
           </a:p>
           <a:p>
             <a:r>
-              <a:rPr lang="es-CO" sz="1050" dirty="0">
+              <a:rPr lang="es-CO" sz="1050" dirty="0" smtClean="0">
                 <a:solidFill>
                   <a:schemeClr val="bg1"/>
                 </a:solidFill>
                 <a:latin typeface="Arial" pitchFamily="34" charset="0"/>
                 <a:cs typeface="Arial" pitchFamily="34" charset="0"/>
               </a:rPr>
-              <a:t>f</a:t>
+              <a:t>Función </a:t>
             </a:r>
             <a:r>
               <a:rPr lang="es-CO" sz="1050" dirty="0" smtClean="0">
@@ -3489,7 +3418,7 @@
                 <a:latin typeface="Arial" pitchFamily="34" charset="0"/>
                 <a:cs typeface="Arial" pitchFamily="34" charset="0"/>
               </a:rPr>
-              <a:t>unción afín: </a:t>
+              <a:t>afín: </a:t>
             </a:r>
             <a:r>
               <a:rPr lang="es-CO" sz="1050" i="1" dirty="0" smtClean="0">
@@ -3578,8 +3507,8 @@
         </p:nvSpPr>
         <p:spPr>
           <a:xfrm>
-            <a:off x="1597439" y="4515942"/>
-            <a:ext cx="796159" cy="199063"/>
+            <a:off x="2374493" y="4792195"/>
+            <a:ext cx="1282205" cy="348533"/>
           </a:xfrm>
           <a:prstGeom prst="rect">
             <a:avLst/>
@@ -3615,7 +3544,7 @@
                 <a:latin typeface="Arial" pitchFamily="34" charset="0"/>
                 <a:cs typeface="Arial" pitchFamily="34" charset="0"/>
               </a:rPr>
-              <a:t>representan</a:t>
+              <a:t>Que gráficamente  son    </a:t>
             </a:r>
             <a:endParaRPr lang="es-CO" sz="900" dirty="0">
               <a:solidFill>
@@ -3635,7 +3564,7 @@
         </p:nvSpPr>
         <p:spPr>
           <a:xfrm>
-            <a:off x="1476735" y="4898369"/>
+            <a:off x="2501145" y="5335819"/>
             <a:ext cx="1036602" cy="500220"/>
           </a:xfrm>
           <a:prstGeom prst="rect">
@@ -3665,16 +3594,6 @@
           <a:p>
             <a:pPr algn="ctr"/>
             <a:r>
-              <a:rPr lang="es-CO" sz="900" dirty="0">
-                <a:solidFill>
-                  <a:schemeClr val="tx1"/>
-                </a:solidFill>
-                <a:latin typeface="Arial" pitchFamily="34" charset="0"/>
-                <a:cs typeface="Arial" pitchFamily="34" charset="0"/>
-              </a:rPr>
-              <a:t>t</a:t>
-            </a:r>
-            <a:r>
               <a:rPr lang="es-CO" sz="900" dirty="0" smtClean="0">
                 <a:solidFill>
                   <a:schemeClr val="tx1"/>
@@ -3682,7 +3601,7 @@
                 <a:latin typeface="Arial" pitchFamily="34" charset="0"/>
                 <a:cs typeface="Arial" pitchFamily="34" charset="0"/>
               </a:rPr>
-              <a:t>odas las rectas en el plano cartesiano  </a:t>
+              <a:t>Todas las rectas en el plano cartesiano  </a:t>
             </a:r>
             <a:r>
               <a:rPr lang="es-CO" sz="900" dirty="0" smtClean="0">
@@ -3704,6 +3623,45 @@
           </a:p>
         </p:txBody>
       </p:sp>
+      <p:cxnSp>
+        <p:nvCxnSpPr>
+          <p:cNvPr id="383" name="382 Conector recto de flecha"/>
+          <p:cNvCxnSpPr>
+            <a:stCxn id="381" idx="2"/>
+            <a:endCxn id="382" idx="0"/>
+          </p:cNvCxnSpPr>
+          <p:nvPr/>
+        </p:nvCxnSpPr>
+        <p:spPr>
+          <a:xfrm>
+            <a:off x="3015596" y="5140728"/>
+            <a:ext cx="3850" cy="195091"/>
+          </a:xfrm>
+          <a:prstGeom prst="straightConnector1">
+            <a:avLst/>
+          </a:prstGeom>
+          <a:ln w="12700">
+            <a:solidFill>
+              <a:schemeClr val="tx1"/>
+            </a:solidFill>
+            <a:tailEnd type="none"/>
+          </a:ln>
+        </p:spPr>
+        <p:style>
+          <a:lnRef idx="1">
+            <a:schemeClr val="accent1"/>
+          </a:lnRef>
+          <a:fillRef idx="0">
+            <a:schemeClr val="accent1"/>
+          </a:fillRef>
+          <a:effectRef idx="0">
+            <a:schemeClr val="accent1"/>
+          </a:effectRef>
+          <a:fontRef idx="minor">
+            <a:schemeClr val="tx1"/>
+          </a:fontRef>
+        </p:style>
+      </p:cxnSp>
       <p:sp>
         <p:nvSpPr>
           <p:cNvPr id="384" name="Rectángulo 33"/>
@@ -3712,7 +3670,7 @@
         </p:nvSpPr>
         <p:spPr>
           <a:xfrm>
-            <a:off x="2579445" y="3965039"/>
+            <a:off x="2583516" y="4151547"/>
             <a:ext cx="864158" cy="426543"/>
           </a:xfrm>
           <a:prstGeom prst="rect">
@@ -3744,6 +3702,16 @@
           <a:p>
             <a:pPr algn="ctr"/>
             <a:r>
+              <a:rPr lang="es-CO" sz="900" i="1" dirty="0">
+                <a:solidFill>
+                  <a:schemeClr val="tx1"/>
+                </a:solidFill>
+                <a:latin typeface="Arial" pitchFamily="34" charset="0"/>
+                <a:cs typeface="Arial" pitchFamily="34" charset="0"/>
+              </a:rPr>
+              <a:t>y</a:t>
+            </a:r>
+            <a:r>
               <a:rPr lang="es-CO" sz="900" i="1" dirty="0" smtClean="0">
                 <a:solidFill>
                   <a:schemeClr val="tx1"/>
@@ -3751,7 +3719,7 @@
                 <a:latin typeface="Arial" pitchFamily="34" charset="0"/>
                 <a:cs typeface="Arial" pitchFamily="34" charset="0"/>
               </a:rPr>
-              <a:t>y </a:t>
+              <a:t>= mx + b</a:t>
             </a:r>
             <a:r>
               <a:rPr lang="es-CO" sz="900" i="1" dirty="0" smtClean="0">
@@ -3761,7 +3729,7 @@
                 <a:latin typeface="Arial" pitchFamily="34" charset="0"/>
                 <a:cs typeface="Arial" pitchFamily="34" charset="0"/>
               </a:rPr>
-              <a:t>= </a:t>
+              <a:t>, </a:t>
             </a:r>
             <a:r>
               <a:rPr lang="es-CO" sz="900" i="1" dirty="0" smtClean="0">
@@ -3771,7 +3739,7 @@
                 <a:latin typeface="Arial" pitchFamily="34" charset="0"/>
                 <a:cs typeface="Arial" pitchFamily="34" charset="0"/>
               </a:rPr>
-              <a:t>mx + b, m, b</a:t>
+              <a:t>m, b</a:t>
             </a:r>
             <a:r>
               <a:rPr lang="es-CO" sz="900" i="1" dirty="0" smtClean="0">
@@ -3782,11 +3750,7 @@
                 <a:ea typeface="Cambria Math"/>
                 <a:cs typeface="Arial" pitchFamily="34" charset="0"/>
               </a:rPr>
-              <a:t>∈ </a:t>
-            </a:r>
-            <a:r>
-              <a:rPr lang="es-ES" sz="900" dirty="0"/>
-              <a:t>ℝ</a:t>
+              <a:t>∈ R</a:t>
             </a:r>
             <a:r>
               <a:rPr lang="es-CO" sz="900" b="1" i="1" dirty="0" smtClean="0">
@@ -3816,7 +3780,7 @@
         </p:nvSpPr>
         <p:spPr>
           <a:xfrm>
-            <a:off x="2561085" y="3692425"/>
+            <a:off x="2561743" y="3778618"/>
             <a:ext cx="900879" cy="223593"/>
           </a:xfrm>
           <a:prstGeom prst="rect">
@@ -3846,16 +3810,6 @@
           <a:p>
             <a:pPr algn="ctr"/>
             <a:r>
-              <a:rPr lang="es-CO" sz="900" dirty="0">
-                <a:solidFill>
-                  <a:schemeClr val="tx1"/>
-                </a:solidFill>
-                <a:latin typeface="Arial" pitchFamily="34" charset="0"/>
-                <a:cs typeface="Arial" pitchFamily="34" charset="0"/>
-              </a:rPr>
-              <a:t>d</a:t>
-            </a:r>
-            <a:r>
               <a:rPr lang="es-CO" sz="900" dirty="0" smtClean="0">
                 <a:solidFill>
                   <a:schemeClr val="tx1"/>
@@ -3863,17 +3817,7 @@
                 <a:latin typeface="Arial" pitchFamily="34" charset="0"/>
                 <a:cs typeface="Arial" pitchFamily="34" charset="0"/>
               </a:rPr>
-              <a:t>e </a:t>
-            </a:r>
-            <a:r>
-              <a:rPr lang="es-CO" sz="900" dirty="0" smtClean="0">
-                <a:solidFill>
-                  <a:schemeClr val="tx1"/>
-                </a:solidFill>
-                <a:latin typeface="Arial" pitchFamily="34" charset="0"/>
-                <a:cs typeface="Arial" pitchFamily="34" charset="0"/>
-              </a:rPr>
-              <a:t>la forma    </a:t>
+              <a:t>De la forma    </a:t>
             </a:r>
             <a:endParaRPr lang="es-CO" sz="900" dirty="0">
               <a:solidFill>
@@ -3896,8 +3840,8 @@
         </p:nvCxnSpPr>
         <p:spPr>
           <a:xfrm>
-            <a:off x="3011525" y="3471157"/>
-            <a:ext cx="0" cy="221268"/>
+            <a:off x="3010933" y="3629621"/>
+            <a:ext cx="1250" cy="148997"/>
           </a:xfrm>
           <a:prstGeom prst="straightConnector1">
             <a:avLst/>
@@ -3924,6 +3868,45 @@
           </a:fontRef>
         </p:style>
       </p:cxnSp>
+      <p:cxnSp>
+        <p:nvCxnSpPr>
+          <p:cNvPr id="387" name="386 Conector recto de flecha"/>
+          <p:cNvCxnSpPr>
+            <a:stCxn id="384" idx="2"/>
+            <a:endCxn id="381" idx="0"/>
+          </p:cNvCxnSpPr>
+          <p:nvPr/>
+        </p:nvCxnSpPr>
+        <p:spPr>
+          <a:xfrm>
+            <a:off x="3015595" y="4578090"/>
+            <a:ext cx="1" cy="214105"/>
+          </a:xfrm>
+          <a:prstGeom prst="straightConnector1">
+            <a:avLst/>
+          </a:prstGeom>
+          <a:ln w="12700">
+            <a:solidFill>
+              <a:schemeClr val="tx1"/>
+            </a:solidFill>
+            <a:tailEnd type="none"/>
+          </a:ln>
+        </p:spPr>
+        <p:style>
+          <a:lnRef idx="1">
+            <a:schemeClr val="accent1"/>
+          </a:lnRef>
+          <a:fillRef idx="0">
+            <a:schemeClr val="accent1"/>
+          </a:fillRef>
+          <a:effectRef idx="0">
+            <a:schemeClr val="accent1"/>
+          </a:effectRef>
+          <a:fontRef idx="minor">
+            <a:schemeClr val="tx1"/>
+          </a:fontRef>
+        </p:style>
+      </p:cxnSp>
       <p:sp>
         <p:nvSpPr>
           <p:cNvPr id="388" name="Rectángulo 161"/>
@@ -3932,8 +3915,8 @@
         </p:nvSpPr>
         <p:spPr>
           <a:xfrm>
-            <a:off x="3618019" y="4522670"/>
-            <a:ext cx="661203" cy="211199"/>
+            <a:off x="5333670" y="4536779"/>
+            <a:ext cx="661203" cy="276626"/>
           </a:xfrm>
           <a:prstGeom prst="rect">
             <a:avLst/>
@@ -3962,16 +3945,6 @@
           <a:p>
             <a:pPr algn="ctr"/>
             <a:r>
-              <a:rPr lang="es-CO" sz="900" dirty="0">
-                <a:solidFill>
-                  <a:schemeClr val="tx1"/>
-                </a:solidFill>
-                <a:latin typeface="Arial" pitchFamily="34" charset="0"/>
-                <a:cs typeface="Arial" pitchFamily="34" charset="0"/>
-              </a:rPr>
-              <a:t>d</a:t>
-            </a:r>
-            <a:r>
               <a:rPr lang="es-CO" sz="900" dirty="0" smtClean="0">
                 <a:solidFill>
                   <a:schemeClr val="tx1"/>
@@ -3979,7 +3952,7 @@
                 <a:latin typeface="Arial" pitchFamily="34" charset="0"/>
                 <a:cs typeface="Arial" pitchFamily="34" charset="0"/>
               </a:rPr>
-              <a:t>onde </a:t>
+              <a:t>Donde </a:t>
             </a:r>
             <a:r>
               <a:rPr lang="es-CO" sz="1100" dirty="0" smtClean="0">
@@ -3997,6 +3970,45 @@
           </a:p>
         </p:txBody>
       </p:sp>
+      <p:cxnSp>
+        <p:nvCxnSpPr>
+          <p:cNvPr id="389" name="24 Conector angular"/>
+          <p:cNvCxnSpPr>
+            <a:stCxn id="384" idx="3"/>
+            <a:endCxn id="388" idx="0"/>
+          </p:cNvCxnSpPr>
+          <p:nvPr/>
+        </p:nvCxnSpPr>
+        <p:spPr>
+          <a:xfrm>
+            <a:off x="3447674" y="4364819"/>
+            <a:ext cx="2216598" cy="171960"/>
+          </a:xfrm>
+          <a:prstGeom prst="bentConnector2">
+            <a:avLst/>
+          </a:prstGeom>
+          <a:ln w="12700">
+            <a:solidFill>
+              <a:schemeClr val="tx1"/>
+            </a:solidFill>
+            <a:tailEnd type="none"/>
+          </a:ln>
+        </p:spPr>
+        <p:style>
+          <a:lnRef idx="1">
+            <a:schemeClr val="accent1"/>
+          </a:lnRef>
+          <a:fillRef idx="0">
+            <a:schemeClr val="accent1"/>
+          </a:fillRef>
+          <a:effectRef idx="0">
+            <a:schemeClr val="accent1"/>
+          </a:effectRef>
+          <a:fontRef idx="minor">
+            <a:schemeClr val="tx1"/>
+          </a:fontRef>
+        </p:style>
+      </p:cxnSp>
       <p:sp>
         <p:nvSpPr>
           <p:cNvPr id="390" name="Rectángulo 33"/>
@@ -4005,7 +4017,7 @@
         </p:nvSpPr>
         <p:spPr>
           <a:xfrm>
-            <a:off x="3434510" y="4925435"/>
+            <a:off x="5150217" y="4977923"/>
             <a:ext cx="1029952" cy="521926"/>
           </a:xfrm>
           <a:prstGeom prst="rect">
@@ -4014,11 +4026,6 @@
           <a:solidFill>
             <a:schemeClr val="bg1"/>
           </a:solidFill>
-          <a:ln>
-            <a:solidFill>
-              <a:schemeClr val="tx1"/>
-            </a:solidFill>
-          </a:ln>
         </p:spPr>
         <p:style>
           <a:lnRef idx="2">
@@ -4067,7 +4074,27 @@
                 <a:latin typeface="Arial" pitchFamily="34" charset="0"/>
                 <a:cs typeface="Arial" pitchFamily="34" charset="0"/>
               </a:rPr>
-              <a:t> es la pendiente y </a:t>
+              <a:t> </a:t>
+            </a:r>
+            <a:r>
+              <a:rPr lang="es-CO" sz="900" dirty="0" smtClean="0">
+                <a:solidFill>
+                  <a:schemeClr val="tx1"/>
+                </a:solidFill>
+                <a:latin typeface="Arial" pitchFamily="34" charset="0"/>
+                <a:cs typeface="Arial" pitchFamily="34" charset="0"/>
+              </a:rPr>
+              <a:t>es la </a:t>
+            </a:r>
+            <a:r>
+              <a:rPr lang="es-CO" sz="900" dirty="0" smtClean="0">
+                <a:solidFill>
+                  <a:schemeClr val="tx1"/>
+                </a:solidFill>
+                <a:latin typeface="Arial" pitchFamily="34" charset="0"/>
+                <a:cs typeface="Arial" pitchFamily="34" charset="0"/>
+              </a:rPr>
+              <a:t>pendiente y </a:t>
             </a:r>
             <a:r>
               <a:rPr lang="es-CO" sz="900" i="1" dirty="0" smtClean="0">
@@ -4099,6 +4126,45 @@
           </a:p>
         </p:txBody>
       </p:sp>
+      <p:cxnSp>
+        <p:nvCxnSpPr>
+          <p:cNvPr id="391" name="390 Conector recto de flecha"/>
+          <p:cNvCxnSpPr>
+            <a:stCxn id="388" idx="2"/>
+            <a:endCxn id="390" idx="0"/>
+          </p:cNvCxnSpPr>
+          <p:nvPr/>
+        </p:nvCxnSpPr>
+        <p:spPr>
+          <a:xfrm>
+            <a:off x="5664272" y="4813405"/>
+            <a:ext cx="921" cy="164518"/>
+          </a:xfrm>
+          <a:prstGeom prst="straightConnector1">
+            <a:avLst/>
+          </a:prstGeom>
+          <a:ln w="12700">
+            <a:solidFill>
+              <a:schemeClr val="tx1"/>
+            </a:solidFill>
+            <a:tailEnd type="none"/>
+          </a:ln>
+        </p:spPr>
+        <p:style>
+          <a:lnRef idx="1">
+            <a:schemeClr val="accent1"/>
+          </a:lnRef>
+          <a:fillRef idx="0">
+            <a:schemeClr val="accent1"/>
+          </a:fillRef>
+          <a:effectRef idx="0">
+            <a:schemeClr val="accent1"/>
+          </a:effectRef>
+          <a:fontRef idx="minor">
+            <a:schemeClr val="tx1"/>
+          </a:fontRef>
+        </p:style>
+      </p:cxnSp>
       <p:sp>
         <p:nvSpPr>
           <p:cNvPr id="392" name="Rectángulo 161"/>
@@ -4107,8 +4173,8 @@
         </p:nvSpPr>
         <p:spPr>
           <a:xfrm>
-            <a:off x="1473935" y="5582678"/>
-            <a:ext cx="1043026" cy="98443"/>
+            <a:off x="3928033" y="5329178"/>
+            <a:ext cx="880169" cy="518517"/>
           </a:xfrm>
           <a:prstGeom prst="rect">
             <a:avLst/>
@@ -4144,21 +4210,50 @@
                 <a:latin typeface="Arial" pitchFamily="34" charset="0"/>
                 <a:cs typeface="Arial" pitchFamily="34" charset="0"/>
               </a:rPr>
-              <a:t>que pueden </a:t>
-            </a:r>
-            <a:r>
-              <a:rPr lang="es-CO" sz="900" dirty="0" smtClean="0">
-                <a:solidFill>
-                  <a:schemeClr val="tx1"/>
-                </a:solidFill>
-                <a:latin typeface="Arial" pitchFamily="34" charset="0"/>
-                <a:cs typeface="Arial" pitchFamily="34" charset="0"/>
-              </a:rPr>
-              <a:t>ser </a:t>
+              <a:t>Donde dos rectas pueden ser </a:t>
             </a:r>
           </a:p>
         </p:txBody>
       </p:sp>
+      <p:cxnSp>
+        <p:nvCxnSpPr>
+          <p:cNvPr id="393" name="392 Conector recto de flecha"/>
+          <p:cNvCxnSpPr>
+            <a:stCxn id="382" idx="3"/>
+            <a:endCxn id="392" idx="1"/>
+          </p:cNvCxnSpPr>
+          <p:nvPr/>
+        </p:nvCxnSpPr>
+        <p:spPr>
+          <a:xfrm>
+            <a:off x="3537747" y="5585929"/>
+            <a:ext cx="390286" cy="2508"/>
+          </a:xfrm>
+          <a:prstGeom prst="straightConnector1">
+            <a:avLst/>
+          </a:prstGeom>
+          <a:ln w="12700">
+            <a:solidFill>
+              <a:schemeClr val="tx1"/>
+            </a:solidFill>
+            <a:tailEnd type="none"/>
+          </a:ln>
+        </p:spPr>
+        <p:style>
+          <a:lnRef idx="1">
+            <a:schemeClr val="accent1"/>
+          </a:lnRef>
+          <a:fillRef idx="0">
+            <a:schemeClr val="accent1"/>
+          </a:fillRef>
+          <a:effectRef idx="0">
+            <a:schemeClr val="accent1"/>
+          </a:effectRef>
+          <a:fontRef idx="minor">
+            <a:schemeClr val="tx1"/>
+          </a:fontRef>
+        </p:style>
+      </p:cxnSp>
       <p:sp>
         <p:nvSpPr>
           <p:cNvPr id="394" name="Rectángulo 33"/>
@@ -4167,7 +4262,7 @@
         </p:nvSpPr>
         <p:spPr>
           <a:xfrm>
-            <a:off x="1393236" y="5858403"/>
+            <a:off x="3765176" y="6007681"/>
             <a:ext cx="1204425" cy="648618"/>
           </a:xfrm>
           <a:prstGeom prst="rect">
@@ -4214,7 +4309,37 @@
                 <a:latin typeface="Arial" pitchFamily="34" charset="0"/>
                 <a:cs typeface="Arial" pitchFamily="34" charset="0"/>
               </a:rPr>
-              <a:t>coincidentes, secantes,   perpendiculares o  paralelas </a:t>
+              <a:t>coincidentes, </a:t>
+            </a:r>
+            <a:r>
+              <a:rPr lang="es-CO" sz="900" dirty="0" smtClean="0">
+                <a:solidFill>
+                  <a:schemeClr val="tx1"/>
+                </a:solidFill>
+                <a:latin typeface="Arial" pitchFamily="34" charset="0"/>
+                <a:cs typeface="Arial" pitchFamily="34" charset="0"/>
+              </a:rPr>
+              <a:t>secantes,   </a:t>
+            </a:r>
+            <a:r>
+              <a:rPr lang="es-CO" sz="900" dirty="0" smtClean="0">
+                <a:solidFill>
+                  <a:schemeClr val="tx1"/>
+                </a:solidFill>
+                <a:latin typeface="Arial" pitchFamily="34" charset="0"/>
+                <a:cs typeface="Arial" pitchFamily="34" charset="0"/>
+              </a:rPr>
+              <a:t>perpendiculares o  </a:t>
+            </a:r>
+            <a:r>
+              <a:rPr lang="es-CO" sz="900" dirty="0" smtClean="0">
+                <a:solidFill>
+                  <a:schemeClr val="tx1"/>
+                </a:solidFill>
+                <a:latin typeface="Arial" pitchFamily="34" charset="0"/>
+                <a:cs typeface="Arial" pitchFamily="34" charset="0"/>
+              </a:rPr>
+              <a:t>paralelas </a:t>
             </a:r>
             <a:endParaRPr lang="es-CO" sz="900" dirty="0">
               <a:solidFill>
@@ -4228,6 +4353,235 @@
       </p:sp>
       <p:cxnSp>
         <p:nvCxnSpPr>
+          <p:cNvPr id="395" name="394 Conector recto de flecha"/>
+          <p:cNvCxnSpPr>
+            <a:stCxn id="392" idx="2"/>
+            <a:endCxn id="394" idx="0"/>
+          </p:cNvCxnSpPr>
+          <p:nvPr/>
+        </p:nvCxnSpPr>
+        <p:spPr>
+          <a:xfrm flipH="1">
+            <a:off x="4367389" y="5847695"/>
+            <a:ext cx="729" cy="159986"/>
+          </a:xfrm>
+          <a:prstGeom prst="straightConnector1">
+            <a:avLst/>
+          </a:prstGeom>
+          <a:ln w="12700">
+            <a:solidFill>
+              <a:schemeClr val="tx1"/>
+            </a:solidFill>
+            <a:tailEnd type="none"/>
+          </a:ln>
+        </p:spPr>
+        <p:style>
+          <a:lnRef idx="1">
+            <a:schemeClr val="accent1"/>
+          </a:lnRef>
+          <a:fillRef idx="0">
+            <a:schemeClr val="accent1"/>
+          </a:fillRef>
+          <a:effectRef idx="0">
+            <a:schemeClr val="accent1"/>
+          </a:effectRef>
+          <a:fontRef idx="minor">
+            <a:schemeClr val="tx1"/>
+          </a:fontRef>
+        </p:style>
+      </p:cxnSp>
+      <p:sp>
+        <p:nvSpPr>
+          <p:cNvPr id="396" name="Rectángulo 35"/>
+          <p:cNvSpPr/>
+          <p:nvPr/>
+        </p:nvSpPr>
+        <p:spPr>
+          <a:xfrm>
+            <a:off x="812462" y="5442117"/>
+            <a:ext cx="1020848" cy="263243"/>
+          </a:xfrm>
+          <a:prstGeom prst="rect">
+            <a:avLst/>
+          </a:prstGeom>
+          <a:ln>
+            <a:noFill/>
+          </a:ln>
+        </p:spPr>
+        <p:style>
+          <a:lnRef idx="2">
+            <a:schemeClr val="dk1"/>
+          </a:lnRef>
+          <a:fillRef idx="1">
+            <a:schemeClr val="lt1"/>
+          </a:fillRef>
+          <a:effectRef idx="0">
+            <a:schemeClr val="dk1"/>
+          </a:effectRef>
+          <a:fontRef idx="minor">
+            <a:schemeClr val="dk1"/>
+          </a:fontRef>
+        </p:style>
+        <p:txBody>
+          <a:bodyPr rtlCol="0" anchor="ctr"/>
+          <a:lstStyle/>
+          <a:p>
+            <a:pPr algn="ctr"/>
+            <a:r>
+              <a:rPr lang="es-CO" sz="900" dirty="0" smtClean="0">
+                <a:solidFill>
+                  <a:schemeClr val="tx1"/>
+                </a:solidFill>
+                <a:latin typeface="Arial" pitchFamily="34" charset="0"/>
+                <a:cs typeface="Arial" pitchFamily="34" charset="0"/>
+              </a:rPr>
+              <a:t>Se utilizan para </a:t>
+            </a:r>
+            <a:endParaRPr lang="es-CO" sz="900" dirty="0">
+              <a:solidFill>
+                <a:schemeClr val="tx1"/>
+              </a:solidFill>
+              <a:latin typeface="Arial" pitchFamily="34" charset="0"/>
+              <a:cs typeface="Arial" pitchFamily="34" charset="0"/>
+            </a:endParaRPr>
+          </a:p>
+        </p:txBody>
+      </p:sp>
+      <p:sp>
+        <p:nvSpPr>
+          <p:cNvPr id="397" name="Rectángulo 33"/>
+          <p:cNvSpPr/>
+          <p:nvPr/>
+        </p:nvSpPr>
+        <p:spPr>
+          <a:xfrm>
+            <a:off x="718253" y="5929971"/>
+            <a:ext cx="1208157" cy="723693"/>
+          </a:xfrm>
+          <a:prstGeom prst="rect">
+            <a:avLst/>
+          </a:prstGeom>
+          <a:solidFill>
+            <a:schemeClr val="bg2">
+              <a:lumMod val="90000"/>
+            </a:schemeClr>
+          </a:solidFill>
+        </p:spPr>
+        <p:style>
+          <a:lnRef idx="2">
+            <a:schemeClr val="dk1"/>
+          </a:lnRef>
+          <a:fillRef idx="1">
+            <a:schemeClr val="lt1"/>
+          </a:fillRef>
+          <a:effectRef idx="0">
+            <a:schemeClr val="dk1"/>
+          </a:effectRef>
+          <a:fontRef idx="minor">
+            <a:schemeClr val="dk1"/>
+          </a:fontRef>
+        </p:style>
+        <p:txBody>
+          <a:bodyPr rtlCol="0" anchor="ctr"/>
+          <a:lstStyle/>
+          <a:p>
+            <a:pPr algn="ctr"/>
+            <a:r>
+              <a:rPr lang="es-CO" sz="1200" dirty="0" smtClean="0">
+                <a:solidFill>
+                  <a:schemeClr val="tx1"/>
+                </a:solidFill>
+              </a:rPr>
+              <a:t>Resolver problemas  en diferentes ciencias </a:t>
+            </a:r>
+            <a:endParaRPr lang="es-CO" sz="1200" dirty="0">
+              <a:solidFill>
+                <a:srgbClr val="FF0000"/>
+              </a:solidFill>
+            </a:endParaRPr>
+          </a:p>
+        </p:txBody>
+      </p:sp>
+      <p:cxnSp>
+        <p:nvCxnSpPr>
+          <p:cNvPr id="398" name="397 Conector recto de flecha"/>
+          <p:cNvCxnSpPr>
+            <a:stCxn id="333" idx="2"/>
+            <a:endCxn id="396" idx="0"/>
+          </p:cNvCxnSpPr>
+          <p:nvPr/>
+        </p:nvCxnSpPr>
+        <p:spPr>
+          <a:xfrm>
+            <a:off x="1319893" y="5215159"/>
+            <a:ext cx="2993" cy="226958"/>
+          </a:xfrm>
+          <a:prstGeom prst="straightConnector1">
+            <a:avLst/>
+          </a:prstGeom>
+          <a:ln w="12700">
+            <a:solidFill>
+              <a:schemeClr val="tx1"/>
+            </a:solidFill>
+            <a:tailEnd type="none"/>
+          </a:ln>
+        </p:spPr>
+        <p:style>
+          <a:lnRef idx="1">
+            <a:schemeClr val="accent1"/>
+          </a:lnRef>
+          <a:fillRef idx="0">
+            <a:schemeClr val="accent1"/>
+          </a:fillRef>
+          <a:effectRef idx="0">
+            <a:schemeClr val="accent1"/>
+          </a:effectRef>
+          <a:fontRef idx="minor">
+            <a:schemeClr val="tx1"/>
+          </a:fontRef>
+        </p:style>
+      </p:cxnSp>
+      <p:cxnSp>
+        <p:nvCxnSpPr>
+          <p:cNvPr id="399" name="398 Conector recto de flecha"/>
+          <p:cNvCxnSpPr>
+            <a:stCxn id="396" idx="2"/>
+            <a:endCxn id="397" idx="0"/>
+          </p:cNvCxnSpPr>
+          <p:nvPr/>
+        </p:nvCxnSpPr>
+        <p:spPr>
+          <a:xfrm flipH="1">
+            <a:off x="1322332" y="5705360"/>
+            <a:ext cx="554" cy="224611"/>
+          </a:xfrm>
+          <a:prstGeom prst="straightConnector1">
+            <a:avLst/>
+          </a:prstGeom>
+          <a:ln w="12700">
+            <a:solidFill>
+              <a:schemeClr val="tx1"/>
+            </a:solidFill>
+            <a:tailEnd type="none"/>
+          </a:ln>
+        </p:spPr>
+        <p:style>
+          <a:lnRef idx="1">
+            <a:schemeClr val="accent1"/>
+          </a:lnRef>
+          <a:fillRef idx="0">
+            <a:schemeClr val="accent1"/>
+          </a:fillRef>
+          <a:effectRef idx="0">
+            <a:schemeClr val="accent1"/>
+          </a:effectRef>
+          <a:fontRef idx="minor">
+            <a:schemeClr val="tx1"/>
+          </a:fontRef>
+        </p:style>
+      </p:cxnSp>
+      <p:cxnSp>
+        <p:nvCxnSpPr>
           <p:cNvPr id="400" name="248 Conector angular"/>
           <p:cNvCxnSpPr>
             <a:stCxn id="370" idx="1"/>
@@ -4303,16 +4657,6 @@
           <a:p>
             <a:pPr algn="ctr"/>
             <a:r>
-              <a:rPr lang="es-CO" sz="1200" b="1" dirty="0">
-                <a:solidFill>
-                  <a:schemeClr val="tx1"/>
-                </a:solidFill>
-                <a:latin typeface="Arial" pitchFamily="34" charset="0"/>
-                <a:cs typeface="Arial" pitchFamily="34" charset="0"/>
-              </a:rPr>
-              <a:t>s</a:t>
-            </a:r>
-            <a:r>
               <a:rPr lang="es-CO" sz="1200" b="1" dirty="0" smtClean="0">
                 <a:solidFill>
                   <a:schemeClr val="tx1"/>
@@ -4320,7 +4664,7 @@
                 <a:latin typeface="Arial" pitchFamily="34" charset="0"/>
                 <a:cs typeface="Arial" pitchFamily="34" charset="0"/>
               </a:rPr>
-              <a:t>istemas de desigualdades lineales   </a:t>
+              <a:t>Sistemas de desigualdades lineales   </a:t>
             </a:r>
             <a:r>
               <a:rPr lang="es-CO" sz="1200" b="1" dirty="0" smtClean="0">
@@ -4391,9 +4735,9 @@
           <p:nvPr/>
         </p:nvCxnSpPr>
         <p:spPr>
-          <a:xfrm>
-            <a:off x="8752519" y="5923370"/>
-            <a:ext cx="11312" cy="270998"/>
+          <a:xfrm flipH="1">
+            <a:off x="8739447" y="5923370"/>
+            <a:ext cx="3997" cy="270998"/>
           </a:xfrm>
           <a:prstGeom prst="straightConnector1">
             <a:avLst/>
@@ -4428,8 +4772,8 @@
         </p:nvSpPr>
         <p:spPr>
           <a:xfrm>
-            <a:off x="6358668" y="4839884"/>
-            <a:ext cx="726294" cy="295172"/>
+            <a:off x="6407418" y="5111910"/>
+            <a:ext cx="624560" cy="548142"/>
           </a:xfrm>
           <a:prstGeom prst="rect">
             <a:avLst/>
@@ -4465,17 +4809,7 @@
                 <a:latin typeface="Arial" pitchFamily="34" charset="0"/>
                 <a:cs typeface="Arial" pitchFamily="34" charset="0"/>
               </a:rPr>
-              <a:t>Posibles </a:t>
-            </a:r>
-            <a:r>
-              <a:rPr lang="es-CO" sz="900" dirty="0" smtClean="0">
-                <a:solidFill>
-                  <a:schemeClr val="tx1"/>
-                </a:solidFill>
-                <a:latin typeface="Arial" pitchFamily="34" charset="0"/>
-                <a:cs typeface="Arial" pitchFamily="34" charset="0"/>
-              </a:rPr>
-              <a:t>soluciones</a:t>
+              <a:t>Puede pasar que tenga  </a:t>
             </a:r>
             <a:endParaRPr lang="es-CO" sz="900" dirty="0">
               <a:solidFill>
@@ -4499,7 +4833,7 @@
         <p:spPr>
           <a:xfrm>
             <a:off x="6717571" y="3782407"/>
-            <a:ext cx="4244" cy="1057477"/>
+            <a:ext cx="2127" cy="1329503"/>
           </a:xfrm>
           <a:prstGeom prst="straightConnector1">
             <a:avLst/>
@@ -4536,9 +4870,9 @@
           <p:nvPr/>
         </p:nvCxnSpPr>
         <p:spPr>
-          <a:xfrm flipH="1">
-            <a:off x="6717528" y="5135056"/>
-            <a:ext cx="4287" cy="872130"/>
+          <a:xfrm>
+            <a:off x="6719698" y="5660052"/>
+            <a:ext cx="4833" cy="380568"/>
           </a:xfrm>
           <a:prstGeom prst="straightConnector1">
             <a:avLst/>
@@ -4603,21 +4937,17 @@
           <a:p>
             <a:pPr algn="ctr"/>
             <a:r>
-              <a:rPr lang="es-CO" sz="900" dirty="0">
-                <a:solidFill>
-                  <a:schemeClr val="tx1"/>
-                </a:solidFill>
-                <a:latin typeface="Arial" pitchFamily="34" charset="0"/>
-                <a:cs typeface="Arial" pitchFamily="34" charset="0"/>
-              </a:rPr>
-              <a:t>posibles soluciones</a:t>
-            </a:r>
-            <a:endParaRPr lang="es-CO" sz="900" dirty="0">
+              <a:rPr lang="es-CO" sz="1100" dirty="0" smtClean="0">
+                <a:solidFill>
+                  <a:schemeClr val="tx1"/>
+                </a:solidFill>
+              </a:rPr>
+              <a:t>Puede pasar que tenga  </a:t>
+            </a:r>
+            <a:endParaRPr lang="es-CO" sz="1100" dirty="0">
               <a:solidFill>
                 <a:schemeClr val="tx1"/>
               </a:solidFill>
-              <a:latin typeface="Arial" pitchFamily="34" charset="0"/>
-              <a:cs typeface="Arial" pitchFamily="34" charset="0"/>
             </a:endParaRPr>
           </a:p>
         </p:txBody>
@@ -4625,12 +4955,15 @@
       <p:cxnSp>
         <p:nvCxnSpPr>
           <p:cNvPr id="411" name="410 Conector recto de flecha"/>
-          <p:cNvCxnSpPr/>
+          <p:cNvCxnSpPr>
+            <a:stCxn id="410" idx="2"/>
+            <a:endCxn id="570" idx="0"/>
+          </p:cNvCxnSpPr>
           <p:nvPr/>
         </p:nvCxnSpPr>
         <p:spPr>
           <a:xfrm>
-            <a:off x="10273200" y="5587922"/>
+            <a:off x="10273200" y="5530765"/>
             <a:ext cx="11826" cy="299462"/>
           </a:xfrm>
           <a:prstGeom prst="straightConnector1">
@@ -4705,8 +5038,8 @@
         </p:nvSpPr>
         <p:spPr>
           <a:xfrm>
-            <a:off x="7048130" y="5329869"/>
-            <a:ext cx="1329157" cy="512582"/>
+            <a:off x="7091417" y="5329869"/>
+            <a:ext cx="1243380" cy="512582"/>
           </a:xfrm>
           <a:prstGeom prst="rect">
             <a:avLst/>
@@ -4747,27 +5080,7 @@
                 <a:latin typeface="Arial" pitchFamily="34" charset="0"/>
                 <a:cs typeface="Arial" pitchFamily="34" charset="0"/>
               </a:rPr>
-              <a:t> u</a:t>
-            </a:r>
-            <a:r>
-              <a:rPr lang="es-CO" sz="900" dirty="0" smtClean="0">
-                <a:solidFill>
-                  <a:schemeClr val="tx1"/>
-                </a:solidFill>
-                <a:latin typeface="Arial" pitchFamily="34" charset="0"/>
-                <a:cs typeface="Arial" pitchFamily="34" charset="0"/>
-              </a:rPr>
-              <a:t>na  </a:t>
-            </a:r>
-            <a:r>
-              <a:rPr lang="es-CO" sz="900" dirty="0" smtClean="0">
-                <a:solidFill>
-                  <a:schemeClr val="tx1"/>
-                </a:solidFill>
-                <a:latin typeface="Arial" pitchFamily="34" charset="0"/>
-                <a:cs typeface="Arial" pitchFamily="34" charset="0"/>
-              </a:rPr>
-              <a:t>solución.</a:t>
+              <a:t>Una  solución.</a:t>
             </a:r>
           </a:p>
           <a:p>
@@ -4783,27 +5096,7 @@
                 <a:latin typeface="Arial" pitchFamily="34" charset="0"/>
                 <a:cs typeface="Arial" pitchFamily="34" charset="0"/>
               </a:rPr>
-              <a:t> n</a:t>
-            </a:r>
-            <a:r>
-              <a:rPr lang="es-CO" sz="900" dirty="0" smtClean="0">
-                <a:solidFill>
-                  <a:schemeClr val="tx1"/>
-                </a:solidFill>
-                <a:latin typeface="Arial" pitchFamily="34" charset="0"/>
-                <a:cs typeface="Arial" pitchFamily="34" charset="0"/>
-              </a:rPr>
-              <a:t>inguna  </a:t>
-            </a:r>
-            <a:r>
-              <a:rPr lang="es-CO" sz="900" dirty="0" smtClean="0">
-                <a:solidFill>
-                  <a:schemeClr val="tx1"/>
-                </a:solidFill>
-                <a:latin typeface="Arial" pitchFamily="34" charset="0"/>
-                <a:cs typeface="Arial" pitchFamily="34" charset="0"/>
-              </a:rPr>
-              <a:t>solución.</a:t>
+              <a:t>Ninguna  solución.</a:t>
             </a:r>
           </a:p>
           <a:p>
@@ -4819,27 +5112,7 @@
                 <a:latin typeface="Arial" pitchFamily="34" charset="0"/>
                 <a:cs typeface="Arial" pitchFamily="34" charset="0"/>
               </a:rPr>
-              <a:t> i</a:t>
-            </a:r>
-            <a:r>
-              <a:rPr lang="es-CO" sz="900" dirty="0" smtClean="0">
-                <a:solidFill>
-                  <a:schemeClr val="tx1"/>
-                </a:solidFill>
-                <a:latin typeface="Arial" pitchFamily="34" charset="0"/>
-                <a:cs typeface="Arial" pitchFamily="34" charset="0"/>
-              </a:rPr>
-              <a:t>nfinitas </a:t>
-            </a:r>
-            <a:r>
-              <a:rPr lang="es-CO" sz="900" dirty="0" smtClean="0">
-                <a:solidFill>
-                  <a:schemeClr val="tx1"/>
-                </a:solidFill>
-                <a:latin typeface="Arial" pitchFamily="34" charset="0"/>
-                <a:cs typeface="Arial" pitchFamily="34" charset="0"/>
-              </a:rPr>
-              <a:t>soluciones. </a:t>
+              <a:t>Infinitas soluciones. </a:t>
             </a:r>
           </a:p>
         </p:txBody>
@@ -4882,16 +5155,6 @@
           <a:p>
             <a:pPr algn="ctr"/>
             <a:r>
-              <a:rPr lang="es-CO" sz="900" dirty="0">
-                <a:solidFill>
-                  <a:schemeClr val="tx1"/>
-                </a:solidFill>
-                <a:latin typeface="Arial" pitchFamily="34" charset="0"/>
-                <a:cs typeface="Arial" pitchFamily="34" charset="0"/>
-              </a:rPr>
-              <a:t>p</a:t>
-            </a:r>
-            <a:r>
               <a:rPr lang="es-CO" sz="900" dirty="0" smtClean="0">
                 <a:solidFill>
                   <a:schemeClr val="tx1"/>
@@ -4899,7 +5162,7 @@
                 <a:latin typeface="Arial" pitchFamily="34" charset="0"/>
                 <a:cs typeface="Arial" pitchFamily="34" charset="0"/>
               </a:rPr>
-              <a:t>osibles soluciones</a:t>
+              <a:t>Puede pasar que tenga  </a:t>
             </a:r>
             <a:endParaRPr lang="es-CO" sz="900" dirty="0">
               <a:solidFill>
@@ -4923,7 +5186,7 @@
         <p:spPr>
           <a:xfrm>
             <a:off x="7706652" y="5136600"/>
-            <a:ext cx="6057" cy="193269"/>
+            <a:ext cx="6455" cy="193269"/>
           </a:xfrm>
           <a:prstGeom prst="straightConnector1">
             <a:avLst/>
@@ -5034,7 +5297,7 @@
                 <a:latin typeface="Arial" pitchFamily="34" charset="0"/>
                 <a:cs typeface="Arial" pitchFamily="34" charset="0"/>
               </a:rPr>
-              <a:t>posibles soluciones </a:t>
+              <a:t>Puede pasar que tenga  </a:t>
             </a:r>
             <a:endParaRPr lang="es-CO" sz="900" dirty="0">
               <a:solidFill>
@@ -5096,8 +5359,8 @@
         </p:nvCxnSpPr>
         <p:spPr>
           <a:xfrm>
-            <a:off x="11798752" y="3914490"/>
-            <a:ext cx="9004" cy="714442"/>
+            <a:off x="11803421" y="4064545"/>
+            <a:ext cx="4335" cy="564387"/>
           </a:xfrm>
           <a:prstGeom prst="straightConnector1">
             <a:avLst/>
@@ -5107,6 +5370,44 @@
               <a:schemeClr val="tx1"/>
             </a:solidFill>
             <a:tailEnd type="none"/>
+          </a:ln>
+        </p:spPr>
+        <p:style>
+          <a:lnRef idx="1">
+            <a:schemeClr val="accent1"/>
+          </a:lnRef>
+          <a:fillRef idx="0">
+            <a:schemeClr val="accent1"/>
+          </a:fillRef>
+          <a:effectRef idx="0">
+            <a:schemeClr val="accent1"/>
+          </a:effectRef>
+          <a:fontRef idx="minor">
+            <a:schemeClr val="tx1"/>
+          </a:fontRef>
+        </p:style>
+      </p:cxnSp>
+      <p:cxnSp>
+        <p:nvCxnSpPr>
+          <p:cNvPr id="424" name="423 Conector recto"/>
+          <p:cNvCxnSpPr>
+            <a:stCxn id="363" idx="2"/>
+            <a:endCxn id="333" idx="0"/>
+          </p:cNvCxnSpPr>
+          <p:nvPr/>
+        </p:nvCxnSpPr>
+        <p:spPr>
+          <a:xfrm>
+            <a:off x="1319402" y="4232147"/>
+            <a:ext cx="491" cy="217685"/>
+          </a:xfrm>
+          <a:prstGeom prst="line">
+            <a:avLst/>
+          </a:prstGeom>
+          <a:ln w="12700">
+            <a:solidFill>
+              <a:schemeClr val="tx1"/>
+            </a:solidFill>
           </a:ln>
         </p:spPr>
         <p:style>
@@ -5175,9 +5476,9 @@
           <p:nvPr/>
         </p:nvCxnSpPr>
         <p:spPr>
-          <a:xfrm flipH="1">
-            <a:off x="3011524" y="3916018"/>
-            <a:ext cx="1" cy="49021"/>
+          <a:xfrm>
+            <a:off x="3012183" y="4002211"/>
+            <a:ext cx="3412" cy="149336"/>
           </a:xfrm>
           <a:prstGeom prst="line">
             <a:avLst/>
@@ -5215,7 +5516,7 @@
         <p:spPr>
           <a:xfrm>
             <a:off x="4572339" y="1826791"/>
-            <a:ext cx="321858" cy="640251"/>
+            <a:ext cx="321858" cy="464965"/>
           </a:xfrm>
           <a:prstGeom prst="bentConnector2">
             <a:avLst/>
@@ -5253,8 +5554,8 @@
         </p:nvCxnSpPr>
         <p:spPr>
           <a:xfrm rot="10800000" flipV="1">
-            <a:off x="3011569" y="1826790"/>
-            <a:ext cx="313334" cy="560827"/>
+            <a:off x="3011651" y="1826790"/>
+            <a:ext cx="313252" cy="708021"/>
           </a:xfrm>
           <a:prstGeom prst="bentConnector2">
             <a:avLst/>
@@ -5683,7 +5984,7 @@
         <p:spPr>
           <a:xfrm>
             <a:off x="8741817" y="3965039"/>
-            <a:ext cx="10702" cy="1391888"/>
+            <a:ext cx="1627" cy="1391888"/>
           </a:xfrm>
           <a:prstGeom prst="line">
             <a:avLst/>
@@ -5797,7 +6098,7 @@
         <p:spPr>
           <a:xfrm>
             <a:off x="11795158" y="2983339"/>
-            <a:ext cx="3594" cy="249932"/>
+            <a:ext cx="8263" cy="249932"/>
           </a:xfrm>
           <a:prstGeom prst="line">
             <a:avLst/>
@@ -5907,8 +6208,8 @@
         </p:nvSpPr>
         <p:spPr>
           <a:xfrm>
-            <a:off x="5964932" y="6007186"/>
-            <a:ext cx="1505191" cy="512582"/>
+            <a:off x="6102841" y="6040620"/>
+            <a:ext cx="1243380" cy="512582"/>
           </a:xfrm>
           <a:prstGeom prst="rect">
             <a:avLst/>
@@ -5949,17 +6250,7 @@
                 <a:latin typeface="Arial" pitchFamily="34" charset="0"/>
                 <a:cs typeface="Arial" pitchFamily="34" charset="0"/>
               </a:rPr>
-              <a:t> una  </a:t>
-            </a:r>
-            <a:r>
-              <a:rPr lang="es-CO" sz="900" dirty="0" smtClean="0">
-                <a:solidFill>
-                  <a:schemeClr val="tx1"/>
-                </a:solidFill>
-                <a:latin typeface="Arial" pitchFamily="34" charset="0"/>
-                <a:cs typeface="Arial" pitchFamily="34" charset="0"/>
-              </a:rPr>
-              <a:t>solución.</a:t>
+              <a:t>Una  solución.</a:t>
             </a:r>
           </a:p>
           <a:p>
@@ -5975,17 +6266,7 @@
                 <a:latin typeface="Arial" pitchFamily="34" charset="0"/>
                 <a:cs typeface="Arial" pitchFamily="34" charset="0"/>
               </a:rPr>
-              <a:t> ninguna  </a:t>
-            </a:r>
-            <a:r>
-              <a:rPr lang="es-CO" sz="900" dirty="0" smtClean="0">
-                <a:solidFill>
-                  <a:schemeClr val="tx1"/>
-                </a:solidFill>
-                <a:latin typeface="Arial" pitchFamily="34" charset="0"/>
-                <a:cs typeface="Arial" pitchFamily="34" charset="0"/>
-              </a:rPr>
-              <a:t>solución.</a:t>
+              <a:t>Ninguna  solución.</a:t>
             </a:r>
           </a:p>
           <a:p>
@@ -6001,17 +6282,7 @@
                 <a:latin typeface="Arial" pitchFamily="34" charset="0"/>
                 <a:cs typeface="Arial" pitchFamily="34" charset="0"/>
               </a:rPr>
-              <a:t> infinitas </a:t>
-            </a:r>
-            <a:r>
-              <a:rPr lang="es-CO" sz="900" dirty="0" smtClean="0">
-                <a:solidFill>
-                  <a:schemeClr val="tx1"/>
-                </a:solidFill>
-                <a:latin typeface="Arial" pitchFamily="34" charset="0"/>
-                <a:cs typeface="Arial" pitchFamily="34" charset="0"/>
-              </a:rPr>
-              <a:t>soluciones. </a:t>
+              <a:t>Infinitas soluciones. </a:t>
             </a:r>
           </a:p>
         </p:txBody>
@@ -6024,7 +6295,7 @@
         </p:nvSpPr>
         <p:spPr>
           <a:xfrm>
-            <a:off x="8142141" y="6194368"/>
+            <a:off x="8117757" y="6194368"/>
             <a:ext cx="1243380" cy="512582"/>
           </a:xfrm>
           <a:prstGeom prst="rect">
@@ -6059,16 +6330,6 @@
               <a:buChar char="•"/>
             </a:pPr>
             <a:r>
-              <a:rPr lang="es-CO" sz="900" dirty="0">
-                <a:solidFill>
-                  <a:schemeClr val="tx1"/>
-                </a:solidFill>
-                <a:latin typeface="Arial" pitchFamily="34" charset="0"/>
-                <a:cs typeface="Arial" pitchFamily="34" charset="0"/>
-              </a:rPr>
-              <a:t>u</a:t>
-            </a:r>
-            <a:r>
               <a:rPr lang="es-CO" sz="900" dirty="0" smtClean="0">
                 <a:solidFill>
                   <a:schemeClr val="tx1"/>
@@ -6076,17 +6337,7 @@
                 <a:latin typeface="Arial" pitchFamily="34" charset="0"/>
                 <a:cs typeface="Arial" pitchFamily="34" charset="0"/>
               </a:rPr>
-              <a:t>na  </a:t>
-            </a:r>
-            <a:r>
-              <a:rPr lang="es-CO" sz="900" dirty="0" smtClean="0">
-                <a:solidFill>
-                  <a:schemeClr val="tx1"/>
-                </a:solidFill>
-                <a:latin typeface="Arial" pitchFamily="34" charset="0"/>
-                <a:cs typeface="Arial" pitchFamily="34" charset="0"/>
-              </a:rPr>
-              <a:t>solución.</a:t>
+              <a:t>Una  solución.</a:t>
             </a:r>
           </a:p>
           <a:p>
@@ -6095,16 +6346,6 @@
               <a:buChar char="•"/>
             </a:pPr>
             <a:r>
-              <a:rPr lang="es-CO" sz="900" dirty="0">
-                <a:solidFill>
-                  <a:schemeClr val="tx1"/>
-                </a:solidFill>
-                <a:latin typeface="Arial" pitchFamily="34" charset="0"/>
-                <a:cs typeface="Arial" pitchFamily="34" charset="0"/>
-              </a:rPr>
-              <a:t>n</a:t>
-            </a:r>
-            <a:r>
               <a:rPr lang="es-CO" sz="900" dirty="0" smtClean="0">
                 <a:solidFill>
                   <a:schemeClr val="tx1"/>
@@ -6112,17 +6353,7 @@
                 <a:latin typeface="Arial" pitchFamily="34" charset="0"/>
                 <a:cs typeface="Arial" pitchFamily="34" charset="0"/>
               </a:rPr>
-              <a:t>inguna  </a:t>
-            </a:r>
-            <a:r>
-              <a:rPr lang="es-CO" sz="900" dirty="0" smtClean="0">
-                <a:solidFill>
-                  <a:schemeClr val="tx1"/>
-                </a:solidFill>
-                <a:latin typeface="Arial" pitchFamily="34" charset="0"/>
-                <a:cs typeface="Arial" pitchFamily="34" charset="0"/>
-              </a:rPr>
-              <a:t>solución.</a:t>
+              <a:t>Ninguna  solución.</a:t>
             </a:r>
           </a:p>
           <a:p>
@@ -6131,16 +6362,6 @@
               <a:buChar char="•"/>
             </a:pPr>
             <a:r>
-              <a:rPr lang="es-CO" sz="900" dirty="0">
-                <a:solidFill>
-                  <a:schemeClr val="tx1"/>
-                </a:solidFill>
-                <a:latin typeface="Arial" pitchFamily="34" charset="0"/>
-                <a:cs typeface="Arial" pitchFamily="34" charset="0"/>
-              </a:rPr>
-              <a:t>i</a:t>
-            </a:r>
-            <a:r>
               <a:rPr lang="es-CO" sz="900" dirty="0" smtClean="0">
                 <a:solidFill>
                   <a:schemeClr val="tx1"/>
@@ -6148,17 +6369,7 @@
                 <a:latin typeface="Arial" pitchFamily="34" charset="0"/>
                 <a:cs typeface="Arial" pitchFamily="34" charset="0"/>
               </a:rPr>
-              <a:t>nfinitas </a:t>
-            </a:r>
-            <a:r>
-              <a:rPr lang="es-CO" sz="900" dirty="0" smtClean="0">
-                <a:solidFill>
-                  <a:schemeClr val="tx1"/>
-                </a:solidFill>
-                <a:latin typeface="Arial" pitchFamily="34" charset="0"/>
-                <a:cs typeface="Arial" pitchFamily="34" charset="0"/>
-              </a:rPr>
-              <a:t>soluciones. </a:t>
+              <a:t>Infinitas soluciones. </a:t>
             </a:r>
           </a:p>
         </p:txBody>
@@ -6206,16 +6417,6 @@
               <a:buChar char="•"/>
             </a:pPr>
             <a:r>
-              <a:rPr lang="es-CO" sz="900" dirty="0">
-                <a:solidFill>
-                  <a:schemeClr val="tx1"/>
-                </a:solidFill>
-                <a:latin typeface="Arial" pitchFamily="34" charset="0"/>
-                <a:cs typeface="Arial" pitchFamily="34" charset="0"/>
-              </a:rPr>
-              <a:t>u</a:t>
-            </a:r>
-            <a:r>
               <a:rPr lang="es-CO" sz="900" dirty="0" smtClean="0">
                 <a:solidFill>
                   <a:schemeClr val="tx1"/>
@@ -6223,17 +6424,7 @@
                 <a:latin typeface="Arial" pitchFamily="34" charset="0"/>
                 <a:cs typeface="Arial" pitchFamily="34" charset="0"/>
               </a:rPr>
-              <a:t>na  </a:t>
-            </a:r>
-            <a:r>
-              <a:rPr lang="es-CO" sz="900" dirty="0" smtClean="0">
-                <a:solidFill>
-                  <a:schemeClr val="tx1"/>
-                </a:solidFill>
-                <a:latin typeface="Arial" pitchFamily="34" charset="0"/>
-                <a:cs typeface="Arial" pitchFamily="34" charset="0"/>
-              </a:rPr>
-              <a:t>solución.</a:t>
+              <a:t>Una  solución.</a:t>
             </a:r>
           </a:p>
           <a:p>
@@ -6249,17 +6440,7 @@
                 <a:latin typeface="Arial" pitchFamily="34" charset="0"/>
                 <a:cs typeface="Arial" pitchFamily="34" charset="0"/>
               </a:rPr>
-              <a:t>ninguna  </a:t>
-            </a:r>
-            <a:r>
-              <a:rPr lang="es-CO" sz="900" dirty="0" smtClean="0">
-                <a:solidFill>
-                  <a:schemeClr val="tx1"/>
-                </a:solidFill>
-                <a:latin typeface="Arial" pitchFamily="34" charset="0"/>
-                <a:cs typeface="Arial" pitchFamily="34" charset="0"/>
-              </a:rPr>
-              <a:t>solución.</a:t>
+              <a:t>Ninguna  solución.</a:t>
             </a:r>
           </a:p>
           <a:p>
@@ -6275,17 +6456,7 @@
                 <a:latin typeface="Arial" pitchFamily="34" charset="0"/>
                 <a:cs typeface="Arial" pitchFamily="34" charset="0"/>
               </a:rPr>
-              <a:t>infinitas </a:t>
-            </a:r>
-            <a:r>
-              <a:rPr lang="es-CO" sz="900" dirty="0" smtClean="0">
-                <a:solidFill>
-                  <a:schemeClr val="tx1"/>
-                </a:solidFill>
-                <a:latin typeface="Arial" pitchFamily="34" charset="0"/>
-                <a:cs typeface="Arial" pitchFamily="34" charset="0"/>
-              </a:rPr>
-              <a:t>soluciones. </a:t>
+              <a:t>Infinitas soluciones. </a:t>
             </a:r>
           </a:p>
         </p:txBody>
@@ -6333,16 +6504,6 @@
               <a:buChar char="•"/>
             </a:pPr>
             <a:r>
-              <a:rPr lang="es-CO" sz="900" dirty="0">
-                <a:solidFill>
-                  <a:schemeClr val="tx1"/>
-                </a:solidFill>
-                <a:latin typeface="Arial" pitchFamily="34" charset="0"/>
-                <a:cs typeface="Arial" pitchFamily="34" charset="0"/>
-              </a:rPr>
-              <a:t>u</a:t>
-            </a:r>
-            <a:r>
               <a:rPr lang="es-CO" sz="900" dirty="0" smtClean="0">
                 <a:solidFill>
                   <a:schemeClr val="tx1"/>
@@ -6350,17 +6511,7 @@
                 <a:latin typeface="Arial" pitchFamily="34" charset="0"/>
                 <a:cs typeface="Arial" pitchFamily="34" charset="0"/>
               </a:rPr>
-              <a:t>na  </a:t>
-            </a:r>
-            <a:r>
-              <a:rPr lang="es-CO" sz="900" dirty="0" smtClean="0">
-                <a:solidFill>
-                  <a:schemeClr val="tx1"/>
-                </a:solidFill>
-                <a:latin typeface="Arial" pitchFamily="34" charset="0"/>
-                <a:cs typeface="Arial" pitchFamily="34" charset="0"/>
-              </a:rPr>
-              <a:t>solución.</a:t>
+              <a:t>Una  solución.</a:t>
             </a:r>
           </a:p>
           <a:p>
@@ -6376,17 +6527,7 @@
                 <a:latin typeface="Arial" pitchFamily="34" charset="0"/>
                 <a:cs typeface="Arial" pitchFamily="34" charset="0"/>
               </a:rPr>
-              <a:t>ninguna  </a:t>
-            </a:r>
-            <a:r>
-              <a:rPr lang="es-CO" sz="900" dirty="0" smtClean="0">
-                <a:solidFill>
-                  <a:schemeClr val="tx1"/>
-                </a:solidFill>
-                <a:latin typeface="Arial" pitchFamily="34" charset="0"/>
-                <a:cs typeface="Arial" pitchFamily="34" charset="0"/>
-              </a:rPr>
-              <a:t>solución.</a:t>
+              <a:t>Ninguna  solución.</a:t>
             </a:r>
           </a:p>
           <a:p>
@@ -6395,16 +6536,6 @@
               <a:buChar char="•"/>
             </a:pPr>
             <a:r>
-              <a:rPr lang="es-CO" sz="900" dirty="0">
-                <a:solidFill>
-                  <a:schemeClr val="tx1"/>
-                </a:solidFill>
-                <a:latin typeface="Arial" pitchFamily="34" charset="0"/>
-                <a:cs typeface="Arial" pitchFamily="34" charset="0"/>
-              </a:rPr>
-              <a:t>i</a:t>
-            </a:r>
-            <a:r>
               <a:rPr lang="es-CO" sz="900" dirty="0" smtClean="0">
                 <a:solidFill>
                   <a:schemeClr val="tx1"/>
@@ -6412,243 +6543,15 @@
                 <a:latin typeface="Arial" pitchFamily="34" charset="0"/>
                 <a:cs typeface="Arial" pitchFamily="34" charset="0"/>
               </a:rPr>
-              <a:t>nfinitas </a:t>
-            </a:r>
-            <a:r>
-              <a:rPr lang="es-CO" sz="900" dirty="0" smtClean="0">
-                <a:solidFill>
-                  <a:schemeClr val="tx1"/>
-                </a:solidFill>
-                <a:latin typeface="Arial" pitchFamily="34" charset="0"/>
-                <a:cs typeface="Arial" pitchFamily="34" charset="0"/>
-              </a:rPr>
-              <a:t>soluciones. </a:t>
+              <a:t>Infinitas soluciones. </a:t>
             </a:r>
           </a:p>
         </p:txBody>
       </p:sp>
-      <p:cxnSp>
-        <p:nvCxnSpPr>
-          <p:cNvPr id="1053" name="Conector angular 1052"/>
-          <p:cNvCxnSpPr>
-            <a:stCxn id="384" idx="2"/>
-            <a:endCxn id="388" idx="0"/>
-          </p:cNvCxnSpPr>
-          <p:nvPr/>
-        </p:nvCxnSpPr>
-        <p:spPr>
-          <a:xfrm rot="16200000" flipH="1">
-            <a:off x="3414528" y="3988577"/>
-            <a:ext cx="131088" cy="937097"/>
-          </a:xfrm>
-          <a:prstGeom prst="bentConnector3">
-            <a:avLst/>
-          </a:prstGeom>
-          <a:ln>
-            <a:solidFill>
-              <a:schemeClr val="tx1"/>
-            </a:solidFill>
-          </a:ln>
-        </p:spPr>
-        <p:style>
-          <a:lnRef idx="1">
-            <a:schemeClr val="accent1"/>
-          </a:lnRef>
-          <a:fillRef idx="0">
-            <a:schemeClr val="accent1"/>
-          </a:fillRef>
-          <a:effectRef idx="0">
-            <a:schemeClr val="accent1"/>
-          </a:effectRef>
-          <a:fontRef idx="minor">
-            <a:schemeClr val="tx1"/>
-          </a:fontRef>
-        </p:style>
-      </p:cxnSp>
-      <p:cxnSp>
-        <p:nvCxnSpPr>
-          <p:cNvPr id="1055" name="Conector angular 1054"/>
-          <p:cNvCxnSpPr>
-            <a:stCxn id="384" idx="2"/>
-            <a:endCxn id="381" idx="0"/>
-          </p:cNvCxnSpPr>
-          <p:nvPr/>
-        </p:nvCxnSpPr>
-        <p:spPr>
-          <a:xfrm rot="5400000">
-            <a:off x="2441342" y="3945760"/>
-            <a:ext cx="124360" cy="1016005"/>
-          </a:xfrm>
-          <a:prstGeom prst="bentConnector3">
-            <a:avLst/>
-          </a:prstGeom>
-          <a:ln>
-            <a:solidFill>
-              <a:schemeClr val="tx1"/>
-            </a:solidFill>
-          </a:ln>
-        </p:spPr>
-        <p:style>
-          <a:lnRef idx="1">
-            <a:schemeClr val="accent1"/>
-          </a:lnRef>
-          <a:fillRef idx="0">
-            <a:schemeClr val="accent1"/>
-          </a:fillRef>
-          <a:effectRef idx="0">
-            <a:schemeClr val="accent1"/>
-          </a:effectRef>
-          <a:fontRef idx="minor">
-            <a:schemeClr val="tx1"/>
-          </a:fontRef>
-        </p:style>
-      </p:cxnSp>
-      <p:cxnSp>
-        <p:nvCxnSpPr>
-          <p:cNvPr id="226" name="Conector recto 225"/>
-          <p:cNvCxnSpPr>
-            <a:stCxn id="381" idx="2"/>
-            <a:endCxn id="382" idx="0"/>
-          </p:cNvCxnSpPr>
-          <p:nvPr/>
-        </p:nvCxnSpPr>
-        <p:spPr>
-          <a:xfrm flipH="1">
-            <a:off x="1995036" y="4715005"/>
-            <a:ext cx="483" cy="183364"/>
-          </a:xfrm>
-          <a:prstGeom prst="line">
-            <a:avLst/>
-          </a:prstGeom>
-          <a:ln>
-            <a:solidFill>
-              <a:schemeClr val="tx1"/>
-            </a:solidFill>
-          </a:ln>
-        </p:spPr>
-        <p:style>
-          <a:lnRef idx="1">
-            <a:schemeClr val="accent1"/>
-          </a:lnRef>
-          <a:fillRef idx="0">
-            <a:schemeClr val="accent1"/>
-          </a:fillRef>
-          <a:effectRef idx="0">
-            <a:schemeClr val="accent1"/>
-          </a:effectRef>
-          <a:fontRef idx="minor">
-            <a:schemeClr val="tx1"/>
-          </a:fontRef>
-        </p:style>
-      </p:cxnSp>
-      <p:cxnSp>
-        <p:nvCxnSpPr>
-          <p:cNvPr id="228" name="Conector recto 227"/>
-          <p:cNvCxnSpPr>
-            <a:stCxn id="388" idx="2"/>
-            <a:endCxn id="390" idx="0"/>
-          </p:cNvCxnSpPr>
-          <p:nvPr/>
-        </p:nvCxnSpPr>
-        <p:spPr>
-          <a:xfrm>
-            <a:off x="3948621" y="4733869"/>
-            <a:ext cx="865" cy="191566"/>
-          </a:xfrm>
-          <a:prstGeom prst="line">
-            <a:avLst/>
-          </a:prstGeom>
-        </p:spPr>
-        <p:style>
-          <a:lnRef idx="1">
-            <a:schemeClr val="accent1"/>
-          </a:lnRef>
-          <a:fillRef idx="0">
-            <a:schemeClr val="accent1"/>
-          </a:fillRef>
-          <a:effectRef idx="0">
-            <a:schemeClr val="accent1"/>
-          </a:effectRef>
-          <a:fontRef idx="minor">
-            <a:schemeClr val="tx1"/>
-          </a:fontRef>
-        </p:style>
-      </p:cxnSp>
-      <p:cxnSp>
-        <p:nvCxnSpPr>
-          <p:cNvPr id="230" name="Conector recto 229"/>
-          <p:cNvCxnSpPr>
-            <a:stCxn id="382" idx="2"/>
-            <a:endCxn id="392" idx="0"/>
-          </p:cNvCxnSpPr>
-          <p:nvPr/>
-        </p:nvCxnSpPr>
-        <p:spPr>
-          <a:xfrm>
-            <a:off x="1995036" y="5398589"/>
-            <a:ext cx="412" cy="184089"/>
-          </a:xfrm>
-          <a:prstGeom prst="line">
-            <a:avLst/>
-          </a:prstGeom>
-          <a:ln>
-            <a:solidFill>
-              <a:schemeClr val="tx1"/>
-            </a:solidFill>
-          </a:ln>
-        </p:spPr>
-        <p:style>
-          <a:lnRef idx="1">
-            <a:schemeClr val="accent1"/>
-          </a:lnRef>
-          <a:fillRef idx="0">
-            <a:schemeClr val="accent1"/>
-          </a:fillRef>
-          <a:effectRef idx="0">
-            <a:schemeClr val="accent1"/>
-          </a:effectRef>
-          <a:fontRef idx="minor">
-            <a:schemeClr val="tx1"/>
-          </a:fontRef>
-        </p:style>
-      </p:cxnSp>
-      <p:cxnSp>
-        <p:nvCxnSpPr>
-          <p:cNvPr id="232" name="Conector recto 231"/>
-          <p:cNvCxnSpPr>
-            <a:stCxn id="392" idx="2"/>
-            <a:endCxn id="394" idx="0"/>
-          </p:cNvCxnSpPr>
-          <p:nvPr/>
-        </p:nvCxnSpPr>
-        <p:spPr>
-          <a:xfrm>
-            <a:off x="1995448" y="5681121"/>
-            <a:ext cx="1" cy="177282"/>
-          </a:xfrm>
-          <a:prstGeom prst="line">
-            <a:avLst/>
-          </a:prstGeom>
-        </p:spPr>
-        <p:style>
-          <a:lnRef idx="1">
-            <a:schemeClr val="accent1"/>
-          </a:lnRef>
-          <a:fillRef idx="0">
-            <a:schemeClr val="accent1"/>
-          </a:fillRef>
-          <a:effectRef idx="0">
-            <a:schemeClr val="accent1"/>
-          </a:effectRef>
-          <a:fontRef idx="minor">
-            <a:schemeClr val="tx1"/>
-          </a:fontRef>
-        </p:style>
-      </p:cxnSp>
     </p:spTree>
     <p:extLst>
       <p:ext uri="{BB962C8B-B14F-4D97-AF65-F5344CB8AC3E}">
-        <p14:creationId xmlns:p14="http://schemas.microsoft.com/office/powerpoint/2010/main" val="1910700679"/>
+        <p14:creationId xmlns:p14="http://schemas.microsoft.com/office/powerpoint/2010/main" xmlns="" val="1910700679"/>
       </p:ext>
     </p:extLst>
   </p:cSld>
@@ -6920,7 +6823,7 @@
   <a:extraClrSchemeLst/>
   <a:extLst>
     <a:ext uri="{05A4C25C-085E-4340-85A3-A5531E510DB2}">
-      <thm15:themeFamily xmlns:thm15="http://schemas.microsoft.com/office/thememl/2012/main" name="Office Theme" id="{62F939B6-93AF-4DB8-9C6B-D6C7DFDC589F}" vid="{4A3C46E8-61CC-4603-A589-7422A47A8E4A}"/>
+      <thm15:themeFamily xmlns="" xmlns:thm15="http://schemas.microsoft.com/office/thememl/2012/main" name="Office Theme" id="{62F939B6-93AF-4DB8-9C6B-D6C7DFDC589F}" vid="{4A3C46E8-61CC-4603-A589-7422A47A8E4A}"/>
     </a:ext>
   </a:extLst>
 </a:theme>

--- a/fuentes/contenidos/grado09/guion05/MapaConceptual_MA_09_05_CO.pptx
+++ b/fuentes/contenidos/grado09/guion05/MapaConceptual_MA_09_05_CO.pptx
@@ -150,13 +150,6 @@
   <p:clrMapOvr>
     <a:masterClrMapping/>
   </p:clrMapOvr>
-  <p:timing>
-    <p:tnLst>
-      <p:par>
-        <p:cTn id="1" dur="indefinite" restart="never" nodeType="tmRoot"/>
-      </p:par>
-    </p:tnLst>
-  </p:timing>
 </p:sldLayout>
 </file>
 
@@ -187,13 +180,6 @@
   <p:clrMapOvr>
     <a:masterClrMapping/>
   </p:clrMapOvr>
-  <p:timing>
-    <p:tnLst>
-      <p:par>
-        <p:cTn id="1" dur="indefinite" restart="never" nodeType="tmRoot"/>
-      </p:par>
-    </p:tnLst>
-  </p:timing>
 </p:sldLayout>
 </file>
 
@@ -224,13 +210,6 @@
   <p:clrMapOvr>
     <a:masterClrMapping/>
   </p:clrMapOvr>
-  <p:timing>
-    <p:tnLst>
-      <p:par>
-        <p:cTn id="1" dur="indefinite" restart="never" nodeType="tmRoot"/>
-      </p:par>
-    </p:tnLst>
-  </p:timing>
 </p:sldLayout>
 </file>
 
@@ -261,13 +240,6 @@
   <p:clrMapOvr>
     <a:masterClrMapping/>
   </p:clrMapOvr>
-  <p:timing>
-    <p:tnLst>
-      <p:par>
-        <p:cTn id="1" dur="indefinite" restart="never" nodeType="tmRoot"/>
-      </p:par>
-    </p:tnLst>
-  </p:timing>
 </p:sldLayout>
 </file>
 
@@ -298,13 +270,6 @@
   <p:clrMapOvr>
     <a:masterClrMapping/>
   </p:clrMapOvr>
-  <p:timing>
-    <p:tnLst>
-      <p:par>
-        <p:cTn id="1" dur="indefinite" restart="never" nodeType="tmRoot"/>
-      </p:par>
-    </p:tnLst>
-  </p:timing>
 </p:sldLayout>
 </file>
 
@@ -335,13 +300,6 @@
   <p:clrMapOvr>
     <a:masterClrMapping/>
   </p:clrMapOvr>
-  <p:timing>
-    <p:tnLst>
-      <p:par>
-        <p:cTn id="1" dur="indefinite" restart="never" nodeType="tmRoot"/>
-      </p:par>
-    </p:tnLst>
-  </p:timing>
 </p:sldLayout>
 </file>
 
@@ -372,13 +330,6 @@
   <p:clrMapOvr>
     <a:masterClrMapping/>
   </p:clrMapOvr>
-  <p:timing>
-    <p:tnLst>
-      <p:par>
-        <p:cTn id="1" dur="indefinite" restart="never" nodeType="tmRoot"/>
-      </p:par>
-    </p:tnLst>
-  </p:timing>
 </p:sldLayout>
 </file>
 
@@ -409,13 +360,6 @@
   <p:clrMapOvr>
     <a:masterClrMapping/>
   </p:clrMapOvr>
-  <p:timing>
-    <p:tnLst>
-      <p:par>
-        <p:cTn id="1" dur="indefinite" restart="never" nodeType="tmRoot"/>
-      </p:par>
-    </p:tnLst>
-  </p:timing>
 </p:sldLayout>
 </file>
 
@@ -462,7 +406,7 @@
             <a:fld id="{5001C876-01F7-4317-94B9-1AE222133113}" type="datetimeFigureOut">
               <a:rPr lang="es-ES" smtClean="0"/>
               <a:pPr/>
-              <a:t>11/12/2015</a:t>
+              <a:t>30/12/2015</a:t>
             </a:fld>
             <a:endParaRPr lang="es-ES"/>
           </a:p>
@@ -537,13 +481,6 @@
   <p:clrMapOvr>
     <a:masterClrMapping/>
   </p:clrMapOvr>
-  <p:timing>
-    <p:tnLst>
-      <p:par>
-        <p:cTn id="1" dur="indefinite" restart="never" nodeType="tmRoot"/>
-      </p:par>
-    </p:tnLst>
-  </p:timing>
 </p:sldLayout>
 </file>
 
@@ -574,13 +511,6 @@
   <p:clrMapOvr>
     <a:masterClrMapping/>
   </p:clrMapOvr>
-  <p:timing>
-    <p:tnLst>
-      <p:par>
-        <p:cTn id="1" dur="indefinite" restart="never" nodeType="tmRoot"/>
-      </p:par>
-    </p:tnLst>
-  </p:timing>
 </p:sldLayout>
 </file>
 
@@ -611,13 +541,6 @@
   <p:clrMapOvr>
     <a:masterClrMapping/>
   </p:clrMapOvr>
-  <p:timing>
-    <p:tnLst>
-      <p:par>
-        <p:cTn id="1" dur="indefinite" restart="never" nodeType="tmRoot"/>
-      </p:par>
-    </p:tnLst>
-  </p:timing>
 </p:sldLayout>
 </file>
 
@@ -671,7 +594,7 @@
                 <a:latin typeface="Arial" panose="020B0604020202020204" pitchFamily="34" charset="0"/>
                 <a:cs typeface="Arial" panose="020B0604020202020204" pitchFamily="34" charset="0"/>
               </a:rPr>
-              <a:t>© Editorial Planeta Colombiana S.A., 2015.</a:t>
+              <a:t>© Editorial Planeta Colombiana S.A., 2016.</a:t>
             </a:r>
             <a:endParaRPr lang="es-ES" sz="1200" dirty="0">
               <a:latin typeface="Arial" panose="020B0604020202020204" pitchFamily="34" charset="0"/>
@@ -701,9 +624,9 @@
           </a:stretch>
         </p:blipFill>
         <p:spPr>
-          <a:xfrm rot="16200000">
+          <a:xfrm rot="5400000">
             <a:off x="301871" y="161415"/>
-            <a:ext cx="181942" cy="253615"/>
+            <a:ext cx="182889" cy="182889"/>
           </a:xfrm>
           <a:prstGeom prst="rect">
             <a:avLst/>
@@ -731,13 +654,6 @@
     <p:sldLayoutId id="2147483670" r:id="rId10"/>
     <p:sldLayoutId id="2147483671" r:id="rId11"/>
   </p:sldLayoutIdLst>
-  <p:timing>
-    <p:tnLst>
-      <p:par>
-        <p:cTn id="1" dur="indefinite" restart="never" nodeType="tmRoot"/>
-      </p:par>
-    </p:tnLst>
-  </p:timing>
   <p:txStyles>
     <p:titleStyle>
       <a:lvl1pPr algn="l" defTabSz="914400" rtl="0" eaLnBrk="1" latinLnBrk="0" hangingPunct="1">
@@ -1658,13 +1574,6 @@
               </a:rPr>
               <a:t>onsiste </a:t>
             </a:r>
-            <a:endParaRPr lang="es-CO" sz="900" dirty="0" smtClean="0">
-              <a:solidFill>
-                <a:schemeClr val="tx1"/>
-              </a:solidFill>
-              <a:latin typeface="Arial" pitchFamily="34" charset="0"/>
-              <a:cs typeface="Arial" pitchFamily="34" charset="0"/>
-            </a:endParaRPr>
           </a:p>
           <a:p>
             <a:pPr algn="ctr"/>
@@ -1735,6 +1644,79 @@
               </a:rPr>
               <a:t>posibles soluciones</a:t>
             </a:r>
+          </a:p>
+        </p:txBody>
+      </p:sp>
+      <p:sp>
+        <p:nvSpPr>
+          <p:cNvPr id="301" name="Rectángulo 161"/>
+          <p:cNvSpPr/>
+          <p:nvPr/>
+        </p:nvSpPr>
+        <p:spPr>
+          <a:xfrm>
+            <a:off x="7338658" y="3421318"/>
+            <a:ext cx="729276" cy="329636"/>
+          </a:xfrm>
+          <a:prstGeom prst="rect">
+            <a:avLst/>
+          </a:prstGeom>
+          <a:ln>
+            <a:noFill/>
+          </a:ln>
+        </p:spPr>
+        <p:style>
+          <a:lnRef idx="2">
+            <a:schemeClr val="dk1"/>
+          </a:lnRef>
+          <a:fillRef idx="1">
+            <a:schemeClr val="lt1"/>
+          </a:fillRef>
+          <a:effectRef idx="0">
+            <a:schemeClr val="dk1"/>
+          </a:effectRef>
+          <a:fontRef idx="minor">
+            <a:schemeClr val="dk1"/>
+          </a:fontRef>
+        </p:style>
+        <p:txBody>
+          <a:bodyPr rtlCol="0" anchor="ctr"/>
+          <a:lstStyle/>
+          <a:p>
+            <a:pPr algn="ctr"/>
+            <a:r>
+              <a:rPr lang="es-CO" sz="900" dirty="0">
+                <a:solidFill>
+                  <a:schemeClr val="tx1"/>
+                </a:solidFill>
+                <a:latin typeface="Arial" pitchFamily="34" charset="0"/>
+                <a:cs typeface="Arial" pitchFamily="34" charset="0"/>
+              </a:rPr>
+              <a:t>c</a:t>
+            </a:r>
+            <a:r>
+              <a:rPr lang="es-CO" sz="900" dirty="0" smtClean="0">
+                <a:solidFill>
+                  <a:schemeClr val="tx1"/>
+                </a:solidFill>
+                <a:latin typeface="Arial" pitchFamily="34" charset="0"/>
+                <a:cs typeface="Arial" pitchFamily="34" charset="0"/>
+              </a:rPr>
+              <a:t>onsiste</a:t>
+            </a:r>
+          </a:p>
+          <a:p>
+            <a:pPr algn="ctr"/>
+            <a:r>
+              <a:rPr lang="es-CO" sz="900" dirty="0" smtClean="0">
+                <a:solidFill>
+                  <a:schemeClr val="tx1"/>
+                </a:solidFill>
+                <a:latin typeface="Arial" pitchFamily="34" charset="0"/>
+                <a:cs typeface="Arial" pitchFamily="34" charset="0"/>
+              </a:rPr>
+              <a:t> en </a:t>
+            </a:r>
             <a:endParaRPr lang="es-CO" sz="900" dirty="0">
               <a:solidFill>
                 <a:schemeClr val="tx1"/>
@@ -1747,14 +1729,82 @@
       </p:sp>
       <p:sp>
         <p:nvSpPr>
-          <p:cNvPr id="301" name="Rectángulo 161"/>
+          <p:cNvPr id="302" name="Rectángulo 162"/>
           <p:cNvSpPr/>
           <p:nvPr/>
         </p:nvSpPr>
         <p:spPr>
           <a:xfrm>
-            <a:off x="7338658" y="3421318"/>
-            <a:ext cx="729276" cy="329636"/>
+            <a:off x="6910598" y="4071054"/>
+            <a:ext cx="1586699" cy="662815"/>
+          </a:xfrm>
+          <a:prstGeom prst="rect">
+            <a:avLst/>
+          </a:prstGeom>
+          <a:solidFill>
+            <a:schemeClr val="bg2">
+              <a:lumMod val="50000"/>
+            </a:schemeClr>
+          </a:solidFill>
+        </p:spPr>
+        <p:style>
+          <a:lnRef idx="1">
+            <a:schemeClr val="dk1"/>
+          </a:lnRef>
+          <a:fillRef idx="2">
+            <a:schemeClr val="dk1"/>
+          </a:fillRef>
+          <a:effectRef idx="1">
+            <a:schemeClr val="dk1"/>
+          </a:effectRef>
+          <a:fontRef idx="minor">
+            <a:schemeClr val="dk1"/>
+          </a:fontRef>
+        </p:style>
+        <p:txBody>
+          <a:bodyPr rtlCol="0" anchor="ctr"/>
+          <a:lstStyle/>
+          <a:p>
+            <a:r>
+              <a:rPr lang="es-CO" sz="1050" dirty="0">
+                <a:solidFill>
+                  <a:schemeClr val="bg1"/>
+                </a:solidFill>
+                <a:latin typeface="Arial" pitchFamily="34" charset="0"/>
+                <a:cs typeface="Arial" pitchFamily="34" charset="0"/>
+              </a:rPr>
+              <a:t>d</a:t>
+            </a:r>
+            <a:r>
+              <a:rPr lang="es-CO" sz="1050" dirty="0" smtClean="0">
+                <a:solidFill>
+                  <a:schemeClr val="bg1"/>
+                </a:solidFill>
+                <a:latin typeface="Arial" pitchFamily="34" charset="0"/>
+                <a:cs typeface="Arial" pitchFamily="34" charset="0"/>
+              </a:rPr>
+              <a:t>espejar una variable en una ecuación  y reemplazarla en la otra ecuación   </a:t>
+            </a:r>
+            <a:endParaRPr lang="es-CO" sz="1050" dirty="0">
+              <a:solidFill>
+                <a:schemeClr val="bg1"/>
+              </a:solidFill>
+              <a:latin typeface="Arial" pitchFamily="34" charset="0"/>
+              <a:cs typeface="Arial" pitchFamily="34" charset="0"/>
+            </a:endParaRPr>
+          </a:p>
+        </p:txBody>
+      </p:sp>
+      <p:sp>
+        <p:nvSpPr>
+          <p:cNvPr id="304" name="Rectángulo 161"/>
+          <p:cNvSpPr/>
+          <p:nvPr/>
+        </p:nvSpPr>
+        <p:spPr>
+          <a:xfrm>
+            <a:off x="8377288" y="2692963"/>
+            <a:ext cx="734071" cy="373588"/>
           </a:xfrm>
           <a:prstGeom prst="rect">
             <a:avLst/>
@@ -1827,14 +1877,14 @@
       </p:sp>
       <p:sp>
         <p:nvSpPr>
-          <p:cNvPr id="302" name="Rectángulo 162"/>
+          <p:cNvPr id="306" name="Rectángulo 162"/>
           <p:cNvSpPr/>
           <p:nvPr/>
         </p:nvSpPr>
         <p:spPr>
           <a:xfrm>
-            <a:off x="6910598" y="4071054"/>
-            <a:ext cx="1586699" cy="662815"/>
+            <a:off x="7957119" y="3302224"/>
+            <a:ext cx="1569395" cy="662815"/>
           </a:xfrm>
           <a:prstGeom prst="rect">
             <a:avLst/>
@@ -1881,205 +1931,7 @@
                 <a:latin typeface="Arial" pitchFamily="34" charset="0"/>
                 <a:cs typeface="Arial" pitchFamily="34" charset="0"/>
               </a:rPr>
-              <a:t>espejar </a:t>
-            </a:r>
-            <a:r>
-              <a:rPr lang="es-CO" sz="1050" dirty="0" smtClean="0">
-                <a:solidFill>
-                  <a:schemeClr val="bg1"/>
-                </a:solidFill>
-                <a:latin typeface="Arial" pitchFamily="34" charset="0"/>
-                <a:cs typeface="Arial" pitchFamily="34" charset="0"/>
-              </a:rPr>
-              <a:t>una variable en una ecuación  y </a:t>
-            </a:r>
-            <a:r>
-              <a:rPr lang="es-CO" sz="1050" dirty="0" smtClean="0">
-                <a:solidFill>
-                  <a:schemeClr val="bg1"/>
-                </a:solidFill>
-                <a:latin typeface="Arial" pitchFamily="34" charset="0"/>
-                <a:cs typeface="Arial" pitchFamily="34" charset="0"/>
-              </a:rPr>
-              <a:t>reemplazarla </a:t>
-            </a:r>
-            <a:r>
-              <a:rPr lang="es-CO" sz="1050" dirty="0" smtClean="0">
-                <a:solidFill>
-                  <a:schemeClr val="bg1"/>
-                </a:solidFill>
-                <a:latin typeface="Arial" pitchFamily="34" charset="0"/>
-                <a:cs typeface="Arial" pitchFamily="34" charset="0"/>
-              </a:rPr>
-              <a:t>en la otra </a:t>
-            </a:r>
-            <a:r>
-              <a:rPr lang="es-CO" sz="1050" dirty="0" smtClean="0">
-                <a:solidFill>
-                  <a:schemeClr val="bg1"/>
-                </a:solidFill>
-                <a:latin typeface="Arial" pitchFamily="34" charset="0"/>
-                <a:cs typeface="Arial" pitchFamily="34" charset="0"/>
-              </a:rPr>
-              <a:t>ecuación   </a:t>
-            </a:r>
-            <a:endParaRPr lang="es-CO" sz="1050" dirty="0">
-              <a:solidFill>
-                <a:schemeClr val="bg1"/>
-              </a:solidFill>
-              <a:latin typeface="Arial" pitchFamily="34" charset="0"/>
-              <a:cs typeface="Arial" pitchFamily="34" charset="0"/>
-            </a:endParaRPr>
-          </a:p>
-        </p:txBody>
-      </p:sp>
-      <p:sp>
-        <p:nvSpPr>
-          <p:cNvPr id="304" name="Rectángulo 161"/>
-          <p:cNvSpPr/>
-          <p:nvPr/>
-        </p:nvSpPr>
-        <p:spPr>
-          <a:xfrm>
-            <a:off x="8377288" y="2692963"/>
-            <a:ext cx="734071" cy="373588"/>
-          </a:xfrm>
-          <a:prstGeom prst="rect">
-            <a:avLst/>
-          </a:prstGeom>
-          <a:ln>
-            <a:noFill/>
-          </a:ln>
-        </p:spPr>
-        <p:style>
-          <a:lnRef idx="2">
-            <a:schemeClr val="dk1"/>
-          </a:lnRef>
-          <a:fillRef idx="1">
-            <a:schemeClr val="lt1"/>
-          </a:fillRef>
-          <a:effectRef idx="0">
-            <a:schemeClr val="dk1"/>
-          </a:effectRef>
-          <a:fontRef idx="minor">
-            <a:schemeClr val="dk1"/>
-          </a:fontRef>
-        </p:style>
-        <p:txBody>
-          <a:bodyPr rtlCol="0" anchor="ctr"/>
-          <a:lstStyle/>
-          <a:p>
-            <a:pPr algn="ctr"/>
-            <a:r>
-              <a:rPr lang="es-CO" sz="900" dirty="0">
-                <a:solidFill>
-                  <a:schemeClr val="tx1"/>
-                </a:solidFill>
-                <a:latin typeface="Arial" pitchFamily="34" charset="0"/>
-                <a:cs typeface="Arial" pitchFamily="34" charset="0"/>
-              </a:rPr>
-              <a:t>c</a:t>
-            </a:r>
-            <a:r>
-              <a:rPr lang="es-CO" sz="900" dirty="0" smtClean="0">
-                <a:solidFill>
-                  <a:schemeClr val="tx1"/>
-                </a:solidFill>
-                <a:latin typeface="Arial" pitchFamily="34" charset="0"/>
-                <a:cs typeface="Arial" pitchFamily="34" charset="0"/>
-              </a:rPr>
-              <a:t>onsiste</a:t>
-            </a:r>
-          </a:p>
-          <a:p>
-            <a:pPr algn="ctr"/>
-            <a:r>
-              <a:rPr lang="es-CO" sz="900" dirty="0" smtClean="0">
-                <a:solidFill>
-                  <a:schemeClr val="tx1"/>
-                </a:solidFill>
-                <a:latin typeface="Arial" pitchFamily="34" charset="0"/>
-                <a:cs typeface="Arial" pitchFamily="34" charset="0"/>
-              </a:rPr>
-              <a:t> en </a:t>
-            </a:r>
-            <a:endParaRPr lang="es-CO" sz="900" dirty="0">
-              <a:solidFill>
-                <a:schemeClr val="tx1"/>
-              </a:solidFill>
-              <a:latin typeface="Arial" pitchFamily="34" charset="0"/>
-              <a:cs typeface="Arial" pitchFamily="34" charset="0"/>
-            </a:endParaRPr>
-          </a:p>
-        </p:txBody>
-      </p:sp>
-      <p:sp>
-        <p:nvSpPr>
-          <p:cNvPr id="306" name="Rectángulo 162"/>
-          <p:cNvSpPr/>
-          <p:nvPr/>
-        </p:nvSpPr>
-        <p:spPr>
-          <a:xfrm>
-            <a:off x="7957119" y="3302224"/>
-            <a:ext cx="1569395" cy="662815"/>
-          </a:xfrm>
-          <a:prstGeom prst="rect">
-            <a:avLst/>
-          </a:prstGeom>
-          <a:solidFill>
-            <a:schemeClr val="bg2">
-              <a:lumMod val="50000"/>
-            </a:schemeClr>
-          </a:solidFill>
-        </p:spPr>
-        <p:style>
-          <a:lnRef idx="1">
-            <a:schemeClr val="dk1"/>
-          </a:lnRef>
-          <a:fillRef idx="2">
-            <a:schemeClr val="dk1"/>
-          </a:fillRef>
-          <a:effectRef idx="1">
-            <a:schemeClr val="dk1"/>
-          </a:effectRef>
-          <a:fontRef idx="minor">
-            <a:schemeClr val="dk1"/>
-          </a:fontRef>
-        </p:style>
-        <p:txBody>
-          <a:bodyPr rtlCol="0" anchor="ctr"/>
-          <a:lstStyle/>
-          <a:p>
-            <a:r>
-              <a:rPr lang="es-CO" sz="1050" dirty="0">
-                <a:solidFill>
-                  <a:schemeClr val="bg1"/>
-                </a:solidFill>
-                <a:latin typeface="Arial" pitchFamily="34" charset="0"/>
-                <a:cs typeface="Arial" pitchFamily="34" charset="0"/>
-              </a:rPr>
-              <a:t>d</a:t>
-            </a:r>
-            <a:r>
-              <a:rPr lang="es-CO" sz="1050" dirty="0" smtClean="0">
-                <a:solidFill>
-                  <a:schemeClr val="bg1"/>
-                </a:solidFill>
-                <a:latin typeface="Arial" pitchFamily="34" charset="0"/>
-                <a:cs typeface="Arial" pitchFamily="34" charset="0"/>
-              </a:rPr>
-              <a:t>espejar la misma incógnita  en  las dos ecuaciones  e </a:t>
-            </a:r>
-            <a:r>
-              <a:rPr lang="es-CO" sz="1050" dirty="0" smtClean="0">
-                <a:solidFill>
-                  <a:schemeClr val="bg1"/>
-                </a:solidFill>
-                <a:latin typeface="Arial" pitchFamily="34" charset="0"/>
-                <a:cs typeface="Arial" pitchFamily="34" charset="0"/>
-              </a:rPr>
-              <a:t>igualarlas</a:t>
+              <a:t>espejar la misma incógnita  en  las dos ecuaciones  e igualarlas</a:t>
             </a:r>
             <a:r>
               <a:rPr lang="es-CO" sz="1100" dirty="0" smtClean="0">
@@ -2266,17 +2118,7 @@
                 <a:latin typeface="Arial" pitchFamily="34" charset="0"/>
                 <a:cs typeface="Arial" pitchFamily="34" charset="0"/>
               </a:rPr>
-              <a:t>ultiplicar </a:t>
-            </a:r>
-            <a:r>
-              <a:rPr lang="es-CO" sz="1050" dirty="0" smtClean="0">
-                <a:solidFill>
-                  <a:schemeClr val="bg1"/>
-                </a:solidFill>
-                <a:latin typeface="Arial" pitchFamily="34" charset="0"/>
-                <a:cs typeface="Arial" pitchFamily="34" charset="0"/>
-              </a:rPr>
-              <a:t>una de las ecuaciones por un numero  </a:t>
+              <a:t>ultiplicar una de las ecuaciones por un numero  </a:t>
             </a:r>
             <a:r>
               <a:rPr lang="es-CO" sz="1050" i="1" dirty="0" smtClean="0">
@@ -2463,13 +2305,6 @@
               </a:rPr>
               <a:t>hallar un número real asociado a una matriz cuadrada</a:t>
             </a:r>
-            <a:endParaRPr lang="es-CO" sz="1050" dirty="0" smtClean="0">
-              <a:solidFill>
-                <a:schemeClr val="bg1"/>
-              </a:solidFill>
-              <a:latin typeface="Arial" pitchFamily="34" charset="0"/>
-              <a:cs typeface="Arial" pitchFamily="34" charset="0"/>
-            </a:endParaRPr>
           </a:p>
           <a:p>
             <a:pPr algn="ctr"/>
@@ -2990,11 +2825,6 @@
               </a:rPr>
               <a:t>resolver situaciones problema  en diferentes ciencias </a:t>
             </a:r>
-            <a:endParaRPr lang="es-CO" sz="1200" dirty="0">
-              <a:solidFill>
-                <a:schemeClr val="bg1"/>
-              </a:solidFill>
-            </a:endParaRPr>
           </a:p>
         </p:txBody>
       </p:sp>
@@ -3187,17 +3017,7 @@
                 <a:latin typeface="Arial" pitchFamily="34" charset="0"/>
                 <a:cs typeface="Arial" pitchFamily="34" charset="0"/>
               </a:rPr>
-              <a:t>ya </a:t>
-            </a:r>
-            <a:r>
-              <a:rPr lang="es-CO" sz="900" dirty="0" smtClean="0">
-                <a:solidFill>
-                  <a:schemeClr val="tx1"/>
-                </a:solidFill>
-                <a:latin typeface="Arial" pitchFamily="34" charset="0"/>
-                <a:cs typeface="Arial" pitchFamily="34" charset="0"/>
-              </a:rPr>
-              <a:t>que </a:t>
+              <a:t>ya que </a:t>
             </a:r>
             <a:endParaRPr lang="es-CO" sz="900" dirty="0">
               <a:solidFill>
@@ -3751,27 +3571,7 @@
                 <a:latin typeface="Arial" pitchFamily="34" charset="0"/>
                 <a:cs typeface="Arial" pitchFamily="34" charset="0"/>
               </a:rPr>
-              <a:t>y </a:t>
-            </a:r>
-            <a:r>
-              <a:rPr lang="es-CO" sz="900" i="1" dirty="0" smtClean="0">
-                <a:solidFill>
-                  <a:schemeClr val="tx1"/>
-                </a:solidFill>
-                <a:latin typeface="Arial" pitchFamily="34" charset="0"/>
-                <a:cs typeface="Arial" pitchFamily="34" charset="0"/>
-              </a:rPr>
-              <a:t>= </a:t>
-            </a:r>
-            <a:r>
-              <a:rPr lang="es-CO" sz="900" i="1" dirty="0" smtClean="0">
-                <a:solidFill>
-                  <a:schemeClr val="tx1"/>
-                </a:solidFill>
-                <a:latin typeface="Arial" pitchFamily="34" charset="0"/>
-                <a:cs typeface="Arial" pitchFamily="34" charset="0"/>
-              </a:rPr>
-              <a:t>mx + b, m, b</a:t>
+              <a:t>y = mx + b, m, b</a:t>
             </a:r>
             <a:r>
               <a:rPr lang="es-CO" sz="900" i="1" dirty="0" smtClean="0">
@@ -3863,17 +3663,7 @@
                 <a:latin typeface="Arial" pitchFamily="34" charset="0"/>
                 <a:cs typeface="Arial" pitchFamily="34" charset="0"/>
               </a:rPr>
-              <a:t>e </a:t>
-            </a:r>
-            <a:r>
-              <a:rPr lang="es-CO" sz="900" dirty="0" smtClean="0">
-                <a:solidFill>
-                  <a:schemeClr val="tx1"/>
-                </a:solidFill>
-                <a:latin typeface="Arial" pitchFamily="34" charset="0"/>
-                <a:cs typeface="Arial" pitchFamily="34" charset="0"/>
-              </a:rPr>
-              <a:t>la forma    </a:t>
+              <a:t>e la forma    </a:t>
             </a:r>
             <a:endParaRPr lang="es-CO" sz="900" dirty="0">
               <a:solidFill>
@@ -4144,17 +3934,7 @@
                 <a:latin typeface="Arial" pitchFamily="34" charset="0"/>
                 <a:cs typeface="Arial" pitchFamily="34" charset="0"/>
               </a:rPr>
-              <a:t>que pueden </a:t>
-            </a:r>
-            <a:r>
-              <a:rPr lang="es-CO" sz="900" dirty="0" smtClean="0">
-                <a:solidFill>
-                  <a:schemeClr val="tx1"/>
-                </a:solidFill>
-                <a:latin typeface="Arial" pitchFamily="34" charset="0"/>
-                <a:cs typeface="Arial" pitchFamily="34" charset="0"/>
-              </a:rPr>
-              <a:t>ser </a:t>
+              <a:t>que pueden ser </a:t>
             </a:r>
           </a:p>
         </p:txBody>
@@ -4465,7 +4245,7 @@
                 <a:latin typeface="Arial" pitchFamily="34" charset="0"/>
                 <a:cs typeface="Arial" pitchFamily="34" charset="0"/>
               </a:rPr>
-              <a:t>Posibles </a:t>
+              <a:t>posibles </a:t>
             </a:r>
             <a:r>
               <a:rPr lang="es-CO" sz="900" dirty="0" smtClean="0">
@@ -4612,13 +4392,6 @@
               </a:rPr>
               <a:t>posibles soluciones</a:t>
             </a:r>
-            <a:endParaRPr lang="es-CO" sz="900" dirty="0">
-              <a:solidFill>
-                <a:schemeClr val="tx1"/>
-              </a:solidFill>
-              <a:latin typeface="Arial" pitchFamily="34" charset="0"/>
-              <a:cs typeface="Arial" pitchFamily="34" charset="0"/>
-            </a:endParaRPr>
           </a:p>
         </p:txBody>
       </p:sp>
@@ -4747,27 +4520,7 @@
                 <a:latin typeface="Arial" pitchFamily="34" charset="0"/>
                 <a:cs typeface="Arial" pitchFamily="34" charset="0"/>
               </a:rPr>
-              <a:t> u</a:t>
-            </a:r>
-            <a:r>
-              <a:rPr lang="es-CO" sz="900" dirty="0" smtClean="0">
-                <a:solidFill>
-                  <a:schemeClr val="tx1"/>
-                </a:solidFill>
-                <a:latin typeface="Arial" pitchFamily="34" charset="0"/>
-                <a:cs typeface="Arial" pitchFamily="34" charset="0"/>
-              </a:rPr>
-              <a:t>na  </a:t>
-            </a:r>
-            <a:r>
-              <a:rPr lang="es-CO" sz="900" dirty="0" smtClean="0">
-                <a:solidFill>
-                  <a:schemeClr val="tx1"/>
-                </a:solidFill>
-                <a:latin typeface="Arial" pitchFamily="34" charset="0"/>
-                <a:cs typeface="Arial" pitchFamily="34" charset="0"/>
-              </a:rPr>
-              <a:t>solución.</a:t>
+              <a:t> una  solución.</a:t>
             </a:r>
           </a:p>
           <a:p>
@@ -4783,27 +4536,7 @@
                 <a:latin typeface="Arial" pitchFamily="34" charset="0"/>
                 <a:cs typeface="Arial" pitchFamily="34" charset="0"/>
               </a:rPr>
-              <a:t> n</a:t>
-            </a:r>
-            <a:r>
-              <a:rPr lang="es-CO" sz="900" dirty="0" smtClean="0">
-                <a:solidFill>
-                  <a:schemeClr val="tx1"/>
-                </a:solidFill>
-                <a:latin typeface="Arial" pitchFamily="34" charset="0"/>
-                <a:cs typeface="Arial" pitchFamily="34" charset="0"/>
-              </a:rPr>
-              <a:t>inguna  </a:t>
-            </a:r>
-            <a:r>
-              <a:rPr lang="es-CO" sz="900" dirty="0" smtClean="0">
-                <a:solidFill>
-                  <a:schemeClr val="tx1"/>
-                </a:solidFill>
-                <a:latin typeface="Arial" pitchFamily="34" charset="0"/>
-                <a:cs typeface="Arial" pitchFamily="34" charset="0"/>
-              </a:rPr>
-              <a:t>solución.</a:t>
+              <a:t> ninguna  solución.</a:t>
             </a:r>
           </a:p>
           <a:p>
@@ -4819,27 +4552,7 @@
                 <a:latin typeface="Arial" pitchFamily="34" charset="0"/>
                 <a:cs typeface="Arial" pitchFamily="34" charset="0"/>
               </a:rPr>
-              <a:t> i</a:t>
-            </a:r>
-            <a:r>
-              <a:rPr lang="es-CO" sz="900" dirty="0" smtClean="0">
-                <a:solidFill>
-                  <a:schemeClr val="tx1"/>
-                </a:solidFill>
-                <a:latin typeface="Arial" pitchFamily="34" charset="0"/>
-                <a:cs typeface="Arial" pitchFamily="34" charset="0"/>
-              </a:rPr>
-              <a:t>nfinitas </a:t>
-            </a:r>
-            <a:r>
-              <a:rPr lang="es-CO" sz="900" dirty="0" smtClean="0">
-                <a:solidFill>
-                  <a:schemeClr val="tx1"/>
-                </a:solidFill>
-                <a:latin typeface="Arial" pitchFamily="34" charset="0"/>
-                <a:cs typeface="Arial" pitchFamily="34" charset="0"/>
-              </a:rPr>
-              <a:t>soluciones. </a:t>
+              <a:t> infinitas soluciones. </a:t>
             </a:r>
           </a:p>
         </p:txBody>
@@ -5949,17 +5662,7 @@
                 <a:latin typeface="Arial" pitchFamily="34" charset="0"/>
                 <a:cs typeface="Arial" pitchFamily="34" charset="0"/>
               </a:rPr>
-              <a:t> una  </a:t>
-            </a:r>
-            <a:r>
-              <a:rPr lang="es-CO" sz="900" dirty="0" smtClean="0">
-                <a:solidFill>
-                  <a:schemeClr val="tx1"/>
-                </a:solidFill>
-                <a:latin typeface="Arial" pitchFamily="34" charset="0"/>
-                <a:cs typeface="Arial" pitchFamily="34" charset="0"/>
-              </a:rPr>
-              <a:t>solución.</a:t>
+              <a:t> una  solución.</a:t>
             </a:r>
           </a:p>
           <a:p>
@@ -5975,17 +5678,7 @@
                 <a:latin typeface="Arial" pitchFamily="34" charset="0"/>
                 <a:cs typeface="Arial" pitchFamily="34" charset="0"/>
               </a:rPr>
-              <a:t> ninguna  </a:t>
-            </a:r>
-            <a:r>
-              <a:rPr lang="es-CO" sz="900" dirty="0" smtClean="0">
-                <a:solidFill>
-                  <a:schemeClr val="tx1"/>
-                </a:solidFill>
-                <a:latin typeface="Arial" pitchFamily="34" charset="0"/>
-                <a:cs typeface="Arial" pitchFamily="34" charset="0"/>
-              </a:rPr>
-              <a:t>solución.</a:t>
+              <a:t> ninguna  solución.</a:t>
             </a:r>
           </a:p>
           <a:p>
@@ -6001,17 +5694,7 @@
                 <a:latin typeface="Arial" pitchFamily="34" charset="0"/>
                 <a:cs typeface="Arial" pitchFamily="34" charset="0"/>
               </a:rPr>
-              <a:t> infinitas </a:t>
-            </a:r>
-            <a:r>
-              <a:rPr lang="es-CO" sz="900" dirty="0" smtClean="0">
-                <a:solidFill>
-                  <a:schemeClr val="tx1"/>
-                </a:solidFill>
-                <a:latin typeface="Arial" pitchFamily="34" charset="0"/>
-                <a:cs typeface="Arial" pitchFamily="34" charset="0"/>
-              </a:rPr>
-              <a:t>soluciones. </a:t>
+              <a:t> infinitas soluciones. </a:t>
             </a:r>
           </a:p>
         </p:txBody>
@@ -6076,17 +5759,7 @@
                 <a:latin typeface="Arial" pitchFamily="34" charset="0"/>
                 <a:cs typeface="Arial" pitchFamily="34" charset="0"/>
               </a:rPr>
-              <a:t>na  </a:t>
-            </a:r>
-            <a:r>
-              <a:rPr lang="es-CO" sz="900" dirty="0" smtClean="0">
-                <a:solidFill>
-                  <a:schemeClr val="tx1"/>
-                </a:solidFill>
-                <a:latin typeface="Arial" pitchFamily="34" charset="0"/>
-                <a:cs typeface="Arial" pitchFamily="34" charset="0"/>
-              </a:rPr>
-              <a:t>solución.</a:t>
+              <a:t>na  solución.</a:t>
             </a:r>
           </a:p>
           <a:p>
@@ -6112,17 +5785,7 @@
                 <a:latin typeface="Arial" pitchFamily="34" charset="0"/>
                 <a:cs typeface="Arial" pitchFamily="34" charset="0"/>
               </a:rPr>
-              <a:t>inguna  </a:t>
-            </a:r>
-            <a:r>
-              <a:rPr lang="es-CO" sz="900" dirty="0" smtClean="0">
-                <a:solidFill>
-                  <a:schemeClr val="tx1"/>
-                </a:solidFill>
-                <a:latin typeface="Arial" pitchFamily="34" charset="0"/>
-                <a:cs typeface="Arial" pitchFamily="34" charset="0"/>
-              </a:rPr>
-              <a:t>solución.</a:t>
+              <a:t>inguna  solución.</a:t>
             </a:r>
           </a:p>
           <a:p>
@@ -6148,17 +5811,7 @@
                 <a:latin typeface="Arial" pitchFamily="34" charset="0"/>
                 <a:cs typeface="Arial" pitchFamily="34" charset="0"/>
               </a:rPr>
-              <a:t>nfinitas </a:t>
-            </a:r>
-            <a:r>
-              <a:rPr lang="es-CO" sz="900" dirty="0" smtClean="0">
-                <a:solidFill>
-                  <a:schemeClr val="tx1"/>
-                </a:solidFill>
-                <a:latin typeface="Arial" pitchFamily="34" charset="0"/>
-                <a:cs typeface="Arial" pitchFamily="34" charset="0"/>
-              </a:rPr>
-              <a:t>soluciones. </a:t>
+              <a:t>nfinitas soluciones. </a:t>
             </a:r>
           </a:p>
         </p:txBody>
@@ -6223,17 +5876,7 @@
                 <a:latin typeface="Arial" pitchFamily="34" charset="0"/>
                 <a:cs typeface="Arial" pitchFamily="34" charset="0"/>
               </a:rPr>
-              <a:t>na  </a:t>
-            </a:r>
-            <a:r>
-              <a:rPr lang="es-CO" sz="900" dirty="0" smtClean="0">
-                <a:solidFill>
-                  <a:schemeClr val="tx1"/>
-                </a:solidFill>
-                <a:latin typeface="Arial" pitchFamily="34" charset="0"/>
-                <a:cs typeface="Arial" pitchFamily="34" charset="0"/>
-              </a:rPr>
-              <a:t>solución.</a:t>
+              <a:t>na  solución.</a:t>
             </a:r>
           </a:p>
           <a:p>
@@ -6249,17 +5892,7 @@
                 <a:latin typeface="Arial" pitchFamily="34" charset="0"/>
                 <a:cs typeface="Arial" pitchFamily="34" charset="0"/>
               </a:rPr>
-              <a:t>ninguna  </a:t>
-            </a:r>
-            <a:r>
-              <a:rPr lang="es-CO" sz="900" dirty="0" smtClean="0">
-                <a:solidFill>
-                  <a:schemeClr val="tx1"/>
-                </a:solidFill>
-                <a:latin typeface="Arial" pitchFamily="34" charset="0"/>
-                <a:cs typeface="Arial" pitchFamily="34" charset="0"/>
-              </a:rPr>
-              <a:t>solución.</a:t>
+              <a:t>ninguna  solución.</a:t>
             </a:r>
           </a:p>
           <a:p>
@@ -6275,17 +5908,7 @@
                 <a:latin typeface="Arial" pitchFamily="34" charset="0"/>
                 <a:cs typeface="Arial" pitchFamily="34" charset="0"/>
               </a:rPr>
-              <a:t>infinitas </a:t>
-            </a:r>
-            <a:r>
-              <a:rPr lang="es-CO" sz="900" dirty="0" smtClean="0">
-                <a:solidFill>
-                  <a:schemeClr val="tx1"/>
-                </a:solidFill>
-                <a:latin typeface="Arial" pitchFamily="34" charset="0"/>
-                <a:cs typeface="Arial" pitchFamily="34" charset="0"/>
-              </a:rPr>
-              <a:t>soluciones. </a:t>
+              <a:t>infinitas soluciones. </a:t>
             </a:r>
           </a:p>
         </p:txBody>
@@ -6350,17 +5973,7 @@
                 <a:latin typeface="Arial" pitchFamily="34" charset="0"/>
                 <a:cs typeface="Arial" pitchFamily="34" charset="0"/>
               </a:rPr>
-              <a:t>na  </a:t>
-            </a:r>
-            <a:r>
-              <a:rPr lang="es-CO" sz="900" dirty="0" smtClean="0">
-                <a:solidFill>
-                  <a:schemeClr val="tx1"/>
-                </a:solidFill>
-                <a:latin typeface="Arial" pitchFamily="34" charset="0"/>
-                <a:cs typeface="Arial" pitchFamily="34" charset="0"/>
-              </a:rPr>
-              <a:t>solución.</a:t>
+              <a:t>na  solución.</a:t>
             </a:r>
           </a:p>
           <a:p>
@@ -6376,17 +5989,7 @@
                 <a:latin typeface="Arial" pitchFamily="34" charset="0"/>
                 <a:cs typeface="Arial" pitchFamily="34" charset="0"/>
               </a:rPr>
-              <a:t>ninguna  </a:t>
-            </a:r>
-            <a:r>
-              <a:rPr lang="es-CO" sz="900" dirty="0" smtClean="0">
-                <a:solidFill>
-                  <a:schemeClr val="tx1"/>
-                </a:solidFill>
-                <a:latin typeface="Arial" pitchFamily="34" charset="0"/>
-                <a:cs typeface="Arial" pitchFamily="34" charset="0"/>
-              </a:rPr>
-              <a:t>solución.</a:t>
+              <a:t>ninguna  solución.</a:t>
             </a:r>
           </a:p>
           <a:p>
@@ -6412,17 +6015,7 @@
                 <a:latin typeface="Arial" pitchFamily="34" charset="0"/>
                 <a:cs typeface="Arial" pitchFamily="34" charset="0"/>
               </a:rPr>
-              <a:t>nfinitas </a:t>
-            </a:r>
-            <a:r>
-              <a:rPr lang="es-CO" sz="900" dirty="0" smtClean="0">
-                <a:solidFill>
-                  <a:schemeClr val="tx1"/>
-                </a:solidFill>
-                <a:latin typeface="Arial" pitchFamily="34" charset="0"/>
-                <a:cs typeface="Arial" pitchFamily="34" charset="0"/>
-              </a:rPr>
-              <a:t>soluciones. </a:t>
+              <a:t>nfinitas soluciones. </a:t>
             </a:r>
           </a:p>
         </p:txBody>
@@ -6655,13 +6248,6 @@
   <p:clrMapOvr>
     <a:masterClrMapping/>
   </p:clrMapOvr>
-  <p:timing>
-    <p:tnLst>
-      <p:par>
-        <p:cTn id="1" dur="indefinite" restart="never" nodeType="tmRoot"/>
-      </p:par>
-    </p:tnLst>
-  </p:timing>
 </p:sld>
 </file>
 
